--- a/RLgetPairs.pptx
+++ b/RLgetPairs.pptx
@@ -5,7 +5,7 @@
     <p:sldMasterId id="2147483648" r:id="rId1"/>
   </p:sldMasterIdLst>
   <p:notesMasterIdLst>
-    <p:notesMasterId r:id="rId16"/>
+    <p:notesMasterId r:id="rId18"/>
   </p:notesMasterIdLst>
   <p:sldIdLst>
     <p:sldId id="256" r:id="rId2"/>
@@ -15,13 +15,15 @@
     <p:sldId id="265" r:id="rId6"/>
     <p:sldId id="267" r:id="rId7"/>
     <p:sldId id="268" r:id="rId8"/>
-    <p:sldId id="261" r:id="rId9"/>
-    <p:sldId id="266" r:id="rId10"/>
-    <p:sldId id="270" r:id="rId11"/>
-    <p:sldId id="271" r:id="rId12"/>
-    <p:sldId id="262" r:id="rId13"/>
-    <p:sldId id="269" r:id="rId14"/>
-    <p:sldId id="263" r:id="rId15"/>
+    <p:sldId id="274" r:id="rId9"/>
+    <p:sldId id="273" r:id="rId10"/>
+    <p:sldId id="261" r:id="rId11"/>
+    <p:sldId id="266" r:id="rId12"/>
+    <p:sldId id="270" r:id="rId13"/>
+    <p:sldId id="271" r:id="rId14"/>
+    <p:sldId id="262" r:id="rId15"/>
+    <p:sldId id="263" r:id="rId16"/>
+    <p:sldId id="272" r:id="rId17"/>
   </p:sldIdLst>
   <p:sldSz cx="12192000" cy="6858000"/>
   <p:notesSz cx="6858000" cy="9144000"/>
@@ -128,14 +130,6 @@
 </p:presentation>
 </file>
 
-<file path=ppt/revisionInfo.xml><?xml version="1.0" encoding="utf-8"?>
-<p1510:revInfo xmlns:a="http://schemas.openxmlformats.org/drawingml/2006/main" xmlns:r="http://schemas.openxmlformats.org/officeDocument/2006/relationships" xmlns:p1510="http://schemas.microsoft.com/office/powerpoint/2015/10/main">
-  <p1510:revLst>
-    <p1510:client id="{FDCCFA6C-6DC7-4F0B-9BB6-F02361BA5122}" v="1" dt="2019-04-17T13:41:03.897"/>
-  </p1510:revLst>
-</p1510:revInfo>
-</file>
-
 <file path=ppt/notesMasters/notesMaster1.xml><?xml version="1.0" encoding="utf-8"?>
 <p:notesMaster xmlns:a="http://schemas.openxmlformats.org/drawingml/2006/main" xmlns:r="http://schemas.openxmlformats.org/officeDocument/2006/relationships" xmlns:p="http://schemas.openxmlformats.org/presentationml/2006/main">
   <p:cSld>
@@ -218,7 +212,7 @@
           <a:p>
             <a:fld id="{AC72D997-4647-442C-924D-B780A56A3F96}" type="datetimeFigureOut">
               <a:rPr lang="de-DE"/>
-              <a:t>14.05.2019</a:t>
+              <a:t>17.05.19</a:t>
             </a:fld>
             <a:endParaRPr lang="de-DE"/>
           </a:p>
@@ -1441,7 +1435,7 @@
           <a:p>
             <a:fld id="{D3EB3054-B75A-4BD7-8B3E-8DC0F614FAF3}" type="datetimeFigureOut">
               <a:rPr lang="de-DE" smtClean="0"/>
-              <a:t>14.05.2019</a:t>
+              <a:t>17.05.19</a:t>
             </a:fld>
             <a:endParaRPr lang="de-DE"/>
           </a:p>
@@ -1609,7 +1603,7 @@
           <a:p>
             <a:fld id="{D3EB3054-B75A-4BD7-8B3E-8DC0F614FAF3}" type="datetimeFigureOut">
               <a:rPr lang="de-DE" smtClean="0"/>
-              <a:t>14.05.2019</a:t>
+              <a:t>17.05.19</a:t>
             </a:fld>
             <a:endParaRPr lang="de-DE"/>
           </a:p>
@@ -1787,7 +1781,7 @@
           <a:p>
             <a:fld id="{D3EB3054-B75A-4BD7-8B3E-8DC0F614FAF3}" type="datetimeFigureOut">
               <a:rPr lang="de-DE" smtClean="0"/>
-              <a:t>14.05.2019</a:t>
+              <a:t>17.05.19</a:t>
             </a:fld>
             <a:endParaRPr lang="de-DE"/>
           </a:p>
@@ -1955,7 +1949,7 @@
           <a:p>
             <a:fld id="{D3EB3054-B75A-4BD7-8B3E-8DC0F614FAF3}" type="datetimeFigureOut">
               <a:rPr lang="de-DE" smtClean="0"/>
-              <a:t>14.05.2019</a:t>
+              <a:t>17.05.19</a:t>
             </a:fld>
             <a:endParaRPr lang="de-DE"/>
           </a:p>
@@ -2200,7 +2194,7 @@
           <a:p>
             <a:fld id="{D3EB3054-B75A-4BD7-8B3E-8DC0F614FAF3}" type="datetimeFigureOut">
               <a:rPr lang="de-DE" smtClean="0"/>
-              <a:t>14.05.2019</a:t>
+              <a:t>17.05.19</a:t>
             </a:fld>
             <a:endParaRPr lang="de-DE"/>
           </a:p>
@@ -2429,7 +2423,7 @@
           <a:p>
             <a:fld id="{D3EB3054-B75A-4BD7-8B3E-8DC0F614FAF3}" type="datetimeFigureOut">
               <a:rPr lang="de-DE" smtClean="0"/>
-              <a:t>14.05.2019</a:t>
+              <a:t>17.05.19</a:t>
             </a:fld>
             <a:endParaRPr lang="de-DE"/>
           </a:p>
@@ -2793,7 +2787,7 @@
           <a:p>
             <a:fld id="{D3EB3054-B75A-4BD7-8B3E-8DC0F614FAF3}" type="datetimeFigureOut">
               <a:rPr lang="de-DE" smtClean="0"/>
-              <a:t>14.05.2019</a:t>
+              <a:t>17.05.19</a:t>
             </a:fld>
             <a:endParaRPr lang="de-DE"/>
           </a:p>
@@ -2910,7 +2904,7 @@
           <a:p>
             <a:fld id="{D3EB3054-B75A-4BD7-8B3E-8DC0F614FAF3}" type="datetimeFigureOut">
               <a:rPr lang="de-DE" smtClean="0"/>
-              <a:t>14.05.2019</a:t>
+              <a:t>17.05.19</a:t>
             </a:fld>
             <a:endParaRPr lang="de-DE"/>
           </a:p>
@@ -3005,7 +2999,7 @@
           <a:p>
             <a:fld id="{D3EB3054-B75A-4BD7-8B3E-8DC0F614FAF3}" type="datetimeFigureOut">
               <a:rPr lang="de-DE" smtClean="0"/>
-              <a:t>14.05.2019</a:t>
+              <a:t>17.05.19</a:t>
             </a:fld>
             <a:endParaRPr lang="de-DE"/>
           </a:p>
@@ -3280,7 +3274,7 @@
           <a:p>
             <a:fld id="{D3EB3054-B75A-4BD7-8B3E-8DC0F614FAF3}" type="datetimeFigureOut">
               <a:rPr lang="de-DE" smtClean="0"/>
-              <a:t>14.05.2019</a:t>
+              <a:t>17.05.19</a:t>
             </a:fld>
             <a:endParaRPr lang="de-DE"/>
           </a:p>
@@ -3532,7 +3526,7 @@
           <a:p>
             <a:fld id="{D3EB3054-B75A-4BD7-8B3E-8DC0F614FAF3}" type="datetimeFigureOut">
               <a:rPr lang="de-DE" smtClean="0"/>
-              <a:t>14.05.2019</a:t>
+              <a:t>17.05.19</a:t>
             </a:fld>
             <a:endParaRPr lang="de-DE"/>
           </a:p>
@@ -3743,7 +3737,7 @@
           <a:p>
             <a:fld id="{D3EB3054-B75A-4BD7-8B3E-8DC0F614FAF3}" type="datetimeFigureOut">
               <a:rPr lang="de-DE" smtClean="0"/>
-              <a:t>14.05.2019</a:t>
+              <a:t>17.05.19</a:t>
             </a:fld>
             <a:endParaRPr lang="de-DE"/>
           </a:p>
@@ -4526,6 +4520,16 @@
           <a:lstStyle/>
           <a:p>
             <a:r>
+              <a:rPr lang="de-DE" b="1" dirty="0">
+                <a:solidFill>
+                  <a:srgbClr val="4472C4"/>
+                </a:solidFill>
+                <a:latin typeface="Calibri"/>
+                <a:cs typeface="Calibri"/>
+              </a:rPr>
+              <a:t>Vorgehen 4: </a:t>
+            </a:r>
+            <a:r>
               <a:rPr lang="de-DE" b="1" dirty="0" err="1">
                 <a:solidFill>
                   <a:srgbClr val="4472C4"/>
@@ -4533,58 +4537,15 @@
                 <a:latin typeface="Calibri"/>
                 <a:cs typeface="Calibri"/>
               </a:rPr>
-              <a:t>False</a:t>
-            </a:r>
-            <a:r>
-              <a:rPr lang="de-DE" b="1" dirty="0">
-                <a:solidFill>
-                  <a:srgbClr val="4472C4"/>
-                </a:solidFill>
-                <a:latin typeface="Calibri"/>
-                <a:cs typeface="Calibri"/>
-              </a:rPr>
-              <a:t> </a:t>
-            </a:r>
-            <a:r>
-              <a:rPr lang="de-DE" b="1" dirty="0" err="1">
-                <a:solidFill>
-                  <a:srgbClr val="4472C4"/>
-                </a:solidFill>
-                <a:latin typeface="Calibri"/>
-                <a:cs typeface="Calibri"/>
-              </a:rPr>
-              <a:t>matches</a:t>
-            </a:r>
-            <a:r>
-              <a:rPr lang="de-DE" b="1" dirty="0">
-                <a:solidFill>
-                  <a:srgbClr val="4472C4"/>
-                </a:solidFill>
-                <a:latin typeface="Calibri"/>
-                <a:cs typeface="Calibri"/>
-              </a:rPr>
-              <a:t> and </a:t>
-            </a:r>
-            <a:r>
-              <a:rPr lang="de-DE" b="1" dirty="0" err="1">
-                <a:solidFill>
-                  <a:srgbClr val="4472C4"/>
-                </a:solidFill>
-                <a:latin typeface="Calibri"/>
-                <a:cs typeface="Calibri"/>
-              </a:rPr>
-              <a:t>false</a:t>
-            </a:r>
-            <a:r>
-              <a:rPr lang="de-DE" b="1" dirty="0">
-                <a:solidFill>
-                  <a:srgbClr val="4472C4"/>
-                </a:solidFill>
-                <a:latin typeface="Calibri"/>
-                <a:cs typeface="Calibri"/>
-              </a:rPr>
-              <a:t> non-matches</a:t>
-            </a:r>
+              <a:t>Classification</a:t>
+            </a:r>
+            <a:endParaRPr lang="de-DE" b="1" dirty="0">
+              <a:solidFill>
+                <a:srgbClr val="4472C4"/>
+              </a:solidFill>
+              <a:latin typeface="Calibri"/>
+              <a:cs typeface="Calibri"/>
+            </a:endParaRPr>
           </a:p>
         </p:txBody>
       </p:sp>
@@ -4601,10 +4562,15 @@
             <a:spLocks noGrp="1"/>
           </p:cNvSpPr>
           <p:nvPr>
-            <p:ph idx="1"/>
-          </p:nvPr>
-        </p:nvSpPr>
-        <p:spPr/>
+            <p:ph sz="half" idx="1"/>
+          </p:nvPr>
+        </p:nvSpPr>
+        <p:spPr>
+          <a:xfrm>
+            <a:off x="838200" y="3429000"/>
+            <a:ext cx="5181600" cy="2747962"/>
+          </a:xfrm>
+        </p:spPr>
         <p:txBody>
           <a:bodyPr vert="horz" lIns="91440" tIns="45720" rIns="91440" bIns="45720" rtlCol="0" anchor="t">
             <a:normAutofit/>
@@ -4612,26 +4578,521 @@
           <a:lstStyle/>
           <a:p>
             <a:r>
+              <a:rPr lang="de-DE" dirty="0" err="1">
+                <a:cs typeface="Calibri"/>
+              </a:rPr>
+              <a:t>epiClassify</a:t>
+            </a:r>
+            <a:r>
               <a:rPr lang="de-DE" dirty="0">
                 <a:cs typeface="Calibri"/>
               </a:rPr>
-              <a:t>Synonym homonym</a:t>
-            </a:r>
-          </a:p>
-          <a:p>
+              <a:t> </a:t>
+            </a:r>
+          </a:p>
+          <a:p>
+            <a:pPr lvl="1"/>
+            <a:r>
+              <a:rPr lang="de-DE" dirty="0" err="1">
+                <a:cs typeface="Calibri"/>
+              </a:rPr>
+              <a:t>EpiLink</a:t>
+            </a:r>
+            <a:endParaRPr lang="de-DE" dirty="0">
+              <a:cs typeface="Calibri"/>
+            </a:endParaRPr>
+          </a:p>
+          <a:p>
+            <a:endParaRPr lang="de-DE" dirty="0">
+              <a:cs typeface="Calibri"/>
+            </a:endParaRPr>
+          </a:p>
+        </p:txBody>
+      </p:sp>
+      <p:sp>
+        <p:nvSpPr>
+          <p:cNvPr id="4" name="Inhaltsplatzhalter 3">
+            <a:extLst>
+              <a:ext uri="{FF2B5EF4-FFF2-40B4-BE49-F238E27FC236}">
+                <a16:creationId xmlns:a16="http://schemas.microsoft.com/office/drawing/2014/main" id="{08576DB6-6FF9-7040-B9DC-013A98C718D5}"/>
+              </a:ext>
+            </a:extLst>
+          </p:cNvPr>
+          <p:cNvSpPr>
+            <a:spLocks noGrp="1"/>
+          </p:cNvSpPr>
+          <p:nvPr>
+            <p:ph sz="half" idx="2"/>
+          </p:nvPr>
+        </p:nvSpPr>
+        <p:spPr>
+          <a:xfrm>
+            <a:off x="6172200" y="3272091"/>
+            <a:ext cx="5181600" cy="2904872"/>
+          </a:xfrm>
+        </p:spPr>
+        <p:txBody>
+          <a:bodyPr>
+            <a:normAutofit/>
+          </a:bodyPr>
+          <a:lstStyle/>
+          <a:p>
+            <a:r>
+              <a:rPr lang="de-DE" dirty="0" err="1">
+                <a:cs typeface="Calibri"/>
+              </a:rPr>
+              <a:t>emClassify</a:t>
+            </a:r>
+            <a:endParaRPr lang="de-DE" dirty="0">
+              <a:cs typeface="Calibri"/>
+            </a:endParaRPr>
+          </a:p>
+          <a:p>
+            <a:pPr lvl="1"/>
             <a:r>
               <a:rPr lang="de-DE" dirty="0">
                 <a:cs typeface="Calibri"/>
               </a:rPr>
-              <a:t>Was ist was</a:t>
-            </a:r>
+              <a:t>EM </a:t>
+            </a:r>
+            <a:r>
+              <a:rPr lang="de-DE" dirty="0" err="1">
+                <a:cs typeface="Calibri"/>
+              </a:rPr>
+              <a:t>Algorithm</a:t>
+            </a:r>
+            <a:endParaRPr lang="de-DE" dirty="0">
+              <a:cs typeface="Calibri"/>
+            </a:endParaRPr>
+          </a:p>
+          <a:p>
+            <a:endParaRPr lang="de-DE" dirty="0"/>
+          </a:p>
+        </p:txBody>
+      </p:sp>
+      <p:sp>
+        <p:nvSpPr>
+          <p:cNvPr id="5" name="Textfeld 4">
+            <a:extLst>
+              <a:ext uri="{FF2B5EF4-FFF2-40B4-BE49-F238E27FC236}">
+                <a16:creationId xmlns:a16="http://schemas.microsoft.com/office/drawing/2014/main" id="{A6318201-4B89-0649-AD68-E7BF03B36848}"/>
+              </a:ext>
+            </a:extLst>
+          </p:cNvPr>
+          <p:cNvSpPr txBox="1"/>
+          <p:nvPr/>
+        </p:nvSpPr>
+        <p:spPr>
+          <a:xfrm>
+            <a:off x="838200" y="1456209"/>
+            <a:ext cx="10515600" cy="1815882"/>
+          </a:xfrm>
+          <a:prstGeom prst="rect">
+            <a:avLst/>
+          </a:prstGeom>
+          <a:noFill/>
+        </p:spPr>
+        <p:txBody>
+          <a:bodyPr wrap="square" rtlCol="0">
+            <a:spAutoFit/>
+          </a:bodyPr>
+          <a:lstStyle/>
+          <a:p>
+            <a:r>
+              <a:rPr lang="de-DE" sz="2800" dirty="0" err="1">
+                <a:cs typeface="Calibri"/>
+              </a:rPr>
+              <a:t>To</a:t>
+            </a:r>
+            <a:r>
+              <a:rPr lang="de-DE" sz="2800" dirty="0">
+                <a:cs typeface="Calibri"/>
+              </a:rPr>
+              <a:t> </a:t>
+            </a:r>
+            <a:r>
+              <a:rPr lang="de-DE" sz="2800" dirty="0" err="1">
+                <a:cs typeface="Calibri"/>
+              </a:rPr>
+              <a:t>select</a:t>
+            </a:r>
+            <a:r>
+              <a:rPr lang="de-DE" sz="2800" dirty="0">
+                <a:cs typeface="Calibri"/>
+              </a:rPr>
+              <a:t> </a:t>
+            </a:r>
+            <a:r>
+              <a:rPr lang="de-DE" sz="2800" dirty="0" err="1">
+                <a:cs typeface="Calibri"/>
+              </a:rPr>
+              <a:t>with</a:t>
+            </a:r>
+            <a:r>
+              <a:rPr lang="de-DE" sz="2800" dirty="0">
+                <a:cs typeface="Calibri"/>
+              </a:rPr>
+              <a:t> „</a:t>
+            </a:r>
+            <a:r>
+              <a:rPr lang="de-DE" sz="2800" dirty="0" err="1">
+                <a:cs typeface="Calibri"/>
+              </a:rPr>
+              <a:t>show</a:t>
+            </a:r>
+            <a:r>
+              <a:rPr lang="de-DE" sz="2800" dirty="0">
+                <a:cs typeface="Calibri"/>
+              </a:rPr>
+              <a:t>“ in </a:t>
+            </a:r>
+            <a:r>
+              <a:rPr lang="de-DE" sz="2800" dirty="0" err="1">
+                <a:cs typeface="Calibri"/>
+              </a:rPr>
+              <a:t>getPairs</a:t>
+            </a:r>
+            <a:r>
+              <a:rPr lang="de-DE" sz="2800" dirty="0">
+                <a:cs typeface="Calibri"/>
+              </a:rPr>
+              <a:t>() </a:t>
+            </a:r>
+            <a:r>
+              <a:rPr lang="de-DE" sz="2800" dirty="0" err="1">
+                <a:cs typeface="Calibri"/>
+              </a:rPr>
+              <a:t>function</a:t>
+            </a:r>
+            <a:r>
+              <a:rPr lang="de-DE" sz="2800" dirty="0">
+                <a:cs typeface="Calibri"/>
+              </a:rPr>
+              <a:t>, </a:t>
+            </a:r>
+            <a:r>
+              <a:rPr lang="de-DE" sz="2800" dirty="0" err="1">
+                <a:cs typeface="Calibri"/>
+              </a:rPr>
+              <a:t>you</a:t>
+            </a:r>
+            <a:r>
+              <a:rPr lang="de-DE" sz="2800" dirty="0">
+                <a:cs typeface="Calibri"/>
+              </a:rPr>
+              <a:t> </a:t>
+            </a:r>
+            <a:r>
+              <a:rPr lang="de-DE" sz="2800" dirty="0" err="1">
+                <a:cs typeface="Calibri"/>
+              </a:rPr>
+              <a:t>need</a:t>
+            </a:r>
+            <a:r>
+              <a:rPr lang="de-DE" sz="2800" dirty="0">
+                <a:cs typeface="Calibri"/>
+              </a:rPr>
+              <a:t> </a:t>
+            </a:r>
+            <a:r>
+              <a:rPr lang="de-DE" sz="2800" dirty="0" err="1">
+                <a:cs typeface="Calibri"/>
+              </a:rPr>
+              <a:t>first</a:t>
+            </a:r>
+            <a:r>
+              <a:rPr lang="de-DE" sz="2800" dirty="0">
+                <a:cs typeface="Calibri"/>
+              </a:rPr>
+              <a:t> </a:t>
+            </a:r>
+            <a:r>
+              <a:rPr lang="de-DE" sz="2800" dirty="0" err="1">
+                <a:cs typeface="Calibri"/>
+              </a:rPr>
+              <a:t>to</a:t>
+            </a:r>
+            <a:r>
+              <a:rPr lang="de-DE" sz="2800" dirty="0">
+                <a:cs typeface="Calibri"/>
+              </a:rPr>
+              <a:t> </a:t>
+            </a:r>
+            <a:r>
+              <a:rPr lang="de-DE" sz="2800" dirty="0" err="1">
+                <a:cs typeface="Calibri"/>
+              </a:rPr>
+              <a:t>Classify</a:t>
+            </a:r>
+            <a:r>
+              <a:rPr lang="de-DE" sz="2800" dirty="0">
+                <a:cs typeface="Calibri"/>
+              </a:rPr>
+              <a:t> </a:t>
+            </a:r>
+            <a:r>
+              <a:rPr lang="de-DE" sz="2800" dirty="0" err="1">
+                <a:cs typeface="Calibri"/>
+              </a:rPr>
+              <a:t>your</a:t>
+            </a:r>
+            <a:r>
+              <a:rPr lang="de-DE" sz="2800" dirty="0">
+                <a:cs typeface="Calibri"/>
+              </a:rPr>
+              <a:t> </a:t>
+            </a:r>
+            <a:r>
+              <a:rPr lang="de-DE" sz="2800" dirty="0" err="1">
+                <a:cs typeface="Calibri"/>
+              </a:rPr>
+              <a:t>dataset</a:t>
+            </a:r>
+            <a:r>
+              <a:rPr lang="de-DE" sz="2800" dirty="0">
+                <a:cs typeface="Calibri"/>
+              </a:rPr>
+              <a:t> </a:t>
+            </a:r>
+            <a:r>
+              <a:rPr lang="de-DE" sz="2800" dirty="0" err="1">
+                <a:cs typeface="Calibri"/>
+              </a:rPr>
+              <a:t>with</a:t>
+            </a:r>
+            <a:r>
+              <a:rPr lang="de-DE" sz="2800" dirty="0">
+                <a:cs typeface="Calibri"/>
+              </a:rPr>
+              <a:t> </a:t>
+            </a:r>
+            <a:r>
+              <a:rPr lang="de-DE" sz="2800" dirty="0" err="1">
+                <a:cs typeface="Calibri"/>
+              </a:rPr>
+              <a:t>epiClassify</a:t>
+            </a:r>
+            <a:r>
+              <a:rPr lang="de-DE" sz="2800" dirty="0">
+                <a:cs typeface="Calibri"/>
+              </a:rPr>
+              <a:t>() </a:t>
+            </a:r>
+            <a:r>
+              <a:rPr lang="de-DE" sz="2800" dirty="0" err="1">
+                <a:cs typeface="Calibri"/>
+              </a:rPr>
+              <a:t>or</a:t>
+            </a:r>
+            <a:r>
+              <a:rPr lang="de-DE" sz="2800" dirty="0">
+                <a:cs typeface="Calibri"/>
+              </a:rPr>
+              <a:t> </a:t>
+            </a:r>
+            <a:r>
+              <a:rPr lang="de-DE" sz="2800" dirty="0" err="1">
+                <a:cs typeface="Calibri"/>
+              </a:rPr>
+              <a:t>emClassify</a:t>
+            </a:r>
+            <a:r>
+              <a:rPr lang="de-DE" sz="2800" dirty="0">
+                <a:cs typeface="Calibri"/>
+              </a:rPr>
+              <a:t>() </a:t>
+            </a:r>
+            <a:r>
+              <a:rPr lang="de-DE" sz="2800" dirty="0" err="1">
+                <a:cs typeface="Calibri"/>
+              </a:rPr>
+              <a:t>depending</a:t>
+            </a:r>
+            <a:r>
+              <a:rPr lang="de-DE" sz="2800" dirty="0">
+                <a:cs typeface="Calibri"/>
+              </a:rPr>
+              <a:t> </a:t>
+            </a:r>
+            <a:r>
+              <a:rPr lang="de-DE" sz="2800" dirty="0" err="1">
+                <a:cs typeface="Calibri"/>
+              </a:rPr>
+              <a:t>your</a:t>
+            </a:r>
+            <a:r>
+              <a:rPr lang="de-DE" sz="2800" dirty="0">
+                <a:cs typeface="Calibri"/>
+              </a:rPr>
+              <a:t> </a:t>
+            </a:r>
+            <a:r>
+              <a:rPr lang="de-DE" sz="2800" dirty="0" err="1">
+                <a:cs typeface="Calibri"/>
+              </a:rPr>
+              <a:t>approach</a:t>
+            </a:r>
+            <a:r>
+              <a:rPr lang="de-DE" sz="2800" dirty="0">
+                <a:cs typeface="Calibri"/>
+              </a:rPr>
+              <a:t> (</a:t>
+            </a:r>
+            <a:r>
+              <a:rPr lang="de-DE" sz="2800" dirty="0" err="1">
+                <a:cs typeface="Calibri"/>
+              </a:rPr>
+              <a:t>epiWeight</a:t>
+            </a:r>
+            <a:r>
+              <a:rPr lang="de-DE" sz="2800" dirty="0">
+                <a:cs typeface="Calibri"/>
+              </a:rPr>
+              <a:t> </a:t>
+            </a:r>
+            <a:r>
+              <a:rPr lang="de-DE" sz="2800" dirty="0" err="1">
+                <a:cs typeface="Calibri"/>
+              </a:rPr>
+              <a:t>or</a:t>
+            </a:r>
+            <a:r>
+              <a:rPr lang="de-DE" sz="2800" dirty="0">
+                <a:cs typeface="Calibri"/>
+              </a:rPr>
+              <a:t> </a:t>
+            </a:r>
+            <a:r>
+              <a:rPr lang="de-DE" sz="2800" dirty="0" err="1">
+                <a:cs typeface="Calibri"/>
+              </a:rPr>
+              <a:t>emWeigth</a:t>
+            </a:r>
+            <a:r>
+              <a:rPr lang="de-DE" sz="2800" dirty="0">
+                <a:cs typeface="Calibri"/>
+              </a:rPr>
+              <a:t>)</a:t>
+            </a:r>
+          </a:p>
+          <a:p>
+            <a:endParaRPr lang="de-DE" sz="2800" dirty="0"/>
+          </a:p>
+        </p:txBody>
+      </p:sp>
+      <p:sp>
+        <p:nvSpPr>
+          <p:cNvPr id="6" name="Textfeld 5">
+            <a:extLst>
+              <a:ext uri="{FF2B5EF4-FFF2-40B4-BE49-F238E27FC236}">
+                <a16:creationId xmlns:a16="http://schemas.microsoft.com/office/drawing/2014/main" id="{609FB23F-5E68-3640-849C-CBAD267FCCF4}"/>
+              </a:ext>
+            </a:extLst>
+          </p:cNvPr>
+          <p:cNvSpPr txBox="1"/>
+          <p:nvPr/>
+        </p:nvSpPr>
+        <p:spPr>
+          <a:xfrm>
+            <a:off x="2704563" y="4530328"/>
+            <a:ext cx="7594323" cy="923330"/>
+          </a:xfrm>
+          <a:prstGeom prst="rect">
+            <a:avLst/>
+          </a:prstGeom>
+          <a:noFill/>
+        </p:spPr>
+        <p:txBody>
+          <a:bodyPr wrap="none" rtlCol="0">
+            <a:spAutoFit/>
+          </a:bodyPr>
+          <a:lstStyle/>
+          <a:p>
+            <a:r>
+              <a:rPr lang="de-DE" dirty="0" err="1">
+                <a:cs typeface="Calibri"/>
+              </a:rPr>
+              <a:t>Threshold.upper</a:t>
+            </a:r>
+            <a:r>
+              <a:rPr lang="de-DE" dirty="0">
+                <a:cs typeface="Calibri"/>
+              </a:rPr>
+              <a:t> </a:t>
+            </a:r>
+            <a:r>
+              <a:rPr lang="de-DE" dirty="0">
+                <a:cs typeface="Calibri"/>
+                <a:sym typeface="Wingdings" pitchFamily="2" charset="2"/>
+              </a:rPr>
+              <a:t></a:t>
+            </a:r>
+            <a:r>
+              <a:rPr lang="de-DE" dirty="0">
+                <a:cs typeface="Calibri"/>
+              </a:rPr>
+              <a:t> Schwellenwert ab wann, </a:t>
+            </a:r>
+            <a:r>
+              <a:rPr lang="de-DE" dirty="0" err="1">
+                <a:cs typeface="Calibri"/>
+              </a:rPr>
+              <a:t>pairs</a:t>
+            </a:r>
+            <a:r>
+              <a:rPr lang="de-DE" dirty="0">
+                <a:cs typeface="Calibri"/>
+              </a:rPr>
+              <a:t> zu links werden</a:t>
+            </a:r>
+          </a:p>
+          <a:p>
+            <a:r>
+              <a:rPr lang="de-DE" dirty="0" err="1">
+                <a:cs typeface="Calibri"/>
+              </a:rPr>
+              <a:t>Threshold.under</a:t>
+            </a:r>
+            <a:r>
+              <a:rPr lang="de-DE" dirty="0">
+                <a:cs typeface="Calibri"/>
+              </a:rPr>
+              <a:t> </a:t>
+            </a:r>
+            <a:r>
+              <a:rPr lang="de-DE" dirty="0">
+                <a:cs typeface="Calibri"/>
+                <a:sym typeface="Wingdings" pitchFamily="2" charset="2"/>
+              </a:rPr>
+              <a:t> Schwellenwert ab wann, non-links zu </a:t>
+            </a:r>
+            <a:r>
+              <a:rPr lang="de-DE" dirty="0" err="1">
+                <a:cs typeface="Calibri"/>
+                <a:sym typeface="Wingdings" pitchFamily="2" charset="2"/>
+              </a:rPr>
+              <a:t>possible</a:t>
+            </a:r>
+            <a:r>
+              <a:rPr lang="de-DE" dirty="0">
+                <a:cs typeface="Calibri"/>
+                <a:sym typeface="Wingdings" pitchFamily="2" charset="2"/>
+              </a:rPr>
+              <a:t> links werden</a:t>
+            </a:r>
+            <a:endParaRPr lang="de-DE" dirty="0">
+              <a:cs typeface="Calibri"/>
+            </a:endParaRPr>
+          </a:p>
+          <a:p>
+            <a:endParaRPr lang="de-DE" dirty="0"/>
           </a:p>
         </p:txBody>
       </p:sp>
     </p:spTree>
     <p:extLst>
       <p:ext uri="{BB962C8B-B14F-4D97-AF65-F5344CB8AC3E}">
-        <p14:creationId xmlns:p14="http://schemas.microsoft.com/office/powerpoint/2010/main" val="3240049716"/>
+        <p14:creationId xmlns:p14="http://schemas.microsoft.com/office/powerpoint/2010/main" val="2515221404"/>
       </p:ext>
     </p:extLst>
   </p:cSld>
@@ -4705,6 +5166,380 @@
                 <a:latin typeface="Calibri"/>
                 <a:cs typeface="Calibri"/>
               </a:rPr>
+              <a:t>: </a:t>
+            </a:r>
+            <a:r>
+              <a:rPr lang="en-US" sz="5400" b="1" dirty="0" err="1">
+                <a:solidFill>
+                  <a:schemeClr val="accent1"/>
+                </a:solidFill>
+                <a:latin typeface="Calibri"/>
+                <a:cs typeface="Calibri"/>
+              </a:rPr>
+              <a:t>getpairs</a:t>
+            </a:r>
+            <a:endParaRPr lang="en-US" sz="5400" b="1" dirty="0">
+              <a:solidFill>
+                <a:schemeClr val="accent1"/>
+              </a:solidFill>
+              <a:latin typeface="Calibri"/>
+              <a:cs typeface="Calibri"/>
+            </a:endParaRPr>
+          </a:p>
+        </p:txBody>
+      </p:sp>
+    </p:spTree>
+    <p:extLst>
+      <p:ext uri="{BB962C8B-B14F-4D97-AF65-F5344CB8AC3E}">
+        <p14:creationId xmlns:p14="http://schemas.microsoft.com/office/powerpoint/2010/main" val="2760230182"/>
+      </p:ext>
+    </p:extLst>
+  </p:cSld>
+  <p:clrMapOvr>
+    <a:masterClrMapping/>
+  </p:clrMapOvr>
+</p:sld>
+</file>
+
+<file path=ppt/slides/slide12.xml><?xml version="1.0" encoding="utf-8"?>
+<p:sld xmlns:a="http://schemas.openxmlformats.org/drawingml/2006/main" xmlns:r="http://schemas.openxmlformats.org/officeDocument/2006/relationships" xmlns:p="http://schemas.openxmlformats.org/presentationml/2006/main">
+  <p:cSld>
+    <p:spTree>
+      <p:nvGrpSpPr>
+        <p:cNvPr id="1" name=""/>
+        <p:cNvGrpSpPr/>
+        <p:nvPr/>
+      </p:nvGrpSpPr>
+      <p:grpSpPr>
+        <a:xfrm>
+          <a:off x="0" y="0"/>
+          <a:ext cx="0" cy="0"/>
+          <a:chOff x="0" y="0"/>
+          <a:chExt cx="0" cy="0"/>
+        </a:xfrm>
+      </p:grpSpPr>
+      <p:sp>
+        <p:nvSpPr>
+          <p:cNvPr id="2" name="Titel 1">
+            <a:extLst>
+              <a:ext uri="{FF2B5EF4-FFF2-40B4-BE49-F238E27FC236}">
+                <a16:creationId xmlns:a16="http://schemas.microsoft.com/office/drawing/2014/main" id="{C2E8C52F-E26E-4F35-972A-D594E77F66E9}"/>
+              </a:ext>
+            </a:extLst>
+          </p:cNvPr>
+          <p:cNvSpPr>
+            <a:spLocks noGrp="1"/>
+          </p:cNvSpPr>
+          <p:nvPr>
+            <p:ph type="title"/>
+          </p:nvPr>
+        </p:nvSpPr>
+        <p:spPr/>
+        <p:txBody>
+          <a:bodyPr/>
+          <a:lstStyle/>
+          <a:p>
+            <a:r>
+              <a:rPr lang="de-DE" b="1" dirty="0" err="1">
+                <a:solidFill>
+                  <a:srgbClr val="4472C4"/>
+                </a:solidFill>
+                <a:latin typeface="Calibri"/>
+                <a:cs typeface="Calibri"/>
+              </a:rPr>
+              <a:t>False</a:t>
+            </a:r>
+            <a:r>
+              <a:rPr lang="de-DE" b="1" dirty="0">
+                <a:solidFill>
+                  <a:srgbClr val="4472C4"/>
+                </a:solidFill>
+                <a:latin typeface="Calibri"/>
+                <a:cs typeface="Calibri"/>
+              </a:rPr>
+              <a:t> </a:t>
+            </a:r>
+            <a:r>
+              <a:rPr lang="de-DE" b="1" dirty="0" err="1">
+                <a:solidFill>
+                  <a:srgbClr val="4472C4"/>
+                </a:solidFill>
+                <a:latin typeface="Calibri"/>
+                <a:cs typeface="Calibri"/>
+              </a:rPr>
+              <a:t>matches</a:t>
+            </a:r>
+            <a:r>
+              <a:rPr lang="de-DE" b="1" dirty="0">
+                <a:solidFill>
+                  <a:srgbClr val="4472C4"/>
+                </a:solidFill>
+                <a:latin typeface="Calibri"/>
+                <a:cs typeface="Calibri"/>
+              </a:rPr>
+              <a:t> and </a:t>
+            </a:r>
+            <a:r>
+              <a:rPr lang="de-DE" b="1" dirty="0" err="1">
+                <a:solidFill>
+                  <a:srgbClr val="4472C4"/>
+                </a:solidFill>
+                <a:latin typeface="Calibri"/>
+                <a:cs typeface="Calibri"/>
+              </a:rPr>
+              <a:t>false</a:t>
+            </a:r>
+            <a:r>
+              <a:rPr lang="de-DE" b="1" dirty="0">
+                <a:solidFill>
+                  <a:srgbClr val="4472C4"/>
+                </a:solidFill>
+                <a:latin typeface="Calibri"/>
+                <a:cs typeface="Calibri"/>
+              </a:rPr>
+              <a:t> non-matches</a:t>
+            </a:r>
+          </a:p>
+        </p:txBody>
+      </p:sp>
+      <p:sp>
+        <p:nvSpPr>
+          <p:cNvPr id="3" name="Inhaltsplatzhalter 2">
+            <a:extLst>
+              <a:ext uri="{FF2B5EF4-FFF2-40B4-BE49-F238E27FC236}">
+                <a16:creationId xmlns:a16="http://schemas.microsoft.com/office/drawing/2014/main" id="{277D4DBB-B0B1-4FE4-9EE3-DB18BE4203BD}"/>
+              </a:ext>
+            </a:extLst>
+          </p:cNvPr>
+          <p:cNvSpPr>
+            <a:spLocks noGrp="1"/>
+          </p:cNvSpPr>
+          <p:nvPr>
+            <p:ph idx="1"/>
+          </p:nvPr>
+        </p:nvSpPr>
+        <p:spPr/>
+        <p:txBody>
+          <a:bodyPr vert="horz" lIns="91440" tIns="45720" rIns="91440" bIns="45720" rtlCol="0" anchor="t">
+            <a:normAutofit/>
+          </a:bodyPr>
+          <a:lstStyle/>
+          <a:p>
+            <a:r>
+              <a:rPr lang="de-DE" dirty="0">
+                <a:cs typeface="Calibri"/>
+              </a:rPr>
+              <a:t>Synonym: Bsp. Martin und </a:t>
+            </a:r>
+            <a:r>
+              <a:rPr lang="de-DE" dirty="0" err="1">
+                <a:cs typeface="Calibri"/>
+              </a:rPr>
+              <a:t>Mädde</a:t>
+            </a:r>
+            <a:endParaRPr lang="de-DE" dirty="0">
+              <a:cs typeface="Calibri"/>
+            </a:endParaRPr>
+          </a:p>
+          <a:p>
+            <a:r>
+              <a:rPr lang="de-DE" dirty="0">
+                <a:cs typeface="Calibri"/>
+              </a:rPr>
+              <a:t>Homonym: Bsp. Bank (Institution vs. Sitzbank)</a:t>
+            </a:r>
+          </a:p>
+        </p:txBody>
+      </p:sp>
+      <p:pic>
+        <p:nvPicPr>
+          <p:cNvPr id="4" name="Grafik 3">
+            <a:extLst>
+              <a:ext uri="{FF2B5EF4-FFF2-40B4-BE49-F238E27FC236}">
+                <a16:creationId xmlns:a16="http://schemas.microsoft.com/office/drawing/2014/main" id="{4823F0D0-EC12-7D4A-811E-CEF7E96C5832}"/>
+              </a:ext>
+            </a:extLst>
+          </p:cNvPr>
+          <p:cNvPicPr>
+            <a:picLocks noChangeAspect="1"/>
+          </p:cNvPicPr>
+          <p:nvPr/>
+        </p:nvPicPr>
+        <p:blipFill>
+          <a:blip r:embed="rId2"/>
+          <a:stretch>
+            <a:fillRect/>
+          </a:stretch>
+        </p:blipFill>
+        <p:spPr>
+          <a:xfrm>
+            <a:off x="396111" y="3132784"/>
+            <a:ext cx="7761801" cy="2142099"/>
+          </a:xfrm>
+          <a:prstGeom prst="rect">
+            <a:avLst/>
+          </a:prstGeom>
+        </p:spPr>
+      </p:pic>
+      <p:pic>
+        <p:nvPicPr>
+          <p:cNvPr id="5" name="Grafik 4">
+            <a:extLst>
+              <a:ext uri="{FF2B5EF4-FFF2-40B4-BE49-F238E27FC236}">
+                <a16:creationId xmlns:a16="http://schemas.microsoft.com/office/drawing/2014/main" id="{EB380A5F-2B89-AC42-AF20-F7A4B478FC2E}"/>
+              </a:ext>
+            </a:extLst>
+          </p:cNvPr>
+          <p:cNvPicPr>
+            <a:picLocks noChangeAspect="1"/>
+          </p:cNvPicPr>
+          <p:nvPr/>
+        </p:nvPicPr>
+        <p:blipFill>
+          <a:blip r:embed="rId3"/>
+          <a:stretch>
+            <a:fillRect/>
+          </a:stretch>
+        </p:blipFill>
+        <p:spPr>
+          <a:xfrm>
+            <a:off x="6935204" y="2692225"/>
+            <a:ext cx="4860685" cy="3280217"/>
+          </a:xfrm>
+          <a:prstGeom prst="rect">
+            <a:avLst/>
+          </a:prstGeom>
+        </p:spPr>
+      </p:pic>
+      <p:sp>
+        <p:nvSpPr>
+          <p:cNvPr id="6" name="Oval 5">
+            <a:extLst>
+              <a:ext uri="{FF2B5EF4-FFF2-40B4-BE49-F238E27FC236}">
+                <a16:creationId xmlns:a16="http://schemas.microsoft.com/office/drawing/2014/main" id="{F1E4FB48-9DB0-814B-B6A4-9B78FB54CED3}"/>
+              </a:ext>
+            </a:extLst>
+          </p:cNvPr>
+          <p:cNvSpPr/>
+          <p:nvPr/>
+        </p:nvSpPr>
+        <p:spPr>
+          <a:xfrm rot="987042">
+            <a:off x="3059090" y="4420757"/>
+            <a:ext cx="2430765" cy="566155"/>
+          </a:xfrm>
+          <a:prstGeom prst="ellipse">
+            <a:avLst/>
+          </a:prstGeom>
+          <a:noFill/>
+          <a:ln w="76200">
+            <a:solidFill>
+              <a:srgbClr val="A4EDBC"/>
+            </a:solidFill>
+          </a:ln>
+        </p:spPr>
+        <p:style>
+          <a:lnRef idx="2">
+            <a:schemeClr val="accent1">
+              <a:shade val="50000"/>
+            </a:schemeClr>
+          </a:lnRef>
+          <a:fillRef idx="1">
+            <a:schemeClr val="accent1"/>
+          </a:fillRef>
+          <a:effectRef idx="0">
+            <a:schemeClr val="accent1"/>
+          </a:effectRef>
+          <a:fontRef idx="minor">
+            <a:schemeClr val="lt1"/>
+          </a:fontRef>
+        </p:style>
+        <p:txBody>
+          <a:bodyPr rtlCol="0" anchor="ctr"/>
+          <a:lstStyle/>
+          <a:p>
+            <a:pPr algn="ctr"/>
+            <a:endParaRPr lang="de-DE"/>
+          </a:p>
+        </p:txBody>
+      </p:sp>
+    </p:spTree>
+    <p:extLst>
+      <p:ext uri="{BB962C8B-B14F-4D97-AF65-F5344CB8AC3E}">
+        <p14:creationId xmlns:p14="http://schemas.microsoft.com/office/powerpoint/2010/main" val="3240049716"/>
+      </p:ext>
+    </p:extLst>
+  </p:cSld>
+  <p:clrMapOvr>
+    <a:masterClrMapping/>
+  </p:clrMapOvr>
+</p:sld>
+</file>
+
+<file path=ppt/slides/slide13.xml><?xml version="1.0" encoding="utf-8"?>
+<p:sld xmlns:a="http://schemas.openxmlformats.org/drawingml/2006/main" xmlns:r="http://schemas.openxmlformats.org/officeDocument/2006/relationships" xmlns:p="http://schemas.openxmlformats.org/presentationml/2006/main">
+  <p:cSld>
+    <p:spTree>
+      <p:nvGrpSpPr>
+        <p:cNvPr id="1" name=""/>
+        <p:cNvGrpSpPr/>
+        <p:nvPr/>
+      </p:nvGrpSpPr>
+      <p:grpSpPr>
+        <a:xfrm>
+          <a:off x="0" y="0"/>
+          <a:ext cx="0" cy="0"/>
+          <a:chOff x="0" y="0"/>
+          <a:chExt cx="0" cy="0"/>
+        </a:xfrm>
+      </p:grpSpPr>
+      <p:sp>
+        <p:nvSpPr>
+          <p:cNvPr id="2" name="Titel 1">
+            <a:extLst>
+              <a:ext uri="{FF2B5EF4-FFF2-40B4-BE49-F238E27FC236}">
+                <a16:creationId xmlns:a16="http://schemas.microsoft.com/office/drawing/2014/main" id="{EEA6C87C-85E1-45CF-B838-40684D796EC2}"/>
+              </a:ext>
+            </a:extLst>
+          </p:cNvPr>
+          <p:cNvSpPr>
+            <a:spLocks noGrp="1"/>
+          </p:cNvSpPr>
+          <p:nvPr>
+            <p:ph type="title"/>
+          </p:nvPr>
+        </p:nvSpPr>
+        <p:spPr>
+          <a:xfrm>
+            <a:off x="2555631" y="1441938"/>
+            <a:ext cx="7080738" cy="3974124"/>
+          </a:xfrm>
+        </p:spPr>
+        <p:txBody>
+          <a:bodyPr vert="horz" lIns="91440" tIns="45720" rIns="91440" bIns="45720" rtlCol="0" anchor="ctr">
+            <a:normAutofit/>
+          </a:bodyPr>
+          <a:lstStyle/>
+          <a:p>
+            <a:pPr algn="ctr"/>
+            <a:r>
+              <a:rPr lang="en-US" sz="5400" b="1" dirty="0" err="1">
+                <a:solidFill>
+                  <a:schemeClr val="accent1"/>
+                </a:solidFill>
+                <a:latin typeface="Calibri"/>
+                <a:cs typeface="Calibri"/>
+              </a:rPr>
+              <a:t>Codebeispiele</a:t>
+            </a:r>
+            <a:r>
+              <a:rPr lang="en-US" sz="5400" b="1" dirty="0">
+                <a:solidFill>
+                  <a:schemeClr val="accent1"/>
+                </a:solidFill>
+                <a:latin typeface="Calibri"/>
+                <a:cs typeface="Calibri"/>
+              </a:rPr>
               <a:t>: homonym synonym</a:t>
             </a:r>
           </a:p>
@@ -4723,7 +5558,7 @@
 </p:sld>
 </file>
 
-<file path=ppt/slides/slide12.xml><?xml version="1.0" encoding="utf-8"?>
+<file path=ppt/slides/slide14.xml><?xml version="1.0" encoding="utf-8"?>
 <p:sld xmlns:a="http://schemas.openxmlformats.org/drawingml/2006/main" xmlns:r="http://schemas.openxmlformats.org/officeDocument/2006/relationships" xmlns:p="http://schemas.openxmlformats.org/presentationml/2006/main">
   <p:cSld>
     <p:bg>
@@ -4750,10 +5585,73 @@
       </p:grpSpPr>
       <p:sp>
         <p:nvSpPr>
-          <p:cNvPr id="12" name="Rectangle 11">
+          <p:cNvPr id="23" name="Rectangle 22">
             <a:extLst>
               <a:ext uri="{FF2B5EF4-FFF2-40B4-BE49-F238E27FC236}">
-                <a16:creationId xmlns:a16="http://schemas.microsoft.com/office/drawing/2014/main" id="{42A5316D-ED2F-4F89-B4B4-8D9240B1A348}"/>
+                <a16:creationId xmlns:a16="http://schemas.microsoft.com/office/drawing/2014/main" id="{6753252F-4873-4F63-801D-CC719279A7D5}"/>
+              </a:ext>
+              <a:ext uri="{C183D7F6-B498-43B3-948B-1728B52AA6E4}">
+                <adec:decorative xmlns:adec="http://schemas.microsoft.com/office/drawing/2017/decorative" val="1"/>
+              </a:ext>
+            </a:extLst>
+          </p:cNvPr>
+          <p:cNvSpPr>
+            <a:spLocks noGrp="1" noRot="1" noChangeAspect="1" noMove="1" noResize="1" noEditPoints="1" noAdjustHandles="1" noChangeArrowheads="1" noChangeShapeType="1" noTextEdit="1"/>
+          </p:cNvSpPr>
+          <p:nvPr>
+            <p:extLst>
+              <p:ext uri="{386F3935-93C4-4BCD-93E2-E3B085C9AB24}">
+                <p16:designElem xmlns:p16="http://schemas.microsoft.com/office/powerpoint/2015/main" val="1"/>
+              </p:ext>
+            </p:extLst>
+          </p:nvPr>
+        </p:nvSpPr>
+        <p:spPr>
+          <a:xfrm>
+            <a:off x="0" y="0"/>
+            <a:ext cx="12192000" cy="6858000"/>
+          </a:xfrm>
+          <a:prstGeom prst="rect">
+            <a:avLst/>
+          </a:prstGeom>
+          <a:solidFill>
+            <a:srgbClr val="FFFFFF"/>
+          </a:solidFill>
+          <a:ln>
+            <a:noFill/>
+          </a:ln>
+        </p:spPr>
+        <p:style>
+          <a:lnRef idx="2">
+            <a:schemeClr val="accent1">
+              <a:shade val="50000"/>
+            </a:schemeClr>
+          </a:lnRef>
+          <a:fillRef idx="1">
+            <a:schemeClr val="accent1"/>
+          </a:fillRef>
+          <a:effectRef idx="0">
+            <a:schemeClr val="accent1"/>
+          </a:effectRef>
+          <a:fontRef idx="minor">
+            <a:schemeClr val="lt1"/>
+          </a:fontRef>
+        </p:style>
+        <p:txBody>
+          <a:bodyPr rtlCol="0" anchor="ctr"/>
+          <a:lstStyle/>
+          <a:p>
+            <a:pPr algn="ctr"/>
+            <a:endParaRPr lang="en-US"/>
+          </a:p>
+        </p:txBody>
+      </p:sp>
+      <p:sp>
+        <p:nvSpPr>
+          <p:cNvPr id="25" name="Rectangle 24">
+            <a:extLst>
+              <a:ext uri="{FF2B5EF4-FFF2-40B4-BE49-F238E27FC236}">
+                <a16:creationId xmlns:a16="http://schemas.microsoft.com/office/drawing/2014/main" id="{047C8CCB-F95D-4249-92DD-651249D3535A}"/>
               </a:ext>
               <a:ext uri="{C183D7F6-B498-43B3-948B-1728B52AA6E4}">
                 <adec:decorative xmlns:adec="http://schemas.microsoft.com/office/drawing/2017/decorative" val="1"/>
@@ -4806,37 +5704,8 @@
           <a:bodyPr rtlCol="0" anchor="ctr"/>
           <a:lstStyle/>
           <a:p>
-            <a:pPr marL="0" marR="0" lvl="0" indent="0" algn="ctr" defTabSz="914400" rtl="0" eaLnBrk="1" fontAlgn="auto" latinLnBrk="0" hangingPunct="1">
-              <a:lnSpc>
-                <a:spcPct val="100000"/>
-              </a:lnSpc>
-              <a:spcBef>
-                <a:spcPts val="0"/>
-              </a:spcBef>
-              <a:spcAft>
-                <a:spcPts val="0"/>
-              </a:spcAft>
-              <a:buClrTx/>
-              <a:buSzTx/>
-              <a:buFontTx/>
-              <a:buNone/>
-              <a:tabLst/>
-              <a:defRPr/>
-            </a:pPr>
-            <a:endParaRPr kumimoji="0" lang="en-US" sz="1800" b="0" i="0" u="none" strike="noStrike" kern="1200" cap="none" spc="0" normalizeH="0" baseline="0" noProof="0">
-              <a:ln>
-                <a:noFill/>
-              </a:ln>
-              <a:solidFill>
-                <a:prstClr val="white"/>
-              </a:solidFill>
-              <a:effectLst/>
-              <a:uLnTx/>
-              <a:uFillTx/>
-              <a:latin typeface="Calibri" panose="020F0502020204030204"/>
-              <a:ea typeface="+mn-ea"/>
-              <a:cs typeface="+mn-cs"/>
-            </a:endParaRPr>
+            <a:pPr algn="ctr"/>
+            <a:endParaRPr lang="en-US"/>
           </a:p>
         </p:txBody>
       </p:sp>
@@ -4858,8 +5727,8 @@
         </p:nvSpPr>
         <p:spPr>
           <a:xfrm>
-            <a:off x="694510" y="1487272"/>
-            <a:ext cx="2743200" cy="2743200"/>
+            <a:off x="640080" y="2074363"/>
+            <a:ext cx="2752354" cy="2709275"/>
           </a:xfrm>
           <a:prstGeom prst="ellipse">
             <a:avLst/>
@@ -4874,26 +5743,23 @@
           </a:ln>
         </p:spPr>
         <p:txBody>
-          <a:bodyPr>
+          <a:bodyPr vert="horz" lIns="91440" tIns="45720" rIns="91440" bIns="45720" rtlCol="0" anchor="ctr">
             <a:normAutofit/>
           </a:bodyPr>
           <a:lstStyle/>
           <a:p>
             <a:pPr algn="ctr"/>
             <a:r>
-              <a:rPr lang="de-DE" sz="2600">
+              <a:rPr lang="en-US" sz="2600" kern="1200">
                 <a:solidFill>
                   <a:srgbClr val="FFFFFF"/>
                 </a:solidFill>
-                <a:cs typeface="Calibri Light"/>
+                <a:latin typeface="+mj-lt"/>
+                <a:ea typeface="+mj-ea"/>
+                <a:cs typeface="+mj-cs"/>
               </a:rPr>
               <a:t>Problem</a:t>
             </a:r>
-            <a:endParaRPr lang="de-DE" sz="2600">
-              <a:solidFill>
-                <a:srgbClr val="FFFFFF"/>
-              </a:solidFill>
-            </a:endParaRPr>
           </a:p>
         </p:txBody>
       </p:sp>
@@ -4919,8 +5785,8 @@
         </p:blipFill>
         <p:spPr>
           <a:xfrm>
-            <a:off x="3912765" y="572272"/>
-            <a:ext cx="7944660" cy="5488999"/>
+            <a:off x="4061682" y="961812"/>
+            <a:ext cx="7142034" cy="4930987"/>
           </a:xfrm>
           <a:prstGeom prst="rect">
             <a:avLst/>
@@ -4940,132 +5806,7 @@
 </p:sld>
 </file>
 
-<file path=ppt/slides/slide13.xml><?xml version="1.0" encoding="utf-8"?>
-<p:sld xmlns:a="http://schemas.openxmlformats.org/drawingml/2006/main" xmlns:r="http://schemas.openxmlformats.org/officeDocument/2006/relationships" xmlns:p="http://schemas.openxmlformats.org/presentationml/2006/main">
-  <p:cSld>
-    <p:spTree>
-      <p:nvGrpSpPr>
-        <p:cNvPr id="1" name=""/>
-        <p:cNvGrpSpPr/>
-        <p:nvPr/>
-      </p:nvGrpSpPr>
-      <p:grpSpPr>
-        <a:xfrm>
-          <a:off x="0" y="0"/>
-          <a:ext cx="0" cy="0"/>
-          <a:chOff x="0" y="0"/>
-          <a:chExt cx="0" cy="0"/>
-        </a:xfrm>
-      </p:grpSpPr>
-      <p:sp>
-        <p:nvSpPr>
-          <p:cNvPr id="2" name="Titel 1">
-            <a:extLst>
-              <a:ext uri="{FF2B5EF4-FFF2-40B4-BE49-F238E27FC236}">
-                <a16:creationId xmlns:a16="http://schemas.microsoft.com/office/drawing/2014/main" id="{C2E8C52F-E26E-4F35-972A-D594E77F66E9}"/>
-              </a:ext>
-            </a:extLst>
-          </p:cNvPr>
-          <p:cNvSpPr>
-            <a:spLocks noGrp="1"/>
-          </p:cNvSpPr>
-          <p:nvPr>
-            <p:ph type="title"/>
-          </p:nvPr>
-        </p:nvSpPr>
-        <p:spPr/>
-        <p:txBody>
-          <a:bodyPr/>
-          <a:lstStyle/>
-          <a:p>
-            <a:r>
-              <a:rPr lang="de-DE" b="1" dirty="0">
-                <a:solidFill>
-                  <a:srgbClr val="4472C4"/>
-                </a:solidFill>
-                <a:latin typeface="Calibri"/>
-                <a:cs typeface="Calibri"/>
-              </a:rPr>
-              <a:t>Pareto </a:t>
-            </a:r>
-            <a:r>
-              <a:rPr lang="de-DE" b="1" dirty="0" err="1">
-                <a:solidFill>
-                  <a:srgbClr val="4472C4"/>
-                </a:solidFill>
-                <a:latin typeface="Calibri"/>
-                <a:cs typeface="Calibri"/>
-              </a:rPr>
-              <a:t>threshold</a:t>
-            </a:r>
-            <a:endParaRPr lang="de-DE" b="1" dirty="0">
-              <a:solidFill>
-                <a:srgbClr val="4472C4"/>
-              </a:solidFill>
-              <a:latin typeface="Calibri"/>
-              <a:cs typeface="Calibri"/>
-            </a:endParaRPr>
-          </a:p>
-        </p:txBody>
-      </p:sp>
-      <p:sp>
-        <p:nvSpPr>
-          <p:cNvPr id="3" name="Inhaltsplatzhalter 2">
-            <a:extLst>
-              <a:ext uri="{FF2B5EF4-FFF2-40B4-BE49-F238E27FC236}">
-                <a16:creationId xmlns:a16="http://schemas.microsoft.com/office/drawing/2014/main" id="{277D4DBB-B0B1-4FE4-9EE3-DB18BE4203BD}"/>
-              </a:ext>
-            </a:extLst>
-          </p:cNvPr>
-          <p:cNvSpPr>
-            <a:spLocks noGrp="1"/>
-          </p:cNvSpPr>
-          <p:nvPr>
-            <p:ph idx="1"/>
-          </p:nvPr>
-        </p:nvSpPr>
-        <p:spPr/>
-        <p:txBody>
-          <a:bodyPr vert="horz" lIns="91440" tIns="45720" rIns="91440" bIns="45720" rtlCol="0" anchor="t">
-            <a:normAutofit/>
-          </a:bodyPr>
-          <a:lstStyle/>
-          <a:p>
-            <a:r>
-              <a:rPr lang="de-DE" dirty="0">
-                <a:cs typeface="Calibri"/>
-              </a:rPr>
-              <a:t>Optimal </a:t>
-            </a:r>
-            <a:r>
-              <a:rPr lang="de-DE" dirty="0" err="1">
-                <a:cs typeface="Calibri"/>
-              </a:rPr>
-              <a:t>threshold</a:t>
-            </a:r>
-            <a:r>
-              <a:rPr lang="de-DE" dirty="0">
-                <a:cs typeface="Calibri"/>
-              </a:rPr>
-              <a:t> wird mit diesem vor allem angezeigt</a:t>
-            </a:r>
-          </a:p>
-        </p:txBody>
-      </p:sp>
-    </p:spTree>
-    <p:extLst>
-      <p:ext uri="{BB962C8B-B14F-4D97-AF65-F5344CB8AC3E}">
-        <p14:creationId xmlns:p14="http://schemas.microsoft.com/office/powerpoint/2010/main" val="185975234"/>
-      </p:ext>
-    </p:extLst>
-  </p:cSld>
-  <p:clrMapOvr>
-    <a:masterClrMapping/>
-  </p:clrMapOvr>
-</p:sld>
-</file>
-
-<file path=ppt/slides/slide14.xml><?xml version="1.0" encoding="utf-8"?>
+<file path=ppt/slides/slide15.xml><?xml version="1.0" encoding="utf-8"?>
 <p:sld xmlns:a="http://schemas.openxmlformats.org/drawingml/2006/main" xmlns:r="http://schemas.openxmlformats.org/officeDocument/2006/relationships" xmlns:p="http://schemas.openxmlformats.org/presentationml/2006/main">
   <p:cSld>
     <p:bg>
@@ -5474,6 +6215,483 @@
   </p:cSld>
   <p:clrMapOvr>
     <a:overrideClrMapping bg1="dk1" tx1="lt1" bg2="dk2" tx2="lt2" accent1="accent1" accent2="accent2" accent3="accent3" accent4="accent4" accent5="accent5" accent6="accent6" hlink="hlink" folHlink="folHlink"/>
+  </p:clrMapOvr>
+</p:sld>
+</file>
+
+<file path=ppt/slides/slide16.xml><?xml version="1.0" encoding="utf-8"?>
+<p:sld xmlns:a="http://schemas.openxmlformats.org/drawingml/2006/main" xmlns:r="http://schemas.openxmlformats.org/officeDocument/2006/relationships" xmlns:p="http://schemas.openxmlformats.org/presentationml/2006/main">
+  <p:cSld>
+    <p:spTree>
+      <p:nvGrpSpPr>
+        <p:cNvPr id="1" name=""/>
+        <p:cNvGrpSpPr/>
+        <p:nvPr/>
+      </p:nvGrpSpPr>
+      <p:grpSpPr>
+        <a:xfrm>
+          <a:off x="0" y="0"/>
+          <a:ext cx="0" cy="0"/>
+          <a:chOff x="0" y="0"/>
+          <a:chExt cx="0" cy="0"/>
+        </a:xfrm>
+      </p:grpSpPr>
+      <p:sp>
+        <p:nvSpPr>
+          <p:cNvPr id="2" name="Titel 1">
+            <a:extLst>
+              <a:ext uri="{FF2B5EF4-FFF2-40B4-BE49-F238E27FC236}">
+                <a16:creationId xmlns:a16="http://schemas.microsoft.com/office/drawing/2014/main" id="{9E62D031-90E2-CD45-90D8-3AEF501D4665}"/>
+              </a:ext>
+            </a:extLst>
+          </p:cNvPr>
+          <p:cNvSpPr>
+            <a:spLocks noGrp="1"/>
+          </p:cNvSpPr>
+          <p:nvPr>
+            <p:ph type="title"/>
+          </p:nvPr>
+        </p:nvSpPr>
+        <p:spPr/>
+        <p:txBody>
+          <a:bodyPr/>
+          <a:lstStyle/>
+          <a:p>
+            <a:r>
+              <a:rPr lang="de-DE" b="1" dirty="0" err="1">
+                <a:solidFill>
+                  <a:schemeClr val="accent1"/>
+                </a:solidFill>
+                <a:latin typeface="+mn-lt"/>
+              </a:rPr>
+              <a:t>Threshold</a:t>
+            </a:r>
+            <a:r>
+              <a:rPr lang="de-DE" b="1" dirty="0">
+                <a:solidFill>
+                  <a:schemeClr val="accent1"/>
+                </a:solidFill>
+                <a:latin typeface="+mn-lt"/>
+              </a:rPr>
+              <a:t> Determination</a:t>
+            </a:r>
+          </a:p>
+        </p:txBody>
+      </p:sp>
+      <p:sp>
+        <p:nvSpPr>
+          <p:cNvPr id="3" name="Inhaltsplatzhalter 2">
+            <a:extLst>
+              <a:ext uri="{FF2B5EF4-FFF2-40B4-BE49-F238E27FC236}">
+                <a16:creationId xmlns:a16="http://schemas.microsoft.com/office/drawing/2014/main" id="{A1573D2E-4510-3F41-8E6A-FDC26EB6BDEB}"/>
+              </a:ext>
+            </a:extLst>
+          </p:cNvPr>
+          <p:cNvSpPr>
+            <a:spLocks noGrp="1"/>
+          </p:cNvSpPr>
+          <p:nvPr>
+            <p:ph idx="1"/>
+          </p:nvPr>
+        </p:nvSpPr>
+        <p:spPr/>
+        <p:txBody>
+          <a:bodyPr/>
+          <a:lstStyle/>
+          <a:p>
+            <a:pPr marL="514350" indent="-514350">
+              <a:buFont typeface="+mj-lt"/>
+              <a:buAutoNum type="arabicPeriod"/>
+            </a:pPr>
+            <a:r>
+              <a:rPr lang="de-DE" b="1" dirty="0" err="1"/>
+              <a:t>Clerical</a:t>
+            </a:r>
+            <a:r>
+              <a:rPr lang="de-DE" b="1" dirty="0"/>
+              <a:t> Review</a:t>
+            </a:r>
+          </a:p>
+          <a:p>
+            <a:pPr marL="514350" indent="-514350">
+              <a:buFont typeface="+mj-lt"/>
+              <a:buAutoNum type="arabicPeriod"/>
+            </a:pPr>
+            <a:r>
+              <a:rPr lang="de-DE" b="1" dirty="0" err="1"/>
+              <a:t>getParetoThreshold</a:t>
+            </a:r>
+            <a:r>
+              <a:rPr lang="de-DE" b="1" dirty="0"/>
+              <a:t>:</a:t>
+            </a:r>
+            <a:br>
+              <a:rPr lang="de-DE" dirty="0"/>
+            </a:br>
+            <a:r>
+              <a:rPr lang="de-DE" dirty="0" err="1"/>
+              <a:t>calculates</a:t>
+            </a:r>
+            <a:r>
+              <a:rPr lang="de-DE" dirty="0"/>
+              <a:t> a </a:t>
+            </a:r>
+            <a:r>
+              <a:rPr lang="de-DE" dirty="0" err="1"/>
+              <a:t>classification</a:t>
+            </a:r>
+            <a:r>
+              <a:rPr lang="de-DE" dirty="0"/>
+              <a:t> </a:t>
+            </a:r>
+            <a:r>
+              <a:rPr lang="de-DE" dirty="0" err="1"/>
+              <a:t>threshold</a:t>
+            </a:r>
+            <a:r>
+              <a:rPr lang="de-DE" dirty="0"/>
+              <a:t> </a:t>
+            </a:r>
+            <a:r>
+              <a:rPr lang="de-DE" dirty="0" err="1"/>
+              <a:t>based</a:t>
+            </a:r>
+            <a:r>
+              <a:rPr lang="de-DE" dirty="0"/>
+              <a:t> on a </a:t>
+            </a:r>
+            <a:r>
+              <a:rPr lang="de-DE" dirty="0" err="1"/>
+              <a:t>generalized</a:t>
+            </a:r>
+            <a:r>
+              <a:rPr lang="de-DE" dirty="0"/>
+              <a:t> Pareto </a:t>
+            </a:r>
+            <a:r>
+              <a:rPr lang="de-DE" dirty="0" err="1"/>
+              <a:t>distribution</a:t>
+            </a:r>
+            <a:r>
+              <a:rPr lang="de-DE" dirty="0"/>
+              <a:t> </a:t>
+            </a:r>
+            <a:r>
+              <a:rPr lang="de-DE" dirty="0" err="1"/>
+              <a:t>fitted</a:t>
+            </a:r>
+            <a:r>
+              <a:rPr lang="de-DE" dirty="0"/>
+              <a:t> </a:t>
+            </a:r>
+            <a:r>
+              <a:rPr lang="de-DE" dirty="0" err="1"/>
+              <a:t>to</a:t>
+            </a:r>
+            <a:r>
+              <a:rPr lang="de-DE" dirty="0"/>
+              <a:t> </a:t>
+            </a:r>
+            <a:r>
+              <a:rPr lang="de-DE" dirty="0" err="1"/>
+              <a:t>the</a:t>
+            </a:r>
+            <a:r>
+              <a:rPr lang="de-DE" dirty="0"/>
+              <a:t> </a:t>
+            </a:r>
+            <a:r>
+              <a:rPr lang="de-DE" dirty="0" err="1"/>
+              <a:t>weights</a:t>
+            </a:r>
+            <a:r>
+              <a:rPr lang="de-DE" dirty="0"/>
+              <a:t> </a:t>
+            </a:r>
+            <a:r>
+              <a:rPr lang="de-DE" dirty="0" err="1"/>
+              <a:t>distribution</a:t>
+            </a:r>
+            <a:r>
+              <a:rPr lang="de-DE" dirty="0"/>
+              <a:t> </a:t>
+            </a:r>
+            <a:r>
+              <a:rPr lang="de-DE" dirty="0" err="1"/>
+              <a:t>of</a:t>
+            </a:r>
+            <a:r>
+              <a:rPr lang="de-DE" dirty="0"/>
+              <a:t> </a:t>
+            </a:r>
+            <a:r>
+              <a:rPr lang="de-DE" dirty="0" err="1"/>
+              <a:t>the</a:t>
+            </a:r>
+            <a:r>
+              <a:rPr lang="de-DE" dirty="0"/>
+              <a:t> </a:t>
+            </a:r>
+            <a:r>
+              <a:rPr lang="de-DE" dirty="0" err="1"/>
+              <a:t>given</a:t>
+            </a:r>
+            <a:r>
+              <a:rPr lang="de-DE" dirty="0"/>
+              <a:t> </a:t>
+            </a:r>
+            <a:r>
+              <a:rPr lang="de-DE" dirty="0" err="1"/>
+              <a:t>data</a:t>
+            </a:r>
+            <a:r>
+              <a:rPr lang="de-DE" dirty="0"/>
+              <a:t> </a:t>
+            </a:r>
+            <a:r>
+              <a:rPr lang="de-DE" dirty="0" err="1"/>
+              <a:t>pairs</a:t>
+            </a:r>
+            <a:endParaRPr lang="de-DE" dirty="0"/>
+          </a:p>
+          <a:p>
+            <a:pPr marL="514350" indent="-514350">
+              <a:buFont typeface="+mj-lt"/>
+              <a:buAutoNum type="arabicPeriod"/>
+            </a:pPr>
+            <a:r>
+              <a:rPr lang="de-DE" b="1" dirty="0" err="1">
+                <a:cs typeface="Calibri"/>
+              </a:rPr>
+              <a:t>optimalThreshold</a:t>
+            </a:r>
+            <a:r>
+              <a:rPr lang="de-DE" b="1" dirty="0">
+                <a:cs typeface="Calibri"/>
+              </a:rPr>
+              <a:t>:</a:t>
+            </a:r>
+            <a:br>
+              <a:rPr lang="de-DE" dirty="0">
+                <a:cs typeface="Calibri"/>
+              </a:rPr>
+            </a:br>
+            <a:r>
+              <a:rPr lang="de-DE" dirty="0" err="1">
+                <a:cs typeface="Calibri"/>
+              </a:rPr>
+              <a:t>Calculates</a:t>
+            </a:r>
+            <a:r>
+              <a:rPr lang="de-DE" dirty="0">
+                <a:cs typeface="Calibri"/>
+              </a:rPr>
+              <a:t> </a:t>
+            </a:r>
+            <a:r>
+              <a:rPr lang="de-DE" dirty="0" err="1">
+                <a:cs typeface="Calibri"/>
+              </a:rPr>
+              <a:t>the</a:t>
+            </a:r>
+            <a:r>
+              <a:rPr lang="de-DE" dirty="0">
+                <a:cs typeface="Calibri"/>
+              </a:rPr>
+              <a:t> optimal </a:t>
+            </a:r>
+            <a:r>
+              <a:rPr lang="de-DE" dirty="0" err="1">
+                <a:cs typeface="Calibri"/>
+              </a:rPr>
+              <a:t>threshold</a:t>
+            </a:r>
+            <a:r>
+              <a:rPr lang="de-DE" dirty="0">
+                <a:cs typeface="Calibri"/>
+              </a:rPr>
+              <a:t> </a:t>
+            </a:r>
+            <a:r>
+              <a:rPr lang="de-DE" dirty="0" err="1">
+                <a:cs typeface="Calibri"/>
+              </a:rPr>
+              <a:t>for</a:t>
+            </a:r>
+            <a:r>
+              <a:rPr lang="de-DE" dirty="0">
+                <a:cs typeface="Calibri"/>
+              </a:rPr>
+              <a:t> </a:t>
+            </a:r>
+            <a:r>
+              <a:rPr lang="de-DE" dirty="0" err="1">
+                <a:cs typeface="Calibri"/>
+              </a:rPr>
+              <a:t>weight-based</a:t>
+            </a:r>
+            <a:r>
+              <a:rPr lang="de-DE" dirty="0">
+                <a:cs typeface="Calibri"/>
+              </a:rPr>
+              <a:t> </a:t>
+            </a:r>
+            <a:r>
+              <a:rPr lang="de-DE" dirty="0" err="1">
+                <a:cs typeface="Calibri"/>
+              </a:rPr>
+              <a:t>RecordLinkage</a:t>
+            </a:r>
+            <a:br>
+              <a:rPr lang="de-DE" dirty="0">
+                <a:cs typeface="Calibri"/>
+              </a:rPr>
+            </a:br>
+            <a:r>
+              <a:rPr lang="de-DE" dirty="0" err="1">
+                <a:cs typeface="Calibri"/>
+              </a:rPr>
+              <a:t>my</a:t>
+            </a:r>
+            <a:r>
+              <a:rPr lang="de-DE" dirty="0">
+                <a:cs typeface="Calibri"/>
+              </a:rPr>
+              <a:t> = </a:t>
+            </a:r>
+            <a:r>
+              <a:rPr lang="de-DE" dirty="0" err="1">
+                <a:cs typeface="Calibri"/>
+              </a:rPr>
+              <a:t>error</a:t>
+            </a:r>
+            <a:r>
+              <a:rPr lang="de-DE" dirty="0">
+                <a:cs typeface="Calibri"/>
+              </a:rPr>
+              <a:t> </a:t>
+            </a:r>
+            <a:r>
+              <a:rPr lang="de-DE" dirty="0" err="1">
+                <a:cs typeface="Calibri"/>
+              </a:rPr>
+              <a:t>bound</a:t>
+            </a:r>
+            <a:r>
+              <a:rPr lang="de-DE" dirty="0">
+                <a:cs typeface="Calibri"/>
+              </a:rPr>
+              <a:t> </a:t>
+            </a:r>
+            <a:r>
+              <a:rPr lang="de-DE" dirty="0" err="1">
+                <a:cs typeface="Calibri"/>
+              </a:rPr>
+              <a:t>for</a:t>
+            </a:r>
+            <a:r>
+              <a:rPr lang="de-DE" dirty="0">
+                <a:cs typeface="Calibri"/>
+              </a:rPr>
+              <a:t> </a:t>
+            </a:r>
+            <a:r>
+              <a:rPr lang="de-DE" dirty="0" err="1">
+                <a:cs typeface="Calibri"/>
+              </a:rPr>
+              <a:t>false</a:t>
+            </a:r>
+            <a:r>
+              <a:rPr lang="de-DE" dirty="0">
+                <a:cs typeface="Calibri"/>
+              </a:rPr>
+              <a:t> positives</a:t>
+            </a:r>
+            <a:br>
+              <a:rPr lang="de-DE" dirty="0">
+                <a:cs typeface="Calibri"/>
+              </a:rPr>
+            </a:br>
+            <a:r>
+              <a:rPr lang="de-DE" dirty="0" err="1">
+                <a:cs typeface="Calibri"/>
+              </a:rPr>
+              <a:t>ny</a:t>
+            </a:r>
+            <a:r>
+              <a:rPr lang="de-DE" dirty="0">
+                <a:cs typeface="Calibri"/>
+              </a:rPr>
+              <a:t> = </a:t>
+            </a:r>
+            <a:r>
+              <a:rPr lang="de-DE" dirty="0" err="1">
+                <a:cs typeface="Calibri"/>
+              </a:rPr>
+              <a:t>error</a:t>
+            </a:r>
+            <a:r>
+              <a:rPr lang="de-DE" dirty="0">
+                <a:cs typeface="Calibri"/>
+              </a:rPr>
+              <a:t> </a:t>
+            </a:r>
+            <a:r>
+              <a:rPr lang="de-DE" dirty="0" err="1">
+                <a:cs typeface="Calibri"/>
+              </a:rPr>
+              <a:t>bound</a:t>
+            </a:r>
+            <a:r>
+              <a:rPr lang="de-DE" dirty="0">
+                <a:cs typeface="Calibri"/>
+              </a:rPr>
+              <a:t> </a:t>
+            </a:r>
+            <a:r>
+              <a:rPr lang="de-DE" dirty="0" err="1">
+                <a:cs typeface="Calibri"/>
+              </a:rPr>
+              <a:t>for</a:t>
+            </a:r>
+            <a:r>
+              <a:rPr lang="de-DE" dirty="0">
+                <a:cs typeface="Calibri"/>
+              </a:rPr>
+              <a:t> </a:t>
+            </a:r>
+            <a:r>
+              <a:rPr lang="de-DE" dirty="0" err="1">
+                <a:cs typeface="Calibri"/>
+              </a:rPr>
+              <a:t>false</a:t>
+            </a:r>
+            <a:r>
+              <a:rPr lang="de-DE" dirty="0">
+                <a:cs typeface="Calibri"/>
+              </a:rPr>
+              <a:t> negatives</a:t>
+            </a:r>
+            <a:endParaRPr lang="de-DE" dirty="0"/>
+          </a:p>
+          <a:p>
+            <a:pPr marL="514350" indent="-514350">
+              <a:buFont typeface="+mj-lt"/>
+              <a:buAutoNum type="arabicPeriod"/>
+            </a:pPr>
+            <a:endParaRPr lang="de-DE" dirty="0"/>
+          </a:p>
+        </p:txBody>
+      </p:sp>
+    </p:spTree>
+    <p:extLst>
+      <p:ext uri="{BB962C8B-B14F-4D97-AF65-F5344CB8AC3E}">
+        <p14:creationId xmlns:p14="http://schemas.microsoft.com/office/powerpoint/2010/main" val="4177795553"/>
+      </p:ext>
+    </p:extLst>
+  </p:cSld>
+  <p:clrMapOvr>
+    <a:masterClrMapping/>
   </p:clrMapOvr>
 </p:sld>
 </file>
@@ -6874,6 +8092,26 @@
                 <a:latin typeface="Calibri"/>
                 <a:cs typeface="Calibri"/>
               </a:rPr>
+              <a:t>Vorgehen</a:t>
+            </a:r>
+            <a:r>
+              <a:rPr lang="en-GB" b="1" dirty="0">
+                <a:solidFill>
+                  <a:srgbClr val="4472C4"/>
+                </a:solidFill>
+                <a:latin typeface="Calibri"/>
+                <a:cs typeface="Calibri"/>
+              </a:rPr>
+              <a:t> 3: </a:t>
+            </a:r>
+            <a:r>
+              <a:rPr lang="en-GB" b="1" dirty="0" err="1">
+                <a:solidFill>
+                  <a:srgbClr val="4472C4"/>
+                </a:solidFill>
+                <a:latin typeface="Calibri"/>
+                <a:cs typeface="Calibri"/>
+              </a:rPr>
               <a:t>getPairs</a:t>
             </a:r>
             <a:r>
@@ -6992,7 +8230,7 @@
         </p:blipFill>
         <p:spPr>
           <a:xfrm>
-            <a:off x="312605" y="4448660"/>
+            <a:off x="312605" y="4474418"/>
             <a:ext cx="11331067" cy="679273"/>
           </a:xfrm>
           <a:prstGeom prst="rect">
@@ -7052,6 +8290,50 @@
           </a:p>
         </p:txBody>
       </p:sp>
+      <p:sp>
+        <p:nvSpPr>
+          <p:cNvPr id="7" name="Textfeld 6">
+            <a:extLst>
+              <a:ext uri="{FF2B5EF4-FFF2-40B4-BE49-F238E27FC236}">
+                <a16:creationId xmlns:a16="http://schemas.microsoft.com/office/drawing/2014/main" id="{C982282A-6C2E-2B46-92EA-18220F5FA614}"/>
+              </a:ext>
+            </a:extLst>
+          </p:cNvPr>
+          <p:cNvSpPr txBox="1"/>
+          <p:nvPr/>
+        </p:nvSpPr>
+        <p:spPr>
+          <a:xfrm>
+            <a:off x="312605" y="4105086"/>
+            <a:ext cx="1105944" cy="369332"/>
+          </a:xfrm>
+          <a:prstGeom prst="rect">
+            <a:avLst/>
+          </a:prstGeom>
+          <a:noFill/>
+        </p:spPr>
+        <p:txBody>
+          <a:bodyPr wrap="none" rtlCol="0">
+            <a:spAutoFit/>
+          </a:bodyPr>
+          <a:lstStyle/>
+          <a:p>
+            <a:r>
+              <a:rPr lang="de-DE" dirty="0">
+                <a:sym typeface="Wingdings" pitchFamily="2" charset="2"/>
+              </a:rPr>
+              <a:t></a:t>
+            </a:r>
+            <a:r>
+              <a:rPr lang="de-DE" dirty="0" err="1">
+                <a:sym typeface="Wingdings" pitchFamily="2" charset="2"/>
+              </a:rPr>
+              <a:t>Classify</a:t>
+            </a:r>
+            <a:endParaRPr lang="de-DE" dirty="0"/>
+          </a:p>
+        </p:txBody>
+      </p:sp>
     </p:spTree>
     <p:extLst>
       <p:ext uri="{BB962C8B-B14F-4D97-AF65-F5344CB8AC3E}">
@@ -7084,427 +8366,313 @@
       </p:grpSpPr>
       <p:sp>
         <p:nvSpPr>
-          <p:cNvPr id="2" name="Titel 1">
+          <p:cNvPr id="6" name="Rechteck 5">
             <a:extLst>
               <a:ext uri="{FF2B5EF4-FFF2-40B4-BE49-F238E27FC236}">
-                <a16:creationId xmlns:a16="http://schemas.microsoft.com/office/drawing/2014/main" id="{C2E8C52F-E26E-4F35-972A-D594E77F66E9}"/>
+                <a16:creationId xmlns:a16="http://schemas.microsoft.com/office/drawing/2014/main" id="{CA366FDB-0811-414B-AFFE-DDFFD53490B0}"/>
               </a:ext>
             </a:extLst>
           </p:cNvPr>
-          <p:cNvSpPr>
-            <a:spLocks noGrp="1"/>
-          </p:cNvSpPr>
-          <p:nvPr>
-            <p:ph type="title"/>
-          </p:nvPr>
-        </p:nvSpPr>
-        <p:spPr/>
-        <p:txBody>
-          <a:bodyPr/>
-          <a:lstStyle/>
-          <a:p>
-            <a:r>
-              <a:rPr lang="de-DE" b="1" dirty="0" err="1">
-                <a:solidFill>
-                  <a:srgbClr val="4472C4"/>
-                </a:solidFill>
-                <a:latin typeface="Calibri"/>
-                <a:cs typeface="Calibri"/>
-              </a:rPr>
-              <a:t>epiClassify</a:t>
-            </a:r>
-            <a:r>
-              <a:rPr lang="de-DE" b="1" dirty="0">
-                <a:solidFill>
-                  <a:srgbClr val="4472C4"/>
-                </a:solidFill>
-                <a:latin typeface="Calibri"/>
-                <a:cs typeface="Calibri"/>
-              </a:rPr>
-              <a:t>()</a:t>
-            </a:r>
-          </a:p>
-        </p:txBody>
-      </p:sp>
-      <p:sp>
-        <p:nvSpPr>
-          <p:cNvPr id="3" name="Inhaltsplatzhalter 2">
+          <p:cNvSpPr/>
+          <p:nvPr/>
+        </p:nvSpPr>
+        <p:spPr>
+          <a:xfrm>
+            <a:off x="708337" y="1825625"/>
+            <a:ext cx="3643641" cy="4347791"/>
+          </a:xfrm>
+          <a:prstGeom prst="rect">
+            <a:avLst/>
+          </a:prstGeom>
+        </p:spPr>
+        <p:style>
+          <a:lnRef idx="1">
+            <a:schemeClr val="accent2"/>
+          </a:lnRef>
+          <a:fillRef idx="3">
+            <a:schemeClr val="accent2"/>
+          </a:fillRef>
+          <a:effectRef idx="2">
+            <a:schemeClr val="accent2"/>
+          </a:effectRef>
+          <a:fontRef idx="minor">
+            <a:schemeClr val="lt1"/>
+          </a:fontRef>
+        </p:style>
+        <p:txBody>
+          <a:bodyPr rtlCol="0" anchor="ctr"/>
+          <a:lstStyle/>
+          <a:p>
+            <a:pPr algn="ctr"/>
+            <a:r>
+              <a:rPr lang="de-DE" dirty="0"/>
+              <a:t>Non links</a:t>
+            </a:r>
+          </a:p>
+        </p:txBody>
+      </p:sp>
+      <p:sp>
+        <p:nvSpPr>
+          <p:cNvPr id="9" name="Rechteck 8">
             <a:extLst>
               <a:ext uri="{FF2B5EF4-FFF2-40B4-BE49-F238E27FC236}">
-                <a16:creationId xmlns:a16="http://schemas.microsoft.com/office/drawing/2014/main" id="{277D4DBB-B0B1-4FE4-9EE3-DB18BE4203BD}"/>
+                <a16:creationId xmlns:a16="http://schemas.microsoft.com/office/drawing/2014/main" id="{87222023-4B12-3C44-88E0-B88863F916C2}"/>
               </a:ext>
             </a:extLst>
           </p:cNvPr>
-          <p:cNvSpPr>
-            <a:spLocks noGrp="1"/>
-          </p:cNvSpPr>
-          <p:nvPr>
-            <p:ph idx="1"/>
+          <p:cNvSpPr/>
+          <p:nvPr/>
+        </p:nvSpPr>
+        <p:spPr>
+          <a:xfrm>
+            <a:off x="4351986" y="1828800"/>
+            <a:ext cx="2910626" cy="4344616"/>
+          </a:xfrm>
+          <a:prstGeom prst="rect">
+            <a:avLst/>
+          </a:prstGeom>
+        </p:spPr>
+        <p:style>
+          <a:lnRef idx="1">
+            <a:schemeClr val="accent6"/>
+          </a:lnRef>
+          <a:fillRef idx="3">
+            <a:schemeClr val="accent6"/>
+          </a:fillRef>
+          <a:effectRef idx="2">
+            <a:schemeClr val="accent6"/>
+          </a:effectRef>
+          <a:fontRef idx="minor">
+            <a:schemeClr val="lt1"/>
+          </a:fontRef>
+        </p:style>
+        <p:txBody>
+          <a:bodyPr rtlCol="0" anchor="ctr"/>
+          <a:lstStyle/>
+          <a:p>
+            <a:pPr algn="ctr"/>
+            <a:r>
+              <a:rPr lang="de-DE" dirty="0"/>
+              <a:t>links</a:t>
+            </a:r>
+          </a:p>
+        </p:txBody>
+      </p:sp>
+      <p:cxnSp>
+        <p:nvCxnSpPr>
+          <p:cNvPr id="10" name="Gerade Verbindung mit Pfeil 9">
+            <a:extLst>
+              <a:ext uri="{FF2B5EF4-FFF2-40B4-BE49-F238E27FC236}">
+                <a16:creationId xmlns:a16="http://schemas.microsoft.com/office/drawing/2014/main" id="{D2679E8A-1135-BB41-BCF7-ECDFCF848549}"/>
+              </a:ext>
+            </a:extLst>
+          </p:cNvPr>
+          <p:cNvCxnSpPr>
+            <a:cxnSpLocks/>
+          </p:cNvCxnSpPr>
+          <p:nvPr/>
+        </p:nvCxnSpPr>
+        <p:spPr>
+          <a:xfrm flipV="1">
+            <a:off x="708338" y="6190516"/>
+            <a:ext cx="7484772" cy="1"/>
+          </a:xfrm>
+          <a:prstGeom prst="straightConnector1">
+            <a:avLst/>
+          </a:prstGeom>
+          <a:ln w="76200">
+            <a:solidFill>
+              <a:schemeClr val="tx1"/>
+            </a:solidFill>
+            <a:tailEnd type="triangle"/>
+          </a:ln>
+        </p:spPr>
+        <p:style>
+          <a:lnRef idx="1">
+            <a:schemeClr val="accent1"/>
+          </a:lnRef>
+          <a:fillRef idx="0">
+            <a:schemeClr val="accent1"/>
+          </a:fillRef>
+          <a:effectRef idx="0">
+            <a:schemeClr val="accent1"/>
+          </a:effectRef>
+          <a:fontRef idx="minor">
+            <a:schemeClr val="tx1"/>
+          </a:fontRef>
+        </p:style>
+      </p:cxnSp>
+      <p:sp>
+        <p:nvSpPr>
+          <p:cNvPr id="12" name="Textfeld 11">
+            <a:extLst>
+              <a:ext uri="{FF2B5EF4-FFF2-40B4-BE49-F238E27FC236}">
+                <a16:creationId xmlns:a16="http://schemas.microsoft.com/office/drawing/2014/main" id="{AE360321-157F-2543-8C22-72D34E6215E6}"/>
+              </a:ext>
+            </a:extLst>
+          </p:cNvPr>
+          <p:cNvSpPr txBox="1"/>
+          <p:nvPr/>
+        </p:nvSpPr>
+        <p:spPr>
+          <a:xfrm>
+            <a:off x="8847786" y="6207617"/>
+            <a:ext cx="945131" cy="369332"/>
+          </a:xfrm>
+          <a:prstGeom prst="rect">
+            <a:avLst/>
+          </a:prstGeom>
+          <a:noFill/>
+        </p:spPr>
+        <p:txBody>
+          <a:bodyPr wrap="none" rtlCol="0">
+            <a:spAutoFit/>
+          </a:bodyPr>
+          <a:lstStyle/>
+          <a:p>
+            <a:r>
+              <a:rPr lang="de-DE" dirty="0" err="1"/>
+              <a:t>Weights</a:t>
+            </a:r>
+            <a:endParaRPr lang="de-DE" dirty="0"/>
+          </a:p>
+        </p:txBody>
+      </p:sp>
+      <p:sp>
+        <p:nvSpPr>
+          <p:cNvPr id="13" name="Textfeld 12">
+            <a:extLst>
+              <a:ext uri="{FF2B5EF4-FFF2-40B4-BE49-F238E27FC236}">
+                <a16:creationId xmlns:a16="http://schemas.microsoft.com/office/drawing/2014/main" id="{6241ADE5-C9EB-1F4F-940B-A36413150B42}"/>
+              </a:ext>
+            </a:extLst>
+          </p:cNvPr>
+          <p:cNvSpPr txBox="1"/>
+          <p:nvPr/>
+        </p:nvSpPr>
+        <p:spPr>
+          <a:xfrm rot="16200000">
+            <a:off x="-106931" y="2264535"/>
+            <a:ext cx="1165897" cy="369332"/>
+          </a:xfrm>
+          <a:prstGeom prst="rect">
+            <a:avLst/>
+          </a:prstGeom>
+          <a:noFill/>
+        </p:spPr>
+        <p:txBody>
+          <a:bodyPr wrap="none" rtlCol="0">
+            <a:spAutoFit/>
+          </a:bodyPr>
+          <a:lstStyle/>
+          <a:p>
+            <a:r>
+              <a:rPr lang="de-DE" dirty="0" err="1"/>
+              <a:t>Frequency</a:t>
+            </a:r>
+            <a:endParaRPr lang="de-DE" dirty="0"/>
+          </a:p>
+        </p:txBody>
+      </p:sp>
+      <p:cxnSp>
+        <p:nvCxnSpPr>
+          <p:cNvPr id="5" name="Gerade Verbindung mit Pfeil 4">
+            <a:extLst>
+              <a:ext uri="{FF2B5EF4-FFF2-40B4-BE49-F238E27FC236}">
+                <a16:creationId xmlns:a16="http://schemas.microsoft.com/office/drawing/2014/main" id="{73B064BE-F0D0-5249-BF6D-AC27D6D4AEC1}"/>
+              </a:ext>
+            </a:extLst>
+          </p:cNvPr>
+          <p:cNvCxnSpPr/>
+          <p:nvPr/>
+        </p:nvCxnSpPr>
+        <p:spPr>
+          <a:xfrm flipV="1">
+            <a:off x="708338" y="1828800"/>
+            <a:ext cx="0" cy="4378817"/>
+          </a:xfrm>
+          <a:prstGeom prst="straightConnector1">
+            <a:avLst/>
+          </a:prstGeom>
+          <a:ln w="76200">
+            <a:solidFill>
+              <a:schemeClr val="tx1"/>
+            </a:solidFill>
+            <a:tailEnd type="triangle"/>
+          </a:ln>
+        </p:spPr>
+        <p:style>
+          <a:lnRef idx="1">
+            <a:schemeClr val="accent1"/>
+          </a:lnRef>
+          <a:fillRef idx="0">
+            <a:schemeClr val="accent1"/>
+          </a:fillRef>
+          <a:effectRef idx="0">
+            <a:schemeClr val="accent1"/>
+          </a:effectRef>
+          <a:fontRef idx="minor">
+            <a:schemeClr val="tx1"/>
+          </a:fontRef>
+        </p:style>
+      </p:cxnSp>
+      <p:sp>
+        <p:nvSpPr>
+          <p:cNvPr id="4" name="Titel 3">
+            <a:extLst>
+              <a:ext uri="{FF2B5EF4-FFF2-40B4-BE49-F238E27FC236}">
+                <a16:creationId xmlns:a16="http://schemas.microsoft.com/office/drawing/2014/main" id="{407CD9E5-405B-7147-9288-A604434F2C67}"/>
+              </a:ext>
+            </a:extLst>
+          </p:cNvPr>
+          <p:cNvSpPr>
+            <a:spLocks noGrp="1"/>
+          </p:cNvSpPr>
+          <p:nvPr>
+            <p:ph type="title"/>
           </p:nvPr>
         </p:nvSpPr>
         <p:spPr/>
         <p:txBody>
-          <a:bodyPr vert="horz" lIns="91440" tIns="45720" rIns="91440" bIns="45720" rtlCol="0" anchor="t">
-            <a:normAutofit/>
-          </a:bodyPr>
-          <a:lstStyle/>
-          <a:p>
+          <a:bodyPr/>
+          <a:lstStyle/>
+          <a:p>
+            <a:r>
+              <a:rPr lang="de-DE" dirty="0" err="1"/>
+              <a:t>One</a:t>
+            </a:r>
+            <a:r>
+              <a:rPr lang="de-DE" dirty="0"/>
+              <a:t> </a:t>
+            </a:r>
+            <a:r>
+              <a:rPr lang="de-DE" dirty="0" err="1"/>
+              <a:t>Threshold</a:t>
+            </a:r>
+            <a:r>
+              <a:rPr lang="de-DE" dirty="0"/>
+              <a:t> </a:t>
+            </a:r>
+            <a:r>
+              <a:rPr lang="de-DE" dirty="0">
+                <a:sym typeface="Wingdings" pitchFamily="2" charset="2"/>
+              </a:rPr>
+              <a:t> </a:t>
+            </a:r>
             <a:r>
               <a:rPr lang="de-DE" dirty="0" err="1">
-                <a:cs typeface="Calibri"/>
-              </a:rPr>
-              <a:t>To</a:t>
-            </a:r>
-            <a:r>
-              <a:rPr lang="de-DE" dirty="0">
-                <a:cs typeface="Calibri"/>
-              </a:rPr>
-              <a:t> </a:t>
-            </a:r>
-            <a:r>
-              <a:rPr lang="de-DE" dirty="0" err="1">
-                <a:cs typeface="Calibri"/>
-              </a:rPr>
-              <a:t>select</a:t>
-            </a:r>
-            <a:r>
-              <a:rPr lang="de-DE" dirty="0">
-                <a:cs typeface="Calibri"/>
-              </a:rPr>
-              <a:t> </a:t>
-            </a:r>
-            <a:r>
-              <a:rPr lang="de-DE" dirty="0" err="1">
-                <a:cs typeface="Calibri"/>
-              </a:rPr>
-              <a:t>with</a:t>
-            </a:r>
-            <a:r>
-              <a:rPr lang="de-DE" dirty="0">
-                <a:cs typeface="Calibri"/>
-              </a:rPr>
-              <a:t> „</a:t>
-            </a:r>
-            <a:r>
-              <a:rPr lang="de-DE" dirty="0" err="1">
-                <a:cs typeface="Calibri"/>
-              </a:rPr>
-              <a:t>show</a:t>
-            </a:r>
-            <a:r>
-              <a:rPr lang="de-DE" dirty="0">
-                <a:cs typeface="Calibri"/>
-              </a:rPr>
-              <a:t>“ in </a:t>
-            </a:r>
-            <a:r>
-              <a:rPr lang="de-DE" dirty="0" err="1">
-                <a:cs typeface="Calibri"/>
-              </a:rPr>
-              <a:t>getPairs</a:t>
-            </a:r>
-            <a:r>
-              <a:rPr lang="de-DE" dirty="0">
-                <a:cs typeface="Calibri"/>
-              </a:rPr>
-              <a:t>() </a:t>
-            </a:r>
-            <a:r>
-              <a:rPr lang="de-DE" dirty="0" err="1">
-                <a:cs typeface="Calibri"/>
-              </a:rPr>
-              <a:t>function</a:t>
-            </a:r>
-            <a:r>
-              <a:rPr lang="de-DE" dirty="0">
-                <a:cs typeface="Calibri"/>
-              </a:rPr>
-              <a:t>, </a:t>
-            </a:r>
-            <a:r>
-              <a:rPr lang="de-DE" dirty="0" err="1">
-                <a:cs typeface="Calibri"/>
-              </a:rPr>
-              <a:t>you</a:t>
-            </a:r>
-            <a:r>
-              <a:rPr lang="de-DE" dirty="0">
-                <a:cs typeface="Calibri"/>
-              </a:rPr>
-              <a:t> </a:t>
-            </a:r>
-            <a:r>
-              <a:rPr lang="de-DE" dirty="0" err="1">
-                <a:cs typeface="Calibri"/>
-              </a:rPr>
-              <a:t>need</a:t>
-            </a:r>
-            <a:r>
-              <a:rPr lang="de-DE" dirty="0">
-                <a:cs typeface="Calibri"/>
-              </a:rPr>
-              <a:t> </a:t>
-            </a:r>
-            <a:r>
-              <a:rPr lang="de-DE" dirty="0" err="1">
-                <a:cs typeface="Calibri"/>
-              </a:rPr>
-              <a:t>first</a:t>
-            </a:r>
-            <a:r>
-              <a:rPr lang="de-DE" dirty="0">
-                <a:cs typeface="Calibri"/>
-              </a:rPr>
-              <a:t> </a:t>
-            </a:r>
-            <a:r>
-              <a:rPr lang="de-DE" dirty="0" err="1">
-                <a:cs typeface="Calibri"/>
-              </a:rPr>
-              <a:t>to</a:t>
-            </a:r>
-            <a:r>
-              <a:rPr lang="de-DE" dirty="0">
-                <a:cs typeface="Calibri"/>
-              </a:rPr>
-              <a:t> </a:t>
-            </a:r>
-            <a:r>
-              <a:rPr lang="de-DE" dirty="0" err="1">
-                <a:cs typeface="Calibri"/>
-              </a:rPr>
-              <a:t>Classify</a:t>
-            </a:r>
-            <a:r>
-              <a:rPr lang="de-DE" dirty="0">
-                <a:cs typeface="Calibri"/>
-              </a:rPr>
-              <a:t> </a:t>
-            </a:r>
-            <a:r>
-              <a:rPr lang="de-DE" dirty="0" err="1">
-                <a:cs typeface="Calibri"/>
-              </a:rPr>
-              <a:t>your</a:t>
-            </a:r>
-            <a:r>
-              <a:rPr lang="de-DE" dirty="0">
-                <a:cs typeface="Calibri"/>
-              </a:rPr>
-              <a:t> </a:t>
-            </a:r>
-            <a:r>
-              <a:rPr lang="de-DE" dirty="0" err="1">
-                <a:cs typeface="Calibri"/>
-              </a:rPr>
-              <a:t>dataset</a:t>
-            </a:r>
-            <a:r>
-              <a:rPr lang="de-DE" dirty="0">
-                <a:cs typeface="Calibri"/>
-              </a:rPr>
-              <a:t> </a:t>
-            </a:r>
-            <a:r>
-              <a:rPr lang="de-DE" dirty="0" err="1">
-                <a:cs typeface="Calibri"/>
-              </a:rPr>
-              <a:t>with</a:t>
-            </a:r>
-            <a:r>
-              <a:rPr lang="de-DE" dirty="0">
-                <a:cs typeface="Calibri"/>
-              </a:rPr>
-              <a:t> </a:t>
-            </a:r>
-            <a:r>
-              <a:rPr lang="de-DE" dirty="0" err="1">
-                <a:cs typeface="Calibri"/>
-              </a:rPr>
-              <a:t>epiClassify</a:t>
-            </a:r>
-            <a:r>
-              <a:rPr lang="de-DE" dirty="0">
-                <a:cs typeface="Calibri"/>
-              </a:rPr>
-              <a:t>() </a:t>
-            </a:r>
-            <a:r>
-              <a:rPr lang="de-DE" dirty="0" err="1">
-                <a:cs typeface="Calibri"/>
-              </a:rPr>
-              <a:t>or</a:t>
-            </a:r>
-            <a:r>
-              <a:rPr lang="de-DE" dirty="0">
-                <a:cs typeface="Calibri"/>
-              </a:rPr>
-              <a:t> </a:t>
-            </a:r>
-            <a:r>
-              <a:rPr lang="de-DE" dirty="0" err="1">
-                <a:cs typeface="Calibri"/>
-              </a:rPr>
-              <a:t>emClassify</a:t>
-            </a:r>
-            <a:r>
-              <a:rPr lang="de-DE" dirty="0">
-                <a:cs typeface="Calibri"/>
-              </a:rPr>
-              <a:t>() </a:t>
-            </a:r>
-            <a:r>
-              <a:rPr lang="de-DE" dirty="0" err="1">
-                <a:cs typeface="Calibri"/>
-              </a:rPr>
-              <a:t>depending</a:t>
-            </a:r>
-            <a:r>
-              <a:rPr lang="de-DE" dirty="0">
-                <a:cs typeface="Calibri"/>
-              </a:rPr>
-              <a:t> </a:t>
-            </a:r>
-            <a:r>
-              <a:rPr lang="de-DE" dirty="0" err="1">
-                <a:cs typeface="Calibri"/>
-              </a:rPr>
-              <a:t>your</a:t>
-            </a:r>
-            <a:r>
-              <a:rPr lang="de-DE" dirty="0">
-                <a:cs typeface="Calibri"/>
-              </a:rPr>
-              <a:t> </a:t>
-            </a:r>
-            <a:r>
-              <a:rPr lang="de-DE" dirty="0" err="1">
-                <a:cs typeface="Calibri"/>
-              </a:rPr>
-              <a:t>approach</a:t>
-            </a:r>
-            <a:r>
-              <a:rPr lang="de-DE" dirty="0">
-                <a:cs typeface="Calibri"/>
-              </a:rPr>
-              <a:t> (</a:t>
-            </a:r>
-            <a:r>
-              <a:rPr lang="de-DE" dirty="0" err="1">
-                <a:cs typeface="Calibri"/>
-              </a:rPr>
-              <a:t>epiWeight</a:t>
-            </a:r>
-            <a:r>
-              <a:rPr lang="de-DE" dirty="0">
-                <a:cs typeface="Calibri"/>
-              </a:rPr>
-              <a:t> </a:t>
-            </a:r>
-            <a:r>
-              <a:rPr lang="de-DE" dirty="0" err="1">
-                <a:cs typeface="Calibri"/>
-              </a:rPr>
-              <a:t>or</a:t>
-            </a:r>
-            <a:r>
-              <a:rPr lang="de-DE" dirty="0">
-                <a:cs typeface="Calibri"/>
-              </a:rPr>
-              <a:t> </a:t>
-            </a:r>
-            <a:r>
-              <a:rPr lang="de-DE" dirty="0" err="1">
-                <a:cs typeface="Calibri"/>
-              </a:rPr>
-              <a:t>emWeigth</a:t>
-            </a:r>
-            <a:r>
-              <a:rPr lang="de-DE" dirty="0">
-                <a:cs typeface="Calibri"/>
-              </a:rPr>
-              <a:t>)</a:t>
-            </a:r>
-          </a:p>
-          <a:p>
-            <a:endParaRPr lang="de-DE" dirty="0">
-              <a:cs typeface="Calibri"/>
-            </a:endParaRPr>
-          </a:p>
-          <a:p>
-            <a:r>
-              <a:rPr lang="de-DE" dirty="0" err="1">
-                <a:cs typeface="Calibri"/>
-              </a:rPr>
-              <a:t>epiClassify</a:t>
-            </a:r>
-            <a:r>
-              <a:rPr lang="de-DE" dirty="0">
-                <a:cs typeface="Calibri"/>
-              </a:rPr>
-              <a:t> </a:t>
-            </a:r>
-            <a:br>
-              <a:rPr lang="de-DE" dirty="0">
-                <a:cs typeface="Calibri"/>
-              </a:rPr>
-            </a:br>
-            <a:r>
-              <a:rPr lang="de-DE" dirty="0">
-                <a:cs typeface="Calibri"/>
-              </a:rPr>
-              <a:t>--&gt; </a:t>
-            </a:r>
-            <a:r>
-              <a:rPr lang="de-DE" dirty="0" err="1">
-                <a:cs typeface="Calibri"/>
+                <a:sym typeface="Wingdings" pitchFamily="2" charset="2"/>
               </a:rPr>
               <a:t>Threshold.upper</a:t>
             </a:r>
-            <a:r>
-              <a:rPr lang="de-DE" dirty="0">
-                <a:cs typeface="Calibri"/>
-              </a:rPr>
-              <a:t> --&gt; Schwellenwert ab wann </a:t>
-            </a:r>
-            <a:r>
-              <a:rPr lang="de-DE" dirty="0" err="1">
-                <a:cs typeface="Calibri"/>
-              </a:rPr>
-              <a:t>pairs</a:t>
-            </a:r>
-            <a:r>
-              <a:rPr lang="de-DE" dirty="0">
-                <a:cs typeface="Calibri"/>
-              </a:rPr>
-              <a:t> zu links werden</a:t>
-            </a:r>
-          </a:p>
-          <a:p>
-            <a:endParaRPr lang="de-DE" dirty="0">
-              <a:cs typeface="Calibri"/>
-            </a:endParaRPr>
-          </a:p>
-          <a:p>
-            <a:r>
-              <a:rPr lang="de-DE" dirty="0" err="1">
-                <a:cs typeface="Calibri"/>
-              </a:rPr>
-              <a:t>emClassify</a:t>
-            </a:r>
-            <a:r>
-              <a:rPr lang="de-DE" dirty="0">
-                <a:cs typeface="Calibri"/>
-              </a:rPr>
-              <a:t> --&gt; </a:t>
-            </a:r>
+            <a:endParaRPr lang="de-DE" dirty="0"/>
           </a:p>
         </p:txBody>
       </p:sp>
     </p:spTree>
     <p:extLst>
       <p:ext uri="{BB962C8B-B14F-4D97-AF65-F5344CB8AC3E}">
-        <p14:creationId xmlns:p14="http://schemas.microsoft.com/office/powerpoint/2010/main" val="2515221404"/>
+        <p14:creationId xmlns:p14="http://schemas.microsoft.com/office/powerpoint/2010/main" val="2663077026"/>
       </p:ext>
     </p:extLst>
   </p:cSld>
@@ -7536,7 +8704,7 @@
           <p:cNvPr id="2" name="Titel 1">
             <a:extLst>
               <a:ext uri="{FF2B5EF4-FFF2-40B4-BE49-F238E27FC236}">
-                <a16:creationId xmlns:a16="http://schemas.microsoft.com/office/drawing/2014/main" id="{EEA6C87C-85E1-45CF-B838-40684D796EC2}"/>
+                <a16:creationId xmlns:a16="http://schemas.microsoft.com/office/drawing/2014/main" id="{F4BF988D-6DFD-4F4D-A32C-74D2CF267908}"/>
               </a:ext>
             </a:extLst>
           </p:cNvPr>
@@ -7547,63 +8715,463 @@
             <p:ph type="title"/>
           </p:nvPr>
         </p:nvSpPr>
+        <p:spPr/>
+        <p:txBody>
+          <a:bodyPr>
+            <a:normAutofit/>
+          </a:bodyPr>
+          <a:lstStyle/>
+          <a:p>
+            <a:r>
+              <a:rPr lang="de-DE" sz="3600" dirty="0" err="1"/>
+              <a:t>Two</a:t>
+            </a:r>
+            <a:r>
+              <a:rPr lang="de-DE" sz="3600" dirty="0"/>
+              <a:t> </a:t>
+            </a:r>
+            <a:r>
+              <a:rPr lang="de-DE" sz="3600" dirty="0" err="1"/>
+              <a:t>Thresholds</a:t>
+            </a:r>
+            <a:r>
+              <a:rPr lang="de-DE" sz="3600" dirty="0"/>
+              <a:t> </a:t>
+            </a:r>
+            <a:r>
+              <a:rPr lang="de-DE" sz="3600" dirty="0">
+                <a:sym typeface="Wingdings" pitchFamily="2" charset="2"/>
+              </a:rPr>
+              <a:t> </a:t>
+            </a:r>
+            <a:r>
+              <a:rPr lang="de-DE" sz="3600" dirty="0" err="1">
+                <a:sym typeface="Wingdings" pitchFamily="2" charset="2"/>
+              </a:rPr>
+              <a:t>Threshold</a:t>
+            </a:r>
+            <a:r>
+              <a:rPr lang="de-DE" sz="3600" dirty="0">
+                <a:sym typeface="Wingdings" pitchFamily="2" charset="2"/>
+              </a:rPr>
+              <a:t> </a:t>
+            </a:r>
+            <a:r>
+              <a:rPr lang="de-DE" sz="3600" dirty="0" err="1">
+                <a:sym typeface="Wingdings" pitchFamily="2" charset="2"/>
+              </a:rPr>
+              <a:t>upper</a:t>
+            </a:r>
+            <a:r>
+              <a:rPr lang="de-DE" sz="3600" dirty="0">
+                <a:sym typeface="Wingdings" pitchFamily="2" charset="2"/>
+              </a:rPr>
+              <a:t> &amp; </a:t>
+            </a:r>
+            <a:r>
+              <a:rPr lang="de-DE" sz="3600" dirty="0" err="1">
+                <a:sym typeface="Wingdings" pitchFamily="2" charset="2"/>
+              </a:rPr>
+              <a:t>Threshold.under</a:t>
+            </a:r>
+            <a:endParaRPr lang="de-DE" sz="3600" dirty="0"/>
+          </a:p>
+        </p:txBody>
+      </p:sp>
+      <p:sp>
+        <p:nvSpPr>
+          <p:cNvPr id="6" name="Rechteck 5">
+            <a:extLst>
+              <a:ext uri="{FF2B5EF4-FFF2-40B4-BE49-F238E27FC236}">
+                <a16:creationId xmlns:a16="http://schemas.microsoft.com/office/drawing/2014/main" id="{CA366FDB-0811-414B-AFFE-DDFFD53490B0}"/>
+              </a:ext>
+            </a:extLst>
+          </p:cNvPr>
+          <p:cNvSpPr/>
+          <p:nvPr/>
+        </p:nvSpPr>
         <p:spPr>
           <a:xfrm>
-            <a:off x="2555631" y="1441938"/>
-            <a:ext cx="7080738" cy="3974124"/>
+            <a:off x="708338" y="1825625"/>
+            <a:ext cx="2278478" cy="4347791"/>
           </a:xfrm>
+          <a:prstGeom prst="rect">
+            <a:avLst/>
+          </a:prstGeom>
         </p:spPr>
-        <p:txBody>
-          <a:bodyPr vert="horz" lIns="91440" tIns="45720" rIns="91440" bIns="45720" rtlCol="0" anchor="ctr">
-            <a:normAutofit/>
+        <p:style>
+          <a:lnRef idx="1">
+            <a:schemeClr val="accent2"/>
+          </a:lnRef>
+          <a:fillRef idx="3">
+            <a:schemeClr val="accent2"/>
+          </a:fillRef>
+          <a:effectRef idx="2">
+            <a:schemeClr val="accent2"/>
+          </a:effectRef>
+          <a:fontRef idx="minor">
+            <a:schemeClr val="lt1"/>
+          </a:fontRef>
+        </p:style>
+        <p:txBody>
+          <a:bodyPr rtlCol="0" anchor="ctr"/>
+          <a:lstStyle/>
+          <a:p>
+            <a:pPr algn="ctr"/>
+            <a:r>
+              <a:rPr lang="de-DE" dirty="0"/>
+              <a:t>Non links</a:t>
+            </a:r>
+          </a:p>
+        </p:txBody>
+      </p:sp>
+      <p:sp>
+        <p:nvSpPr>
+          <p:cNvPr id="7" name="Rechteck 6">
+            <a:extLst>
+              <a:ext uri="{FF2B5EF4-FFF2-40B4-BE49-F238E27FC236}">
+                <a16:creationId xmlns:a16="http://schemas.microsoft.com/office/drawing/2014/main" id="{DB0ED68B-18C0-F341-82DC-FBF055FC28BC}"/>
+              </a:ext>
+            </a:extLst>
+          </p:cNvPr>
+          <p:cNvSpPr/>
+          <p:nvPr/>
+        </p:nvSpPr>
+        <p:spPr>
+          <a:xfrm>
+            <a:off x="2986816" y="1828800"/>
+            <a:ext cx="1365170" cy="4344616"/>
+          </a:xfrm>
+          <a:prstGeom prst="rect">
+            <a:avLst/>
+          </a:prstGeom>
+        </p:spPr>
+        <p:style>
+          <a:lnRef idx="2">
+            <a:schemeClr val="accent4">
+              <a:shade val="50000"/>
+            </a:schemeClr>
+          </a:lnRef>
+          <a:fillRef idx="1">
+            <a:schemeClr val="accent4"/>
+          </a:fillRef>
+          <a:effectRef idx="0">
+            <a:schemeClr val="accent4"/>
+          </a:effectRef>
+          <a:fontRef idx="minor">
+            <a:schemeClr val="lt1"/>
+          </a:fontRef>
+        </p:style>
+        <p:txBody>
+          <a:bodyPr rtlCol="0" anchor="ctr"/>
+          <a:lstStyle/>
+          <a:p>
+            <a:pPr algn="ctr"/>
+            <a:r>
+              <a:rPr lang="de-DE" dirty="0" err="1"/>
+              <a:t>possible</a:t>
+            </a:r>
+            <a:endParaRPr lang="de-DE" dirty="0"/>
+          </a:p>
+        </p:txBody>
+      </p:sp>
+      <p:sp>
+        <p:nvSpPr>
+          <p:cNvPr id="9" name="Rechteck 8">
+            <a:extLst>
+              <a:ext uri="{FF2B5EF4-FFF2-40B4-BE49-F238E27FC236}">
+                <a16:creationId xmlns:a16="http://schemas.microsoft.com/office/drawing/2014/main" id="{87222023-4B12-3C44-88E0-B88863F916C2}"/>
+              </a:ext>
+            </a:extLst>
+          </p:cNvPr>
+          <p:cNvSpPr/>
+          <p:nvPr/>
+        </p:nvSpPr>
+        <p:spPr>
+          <a:xfrm>
+            <a:off x="4351986" y="1828800"/>
+            <a:ext cx="2910626" cy="4344616"/>
+          </a:xfrm>
+          <a:prstGeom prst="rect">
+            <a:avLst/>
+          </a:prstGeom>
+        </p:spPr>
+        <p:style>
+          <a:lnRef idx="1">
+            <a:schemeClr val="accent6"/>
+          </a:lnRef>
+          <a:fillRef idx="3">
+            <a:schemeClr val="accent6"/>
+          </a:fillRef>
+          <a:effectRef idx="2">
+            <a:schemeClr val="accent6"/>
+          </a:effectRef>
+          <a:fontRef idx="minor">
+            <a:schemeClr val="lt1"/>
+          </a:fontRef>
+        </p:style>
+        <p:txBody>
+          <a:bodyPr rtlCol="0" anchor="ctr"/>
+          <a:lstStyle/>
+          <a:p>
+            <a:pPr algn="ctr"/>
+            <a:r>
+              <a:rPr lang="de-DE" dirty="0"/>
+              <a:t>links</a:t>
+            </a:r>
+          </a:p>
+        </p:txBody>
+      </p:sp>
+      <p:cxnSp>
+        <p:nvCxnSpPr>
+          <p:cNvPr id="10" name="Gerade Verbindung mit Pfeil 9">
+            <a:extLst>
+              <a:ext uri="{FF2B5EF4-FFF2-40B4-BE49-F238E27FC236}">
+                <a16:creationId xmlns:a16="http://schemas.microsoft.com/office/drawing/2014/main" id="{D2679E8A-1135-BB41-BCF7-ECDFCF848549}"/>
+              </a:ext>
+            </a:extLst>
+          </p:cNvPr>
+          <p:cNvCxnSpPr>
+            <a:cxnSpLocks/>
+          </p:cNvCxnSpPr>
+          <p:nvPr/>
+        </p:nvCxnSpPr>
+        <p:spPr>
+          <a:xfrm flipV="1">
+            <a:off x="708338" y="6190516"/>
+            <a:ext cx="7484772" cy="1"/>
+          </a:xfrm>
+          <a:prstGeom prst="straightConnector1">
+            <a:avLst/>
+          </a:prstGeom>
+          <a:ln w="76200">
+            <a:solidFill>
+              <a:schemeClr val="tx1"/>
+            </a:solidFill>
+            <a:tailEnd type="triangle"/>
+          </a:ln>
+        </p:spPr>
+        <p:style>
+          <a:lnRef idx="1">
+            <a:schemeClr val="accent1"/>
+          </a:lnRef>
+          <a:fillRef idx="0">
+            <a:schemeClr val="accent1"/>
+          </a:fillRef>
+          <a:effectRef idx="0">
+            <a:schemeClr val="accent1"/>
+          </a:effectRef>
+          <a:fontRef idx="minor">
+            <a:schemeClr val="tx1"/>
+          </a:fontRef>
+        </p:style>
+      </p:cxnSp>
+      <p:sp>
+        <p:nvSpPr>
+          <p:cNvPr id="12" name="Textfeld 11">
+            <a:extLst>
+              <a:ext uri="{FF2B5EF4-FFF2-40B4-BE49-F238E27FC236}">
+                <a16:creationId xmlns:a16="http://schemas.microsoft.com/office/drawing/2014/main" id="{AE360321-157F-2543-8C22-72D34E6215E6}"/>
+              </a:ext>
+            </a:extLst>
+          </p:cNvPr>
+          <p:cNvSpPr txBox="1"/>
+          <p:nvPr/>
+        </p:nvSpPr>
+        <p:spPr>
+          <a:xfrm>
+            <a:off x="8847786" y="6207617"/>
+            <a:ext cx="945131" cy="369332"/>
+          </a:xfrm>
+          <a:prstGeom prst="rect">
+            <a:avLst/>
+          </a:prstGeom>
+          <a:noFill/>
+        </p:spPr>
+        <p:txBody>
+          <a:bodyPr wrap="none" rtlCol="0">
+            <a:spAutoFit/>
           </a:bodyPr>
           <a:lstStyle/>
           <a:p>
-            <a:pPr algn="ctr"/>
-            <a:r>
-              <a:rPr lang="en-US" sz="5400" b="1" dirty="0" err="1">
-                <a:solidFill>
-                  <a:schemeClr val="accent1"/>
-                </a:solidFill>
-                <a:latin typeface="Calibri"/>
-                <a:cs typeface="Calibri"/>
-              </a:rPr>
-              <a:t>Codebeispiele</a:t>
-            </a:r>
-            <a:r>
-              <a:rPr lang="en-US" sz="5400" b="1" dirty="0">
-                <a:solidFill>
-                  <a:schemeClr val="accent1"/>
-                </a:solidFill>
-                <a:latin typeface="Calibri"/>
-                <a:cs typeface="Calibri"/>
-              </a:rPr>
-              <a:t>: </a:t>
-            </a:r>
-            <a:r>
-              <a:rPr lang="en-US" sz="5400" b="1" dirty="0" err="1">
-                <a:solidFill>
-                  <a:schemeClr val="accent1"/>
-                </a:solidFill>
-                <a:latin typeface="Calibri"/>
-                <a:cs typeface="Calibri"/>
-              </a:rPr>
-              <a:t>getpairs</a:t>
-            </a:r>
-            <a:endParaRPr lang="en-US" sz="5400" b="1" dirty="0">
-              <a:solidFill>
-                <a:schemeClr val="accent1"/>
-              </a:solidFill>
-              <a:latin typeface="Calibri"/>
-              <a:cs typeface="Calibri"/>
-            </a:endParaRPr>
-          </a:p>
-        </p:txBody>
-      </p:sp>
+            <a:r>
+              <a:rPr lang="de-DE" dirty="0" err="1"/>
+              <a:t>Weights</a:t>
+            </a:r>
+            <a:endParaRPr lang="de-DE" dirty="0"/>
+          </a:p>
+        </p:txBody>
+      </p:sp>
+      <p:sp>
+        <p:nvSpPr>
+          <p:cNvPr id="13" name="Textfeld 12">
+            <a:extLst>
+              <a:ext uri="{FF2B5EF4-FFF2-40B4-BE49-F238E27FC236}">
+                <a16:creationId xmlns:a16="http://schemas.microsoft.com/office/drawing/2014/main" id="{6241ADE5-C9EB-1F4F-940B-A36413150B42}"/>
+              </a:ext>
+            </a:extLst>
+          </p:cNvPr>
+          <p:cNvSpPr txBox="1"/>
+          <p:nvPr/>
+        </p:nvSpPr>
+        <p:spPr>
+          <a:xfrm rot="16200000">
+            <a:off x="-106931" y="2264535"/>
+            <a:ext cx="1165897" cy="369332"/>
+          </a:xfrm>
+          <a:prstGeom prst="rect">
+            <a:avLst/>
+          </a:prstGeom>
+          <a:noFill/>
+        </p:spPr>
+        <p:txBody>
+          <a:bodyPr wrap="none" rtlCol="0">
+            <a:spAutoFit/>
+          </a:bodyPr>
+          <a:lstStyle/>
+          <a:p>
+            <a:r>
+              <a:rPr lang="de-DE" dirty="0" err="1"/>
+              <a:t>Frequency</a:t>
+            </a:r>
+            <a:endParaRPr lang="de-DE" dirty="0"/>
+          </a:p>
+        </p:txBody>
+      </p:sp>
+      <p:sp>
+        <p:nvSpPr>
+          <p:cNvPr id="14" name="Textfeld 13">
+            <a:extLst>
+              <a:ext uri="{FF2B5EF4-FFF2-40B4-BE49-F238E27FC236}">
+                <a16:creationId xmlns:a16="http://schemas.microsoft.com/office/drawing/2014/main" id="{08F34955-434E-6F44-9305-3BF146B69DAE}"/>
+              </a:ext>
+            </a:extLst>
+          </p:cNvPr>
+          <p:cNvSpPr txBox="1"/>
+          <p:nvPr/>
+        </p:nvSpPr>
+        <p:spPr>
+          <a:xfrm rot="16200000">
+            <a:off x="3431624" y="4988486"/>
+            <a:ext cx="1733360" cy="369332"/>
+          </a:xfrm>
+          <a:prstGeom prst="rect">
+            <a:avLst/>
+          </a:prstGeom>
+          <a:noFill/>
+        </p:spPr>
+        <p:txBody>
+          <a:bodyPr wrap="none" rtlCol="0">
+            <a:spAutoFit/>
+          </a:bodyPr>
+          <a:lstStyle/>
+          <a:p>
+            <a:r>
+              <a:rPr lang="de-DE" dirty="0" err="1"/>
+              <a:t>Threshold</a:t>
+            </a:r>
+            <a:r>
+              <a:rPr lang="de-DE" dirty="0"/>
+              <a:t> </a:t>
+            </a:r>
+            <a:r>
+              <a:rPr lang="de-DE" dirty="0" err="1"/>
+              <a:t>upper</a:t>
+            </a:r>
+            <a:endParaRPr lang="de-DE" dirty="0"/>
+          </a:p>
+        </p:txBody>
+      </p:sp>
+      <p:sp>
+        <p:nvSpPr>
+          <p:cNvPr id="15" name="Textfeld 14">
+            <a:extLst>
+              <a:ext uri="{FF2B5EF4-FFF2-40B4-BE49-F238E27FC236}">
+                <a16:creationId xmlns:a16="http://schemas.microsoft.com/office/drawing/2014/main" id="{321EE0DD-215A-384F-AB8E-C9B10A32CD3B}"/>
+              </a:ext>
+            </a:extLst>
+          </p:cNvPr>
+          <p:cNvSpPr txBox="1"/>
+          <p:nvPr/>
+        </p:nvSpPr>
+        <p:spPr>
+          <a:xfrm rot="16200000">
+            <a:off x="2120136" y="4988486"/>
+            <a:ext cx="1733360" cy="369332"/>
+          </a:xfrm>
+          <a:prstGeom prst="rect">
+            <a:avLst/>
+          </a:prstGeom>
+          <a:noFill/>
+        </p:spPr>
+        <p:txBody>
+          <a:bodyPr wrap="none" rtlCol="0">
+            <a:spAutoFit/>
+          </a:bodyPr>
+          <a:lstStyle/>
+          <a:p>
+            <a:r>
+              <a:rPr lang="de-DE" dirty="0" err="1"/>
+              <a:t>Threshold</a:t>
+            </a:r>
+            <a:r>
+              <a:rPr lang="de-DE" dirty="0"/>
+              <a:t> </a:t>
+            </a:r>
+            <a:r>
+              <a:rPr lang="de-DE" dirty="0" err="1"/>
+              <a:t>under</a:t>
+            </a:r>
+            <a:endParaRPr lang="de-DE" dirty="0"/>
+          </a:p>
+        </p:txBody>
+      </p:sp>
+      <p:cxnSp>
+        <p:nvCxnSpPr>
+          <p:cNvPr id="5" name="Gerade Verbindung mit Pfeil 4">
+            <a:extLst>
+              <a:ext uri="{FF2B5EF4-FFF2-40B4-BE49-F238E27FC236}">
+                <a16:creationId xmlns:a16="http://schemas.microsoft.com/office/drawing/2014/main" id="{73B064BE-F0D0-5249-BF6D-AC27D6D4AEC1}"/>
+              </a:ext>
+            </a:extLst>
+          </p:cNvPr>
+          <p:cNvCxnSpPr/>
+          <p:nvPr/>
+        </p:nvCxnSpPr>
+        <p:spPr>
+          <a:xfrm flipV="1">
+            <a:off x="708338" y="1828800"/>
+            <a:ext cx="0" cy="4378817"/>
+          </a:xfrm>
+          <a:prstGeom prst="straightConnector1">
+            <a:avLst/>
+          </a:prstGeom>
+          <a:ln w="76200">
+            <a:solidFill>
+              <a:schemeClr val="tx1"/>
+            </a:solidFill>
+            <a:tailEnd type="triangle"/>
+          </a:ln>
+        </p:spPr>
+        <p:style>
+          <a:lnRef idx="1">
+            <a:schemeClr val="accent1"/>
+          </a:lnRef>
+          <a:fillRef idx="0">
+            <a:schemeClr val="accent1"/>
+          </a:fillRef>
+          <a:effectRef idx="0">
+            <a:schemeClr val="accent1"/>
+          </a:effectRef>
+          <a:fontRef idx="minor">
+            <a:schemeClr val="tx1"/>
+          </a:fontRef>
+        </p:style>
+      </p:cxnSp>
     </p:spTree>
     <p:extLst>
       <p:ext uri="{BB962C8B-B14F-4D97-AF65-F5344CB8AC3E}">
-        <p14:creationId xmlns:p14="http://schemas.microsoft.com/office/powerpoint/2010/main" val="2760230182"/>
+        <p14:creationId xmlns:p14="http://schemas.microsoft.com/office/powerpoint/2010/main" val="2900873172"/>
       </p:ext>
     </p:extLst>
   </p:cSld>

--- a/RLgetPairs.pptx
+++ b/RLgetPairs.pptx
@@ -212,7 +212,7 @@
           <a:p>
             <a:fld id="{AC72D997-4647-442C-924D-B780A56A3F96}" type="datetimeFigureOut">
               <a:rPr lang="de-DE"/>
-              <a:t>17.05.19</a:t>
+              <a:t>04.06.2019</a:t>
             </a:fld>
             <a:endParaRPr lang="de-DE"/>
           </a:p>
@@ -1435,7 +1435,7 @@
           <a:p>
             <a:fld id="{D3EB3054-B75A-4BD7-8B3E-8DC0F614FAF3}" type="datetimeFigureOut">
               <a:rPr lang="de-DE" smtClean="0"/>
-              <a:t>17.05.19</a:t>
+              <a:t>04.06.2019</a:t>
             </a:fld>
             <a:endParaRPr lang="de-DE"/>
           </a:p>
@@ -1603,7 +1603,7 @@
           <a:p>
             <a:fld id="{D3EB3054-B75A-4BD7-8B3E-8DC0F614FAF3}" type="datetimeFigureOut">
               <a:rPr lang="de-DE" smtClean="0"/>
-              <a:t>17.05.19</a:t>
+              <a:t>04.06.2019</a:t>
             </a:fld>
             <a:endParaRPr lang="de-DE"/>
           </a:p>
@@ -1781,7 +1781,7 @@
           <a:p>
             <a:fld id="{D3EB3054-B75A-4BD7-8B3E-8DC0F614FAF3}" type="datetimeFigureOut">
               <a:rPr lang="de-DE" smtClean="0"/>
-              <a:t>17.05.19</a:t>
+              <a:t>04.06.2019</a:t>
             </a:fld>
             <a:endParaRPr lang="de-DE"/>
           </a:p>
@@ -1949,7 +1949,7 @@
           <a:p>
             <a:fld id="{D3EB3054-B75A-4BD7-8B3E-8DC0F614FAF3}" type="datetimeFigureOut">
               <a:rPr lang="de-DE" smtClean="0"/>
-              <a:t>17.05.19</a:t>
+              <a:t>04.06.2019</a:t>
             </a:fld>
             <a:endParaRPr lang="de-DE"/>
           </a:p>
@@ -2194,7 +2194,7 @@
           <a:p>
             <a:fld id="{D3EB3054-B75A-4BD7-8B3E-8DC0F614FAF3}" type="datetimeFigureOut">
               <a:rPr lang="de-DE" smtClean="0"/>
-              <a:t>17.05.19</a:t>
+              <a:t>04.06.2019</a:t>
             </a:fld>
             <a:endParaRPr lang="de-DE"/>
           </a:p>
@@ -2423,7 +2423,7 @@
           <a:p>
             <a:fld id="{D3EB3054-B75A-4BD7-8B3E-8DC0F614FAF3}" type="datetimeFigureOut">
               <a:rPr lang="de-DE" smtClean="0"/>
-              <a:t>17.05.19</a:t>
+              <a:t>04.06.2019</a:t>
             </a:fld>
             <a:endParaRPr lang="de-DE"/>
           </a:p>
@@ -2787,7 +2787,7 @@
           <a:p>
             <a:fld id="{D3EB3054-B75A-4BD7-8B3E-8DC0F614FAF3}" type="datetimeFigureOut">
               <a:rPr lang="de-DE" smtClean="0"/>
-              <a:t>17.05.19</a:t>
+              <a:t>04.06.2019</a:t>
             </a:fld>
             <a:endParaRPr lang="de-DE"/>
           </a:p>
@@ -2904,7 +2904,7 @@
           <a:p>
             <a:fld id="{D3EB3054-B75A-4BD7-8B3E-8DC0F614FAF3}" type="datetimeFigureOut">
               <a:rPr lang="de-DE" smtClean="0"/>
-              <a:t>17.05.19</a:t>
+              <a:t>04.06.2019</a:t>
             </a:fld>
             <a:endParaRPr lang="de-DE"/>
           </a:p>
@@ -2999,7 +2999,7 @@
           <a:p>
             <a:fld id="{D3EB3054-B75A-4BD7-8B3E-8DC0F614FAF3}" type="datetimeFigureOut">
               <a:rPr lang="de-DE" smtClean="0"/>
-              <a:t>17.05.19</a:t>
+              <a:t>04.06.2019</a:t>
             </a:fld>
             <a:endParaRPr lang="de-DE"/>
           </a:p>
@@ -3274,7 +3274,7 @@
           <a:p>
             <a:fld id="{D3EB3054-B75A-4BD7-8B3E-8DC0F614FAF3}" type="datetimeFigureOut">
               <a:rPr lang="de-DE" smtClean="0"/>
-              <a:t>17.05.19</a:t>
+              <a:t>04.06.2019</a:t>
             </a:fld>
             <a:endParaRPr lang="de-DE"/>
           </a:p>
@@ -3526,7 +3526,7 @@
           <a:p>
             <a:fld id="{D3EB3054-B75A-4BD7-8B3E-8DC0F614FAF3}" type="datetimeFigureOut">
               <a:rPr lang="de-DE" smtClean="0"/>
-              <a:t>17.05.19</a:t>
+              <a:t>04.06.2019</a:t>
             </a:fld>
             <a:endParaRPr lang="de-DE"/>
           </a:p>
@@ -3737,7 +3737,7 @@
           <a:p>
             <a:fld id="{D3EB3054-B75A-4BD7-8B3E-8DC0F614FAF3}" type="datetimeFigureOut">
               <a:rPr lang="de-DE" smtClean="0"/>
-              <a:t>17.05.19</a:t>
+              <a:t>04.06.2019</a:t>
             </a:fld>
             <a:endParaRPr lang="de-DE"/>
           </a:p>
@@ -8618,28 +8618,137 @@
       </p:cxnSp>
       <p:sp>
         <p:nvSpPr>
-          <p:cNvPr id="4" name="Titel 3">
+          <p:cNvPr id="14" name="Titel 1">
             <a:extLst>
               <a:ext uri="{FF2B5EF4-FFF2-40B4-BE49-F238E27FC236}">
-                <a16:creationId xmlns:a16="http://schemas.microsoft.com/office/drawing/2014/main" id="{407CD9E5-405B-7147-9288-A604434F2C67}"/>
+                <a16:creationId xmlns:a16="http://schemas.microsoft.com/office/drawing/2014/main" id="{64DD226C-ACD5-48D2-923C-BE867D8BDF69}"/>
               </a:ext>
             </a:extLst>
           </p:cNvPr>
-          <p:cNvSpPr>
-            <a:spLocks noGrp="1"/>
-          </p:cNvSpPr>
-          <p:nvPr>
-            <p:ph type="title"/>
-          </p:nvPr>
-        </p:nvSpPr>
-        <p:spPr/>
-        <p:txBody>
-          <a:bodyPr/>
+          <p:cNvSpPr txBox="1">
+            <a:spLocks/>
+          </p:cNvSpPr>
+          <p:nvPr/>
+        </p:nvSpPr>
+        <p:spPr>
+          <a:xfrm>
+            <a:off x="708338" y="-110367"/>
+            <a:ext cx="10515600" cy="1325563"/>
+          </a:xfrm>
+          <a:prstGeom prst="rect">
+            <a:avLst/>
+          </a:prstGeom>
+        </p:spPr>
+        <p:txBody>
+          <a:bodyPr vert="horz" lIns="91440" tIns="45720" rIns="91440" bIns="45720" rtlCol="0" anchor="ctr">
+            <a:normAutofit/>
+          </a:bodyPr>
+          <a:lstStyle>
+            <a:lvl1pPr algn="l" defTabSz="914400" rtl="0" eaLnBrk="1" latinLnBrk="0" hangingPunct="1">
+              <a:lnSpc>
+                <a:spcPct val="90000"/>
+              </a:lnSpc>
+              <a:spcBef>
+                <a:spcPct val="0"/>
+              </a:spcBef>
+              <a:buNone/>
+              <a:defRPr sz="4400" kern="1200">
+                <a:solidFill>
+                  <a:schemeClr val="tx1"/>
+                </a:solidFill>
+                <a:latin typeface="+mj-lt"/>
+                <a:ea typeface="+mj-ea"/>
+                <a:cs typeface="+mj-cs"/>
+              </a:defRPr>
+            </a:lvl1pPr>
+          </a:lstStyle>
+          <a:p>
+            <a:r>
+              <a:rPr lang="de-DE" sz="3200" b="1" dirty="0" err="1">
+                <a:solidFill>
+                  <a:srgbClr val="4472C4"/>
+                </a:solidFill>
+                <a:latin typeface="Calibri"/>
+                <a:cs typeface="Calibri"/>
+              </a:rPr>
+              <a:t>One</a:t>
+            </a:r>
+            <a:r>
+              <a:rPr lang="de-DE" sz="3200" b="1" dirty="0">
+                <a:solidFill>
+                  <a:srgbClr val="4472C4"/>
+                </a:solidFill>
+                <a:latin typeface="Calibri"/>
+                <a:cs typeface="Calibri"/>
+              </a:rPr>
+              <a:t> Threshold </a:t>
+            </a:r>
+            <a:r>
+              <a:rPr lang="de-DE" sz="3200" b="1" dirty="0">
+                <a:solidFill>
+                  <a:srgbClr val="4472C4"/>
+                </a:solidFill>
+                <a:latin typeface="Calibri"/>
+                <a:cs typeface="Calibri"/>
+                <a:sym typeface="Wingdings" panose="05000000000000000000" pitchFamily="2" charset="2"/>
+              </a:rPr>
+              <a:t></a:t>
+            </a:r>
+            <a:r>
+              <a:rPr lang="de-DE" sz="3200" b="1" dirty="0">
+                <a:solidFill>
+                  <a:srgbClr val="4472C4"/>
+                </a:solidFill>
+                <a:latin typeface="Calibri"/>
+                <a:cs typeface="Calibri"/>
+              </a:rPr>
+              <a:t> </a:t>
+            </a:r>
+            <a:r>
+              <a:rPr lang="de-DE" sz="3200" b="1" dirty="0" err="1">
+                <a:solidFill>
+                  <a:srgbClr val="4472C4"/>
+                </a:solidFill>
+                <a:latin typeface="Calibri"/>
+                <a:cs typeface="Calibri"/>
+              </a:rPr>
+              <a:t>Threshold.upper</a:t>
+            </a:r>
+            <a:endParaRPr lang="en-GB" sz="3200" dirty="0"/>
+          </a:p>
+        </p:txBody>
+      </p:sp>
+      <p:sp>
+        <p:nvSpPr>
+          <p:cNvPr id="15" name="Textfeld 14">
+            <a:extLst>
+              <a:ext uri="{FF2B5EF4-FFF2-40B4-BE49-F238E27FC236}">
+                <a16:creationId xmlns:a16="http://schemas.microsoft.com/office/drawing/2014/main" id="{6655DD72-F423-4863-A80E-7D46EFFDA734}"/>
+              </a:ext>
+            </a:extLst>
+          </p:cNvPr>
+          <p:cNvSpPr txBox="1"/>
+          <p:nvPr/>
+        </p:nvSpPr>
+        <p:spPr>
+          <a:xfrm>
+            <a:off x="4637736" y="1088549"/>
+            <a:ext cx="1733360" cy="369332"/>
+          </a:xfrm>
+          <a:prstGeom prst="rect">
+            <a:avLst/>
+          </a:prstGeom>
+          <a:noFill/>
+        </p:spPr>
+        <p:txBody>
+          <a:bodyPr wrap="none" rtlCol="0">
+            <a:spAutoFit/>
+          </a:bodyPr>
           <a:lstStyle/>
           <a:p>
             <a:r>
               <a:rPr lang="de-DE" dirty="0" err="1"/>
-              <a:t>One</a:t>
+              <a:t>Threshold</a:t>
             </a:r>
             <a:r>
               <a:rPr lang="de-DE" dirty="0"/>
@@ -8647,28 +8756,56 @@
             </a:r>
             <a:r>
               <a:rPr lang="de-DE" dirty="0" err="1"/>
-              <a:t>Threshold</a:t>
-            </a:r>
-            <a:r>
-              <a:rPr lang="de-DE" dirty="0"/>
-              <a:t> </a:t>
-            </a:r>
-            <a:r>
-              <a:rPr lang="de-DE" dirty="0">
-                <a:sym typeface="Wingdings" pitchFamily="2" charset="2"/>
-              </a:rPr>
-              <a:t> </a:t>
-            </a:r>
-            <a:r>
-              <a:rPr lang="de-DE" dirty="0" err="1">
-                <a:sym typeface="Wingdings" pitchFamily="2" charset="2"/>
-              </a:rPr>
-              <a:t>Threshold.upper</a:t>
+              <a:t>upper</a:t>
             </a:r>
             <a:endParaRPr lang="de-DE" dirty="0"/>
           </a:p>
         </p:txBody>
       </p:sp>
+      <p:cxnSp>
+        <p:nvCxnSpPr>
+          <p:cNvPr id="16" name="Gerader Verbinder 15">
+            <a:extLst>
+              <a:ext uri="{FF2B5EF4-FFF2-40B4-BE49-F238E27FC236}">
+                <a16:creationId xmlns:a16="http://schemas.microsoft.com/office/drawing/2014/main" id="{F083D72F-42B0-48B5-A740-A88810553CE2}"/>
+              </a:ext>
+            </a:extLst>
+          </p:cNvPr>
+          <p:cNvCxnSpPr>
+            <a:cxnSpLocks/>
+            <a:stCxn id="15" idx="1"/>
+          </p:cNvCxnSpPr>
+          <p:nvPr/>
+        </p:nvCxnSpPr>
+        <p:spPr>
+          <a:xfrm flipH="1">
+            <a:off x="4351986" y="1273215"/>
+            <a:ext cx="285750" cy="552410"/>
+          </a:xfrm>
+          <a:prstGeom prst="line">
+            <a:avLst/>
+          </a:prstGeom>
+          <a:ln w="28575">
+            <a:solidFill>
+              <a:schemeClr val="tx1"/>
+            </a:solidFill>
+          </a:ln>
+        </p:spPr>
+        <p:style>
+          <a:lnRef idx="1">
+            <a:schemeClr val="accent1"/>
+          </a:lnRef>
+          <a:fillRef idx="0">
+            <a:schemeClr val="accent1"/>
+          </a:fillRef>
+          <a:effectRef idx="0">
+            <a:schemeClr val="accent1"/>
+          </a:effectRef>
+          <a:fontRef idx="minor">
+            <a:schemeClr val="tx1"/>
+          </a:fontRef>
+        </p:style>
+      </p:cxnSp>
     </p:spTree>
     <p:extLst>
       <p:ext uri="{BB962C8B-B14F-4D97-AF65-F5344CB8AC3E}">
@@ -8715,7 +8852,12 @@
             <p:ph type="title"/>
           </p:nvPr>
         </p:nvSpPr>
-        <p:spPr/>
+        <p:spPr>
+          <a:xfrm>
+            <a:off x="3848100" y="2398237"/>
+            <a:ext cx="10515600" cy="1325563"/>
+          </a:xfrm>
+        </p:spPr>
         <p:txBody>
           <a:bodyPr>
             <a:normAutofit/>
@@ -9051,8 +9193,8 @@
           <p:nvPr/>
         </p:nvSpPr>
         <p:spPr>
-          <a:xfrm rot="16200000">
-            <a:off x="3431624" y="4988486"/>
+          <a:xfrm>
+            <a:off x="4637736" y="1088549"/>
             <a:ext cx="1733360" cy="369332"/>
           </a:xfrm>
           <a:prstGeom prst="rect">
@@ -9095,8 +9237,8 @@
           <p:nvPr/>
         </p:nvSpPr>
         <p:spPr>
-          <a:xfrm rot="16200000">
-            <a:off x="2120136" y="4988486"/>
+          <a:xfrm>
+            <a:off x="939677" y="1088549"/>
             <a:ext cx="1733360" cy="369332"/>
           </a:xfrm>
           <a:prstGeom prst="rect">
@@ -9151,6 +9293,192 @@
               <a:schemeClr val="tx1"/>
             </a:solidFill>
             <a:tailEnd type="triangle"/>
+          </a:ln>
+        </p:spPr>
+        <p:style>
+          <a:lnRef idx="1">
+            <a:schemeClr val="accent1"/>
+          </a:lnRef>
+          <a:fillRef idx="0">
+            <a:schemeClr val="accent1"/>
+          </a:fillRef>
+          <a:effectRef idx="0">
+            <a:schemeClr val="accent1"/>
+          </a:effectRef>
+          <a:fontRef idx="minor">
+            <a:schemeClr val="tx1"/>
+          </a:fontRef>
+        </p:style>
+      </p:cxnSp>
+      <p:sp>
+        <p:nvSpPr>
+          <p:cNvPr id="16" name="Titel 1">
+            <a:extLst>
+              <a:ext uri="{FF2B5EF4-FFF2-40B4-BE49-F238E27FC236}">
+                <a16:creationId xmlns:a16="http://schemas.microsoft.com/office/drawing/2014/main" id="{974DA2E5-1AC6-4DBE-BB57-5A84BF9FB8D5}"/>
+              </a:ext>
+            </a:extLst>
+          </p:cNvPr>
+          <p:cNvSpPr txBox="1">
+            <a:spLocks/>
+          </p:cNvSpPr>
+          <p:nvPr/>
+        </p:nvSpPr>
+        <p:spPr>
+          <a:xfrm>
+            <a:off x="708338" y="-110367"/>
+            <a:ext cx="10515600" cy="1325563"/>
+          </a:xfrm>
+          <a:prstGeom prst="rect">
+            <a:avLst/>
+          </a:prstGeom>
+        </p:spPr>
+        <p:txBody>
+          <a:bodyPr vert="horz" lIns="91440" tIns="45720" rIns="91440" bIns="45720" rtlCol="0" anchor="ctr">
+            <a:normAutofit/>
+          </a:bodyPr>
+          <a:lstStyle>
+            <a:lvl1pPr algn="l" defTabSz="914400" rtl="0" eaLnBrk="1" latinLnBrk="0" hangingPunct="1">
+              <a:lnSpc>
+                <a:spcPct val="90000"/>
+              </a:lnSpc>
+              <a:spcBef>
+                <a:spcPct val="0"/>
+              </a:spcBef>
+              <a:buNone/>
+              <a:defRPr sz="4400" kern="1200">
+                <a:solidFill>
+                  <a:schemeClr val="tx1"/>
+                </a:solidFill>
+                <a:latin typeface="+mj-lt"/>
+                <a:ea typeface="+mj-ea"/>
+                <a:cs typeface="+mj-cs"/>
+              </a:defRPr>
+            </a:lvl1pPr>
+          </a:lstStyle>
+          <a:p>
+            <a:r>
+              <a:rPr lang="en-US" sz="3200" b="1" dirty="0">
+                <a:solidFill>
+                  <a:srgbClr val="4472C4"/>
+                </a:solidFill>
+                <a:latin typeface="Calibri"/>
+                <a:cs typeface="Calibri"/>
+              </a:rPr>
+              <a:t>Two Thresholds </a:t>
+            </a:r>
+            <a:r>
+              <a:rPr lang="en-US" sz="3200" b="1" dirty="0">
+                <a:solidFill>
+                  <a:srgbClr val="4472C4"/>
+                </a:solidFill>
+                <a:latin typeface="Calibri"/>
+                <a:cs typeface="Calibri"/>
+                <a:sym typeface="Wingdings" panose="05000000000000000000" pitchFamily="2" charset="2"/>
+              </a:rPr>
+              <a:t></a:t>
+            </a:r>
+            <a:r>
+              <a:rPr lang="en-US" sz="3200" b="1" dirty="0">
+                <a:solidFill>
+                  <a:srgbClr val="4472C4"/>
+                </a:solidFill>
+                <a:latin typeface="Calibri"/>
+                <a:cs typeface="Calibri"/>
+              </a:rPr>
+              <a:t> Threshold upper &amp; </a:t>
+            </a:r>
+            <a:r>
+              <a:rPr lang="en-US" sz="3200" b="1" dirty="0" err="1">
+                <a:solidFill>
+                  <a:srgbClr val="4472C4"/>
+                </a:solidFill>
+                <a:latin typeface="Calibri"/>
+                <a:cs typeface="Calibri"/>
+              </a:rPr>
+              <a:t>Threshold.under</a:t>
+            </a:r>
+            <a:endParaRPr lang="en-GB" sz="3200" b="1" dirty="0">
+              <a:solidFill>
+                <a:srgbClr val="4472C4"/>
+              </a:solidFill>
+              <a:latin typeface="Calibri"/>
+              <a:cs typeface="Calibri"/>
+            </a:endParaRPr>
+          </a:p>
+        </p:txBody>
+      </p:sp>
+      <p:cxnSp>
+        <p:nvCxnSpPr>
+          <p:cNvPr id="8" name="Gerader Verbinder 7">
+            <a:extLst>
+              <a:ext uri="{FF2B5EF4-FFF2-40B4-BE49-F238E27FC236}">
+                <a16:creationId xmlns:a16="http://schemas.microsoft.com/office/drawing/2014/main" id="{D6B6E5B7-9D1F-4744-897B-3B5698465AF3}"/>
+              </a:ext>
+            </a:extLst>
+          </p:cNvPr>
+          <p:cNvCxnSpPr>
+            <a:cxnSpLocks/>
+            <a:stCxn id="14" idx="1"/>
+          </p:cNvCxnSpPr>
+          <p:nvPr/>
+        </p:nvCxnSpPr>
+        <p:spPr>
+          <a:xfrm flipH="1">
+            <a:off x="4351986" y="1273215"/>
+            <a:ext cx="285750" cy="552410"/>
+          </a:xfrm>
+          <a:prstGeom prst="line">
+            <a:avLst/>
+          </a:prstGeom>
+          <a:ln w="28575">
+            <a:solidFill>
+              <a:schemeClr val="tx1"/>
+            </a:solidFill>
+          </a:ln>
+        </p:spPr>
+        <p:style>
+          <a:lnRef idx="1">
+            <a:schemeClr val="accent1"/>
+          </a:lnRef>
+          <a:fillRef idx="0">
+            <a:schemeClr val="accent1"/>
+          </a:fillRef>
+          <a:effectRef idx="0">
+            <a:schemeClr val="accent1"/>
+          </a:effectRef>
+          <a:fontRef idx="minor">
+            <a:schemeClr val="tx1"/>
+          </a:fontRef>
+        </p:style>
+      </p:cxnSp>
+      <p:cxnSp>
+        <p:nvCxnSpPr>
+          <p:cNvPr id="17" name="Gerader Verbinder 16">
+            <a:extLst>
+              <a:ext uri="{FF2B5EF4-FFF2-40B4-BE49-F238E27FC236}">
+                <a16:creationId xmlns:a16="http://schemas.microsoft.com/office/drawing/2014/main" id="{8B069AC3-0E06-4589-A7A7-0CD468316D8A}"/>
+              </a:ext>
+            </a:extLst>
+          </p:cNvPr>
+          <p:cNvCxnSpPr>
+            <a:cxnSpLocks/>
+            <a:stCxn id="15" idx="3"/>
+          </p:cNvCxnSpPr>
+          <p:nvPr/>
+        </p:nvCxnSpPr>
+        <p:spPr>
+          <a:xfrm>
+            <a:off x="2673037" y="1273215"/>
+            <a:ext cx="313779" cy="552410"/>
+          </a:xfrm>
+          <a:prstGeom prst="line">
+            <a:avLst/>
+          </a:prstGeom>
+          <a:ln w="28575">
+            <a:solidFill>
+              <a:schemeClr val="tx1"/>
+            </a:solidFill>
           </a:ln>
         </p:spPr>
         <p:style>

--- a/RLgetPairs.pptx
+++ b/RLgetPairs.pptx
@@ -212,7 +212,7 @@
           <a:p>
             <a:fld id="{AC72D997-4647-442C-924D-B780A56A3F96}" type="datetimeFigureOut">
               <a:rPr lang="de-DE"/>
-              <a:t>04.06.2019</a:t>
+              <a:t>05.06.2019</a:t>
             </a:fld>
             <a:endParaRPr lang="de-DE"/>
           </a:p>
@@ -1435,7 +1435,7 @@
           <a:p>
             <a:fld id="{D3EB3054-B75A-4BD7-8B3E-8DC0F614FAF3}" type="datetimeFigureOut">
               <a:rPr lang="de-DE" smtClean="0"/>
-              <a:t>04.06.2019</a:t>
+              <a:t>05.06.2019</a:t>
             </a:fld>
             <a:endParaRPr lang="de-DE"/>
           </a:p>
@@ -1603,7 +1603,7 @@
           <a:p>
             <a:fld id="{D3EB3054-B75A-4BD7-8B3E-8DC0F614FAF3}" type="datetimeFigureOut">
               <a:rPr lang="de-DE" smtClean="0"/>
-              <a:t>04.06.2019</a:t>
+              <a:t>05.06.2019</a:t>
             </a:fld>
             <a:endParaRPr lang="de-DE"/>
           </a:p>
@@ -1781,7 +1781,7 @@
           <a:p>
             <a:fld id="{D3EB3054-B75A-4BD7-8B3E-8DC0F614FAF3}" type="datetimeFigureOut">
               <a:rPr lang="de-DE" smtClean="0"/>
-              <a:t>04.06.2019</a:t>
+              <a:t>05.06.2019</a:t>
             </a:fld>
             <a:endParaRPr lang="de-DE"/>
           </a:p>
@@ -1949,7 +1949,7 @@
           <a:p>
             <a:fld id="{D3EB3054-B75A-4BD7-8B3E-8DC0F614FAF3}" type="datetimeFigureOut">
               <a:rPr lang="de-DE" smtClean="0"/>
-              <a:t>04.06.2019</a:t>
+              <a:t>05.06.2019</a:t>
             </a:fld>
             <a:endParaRPr lang="de-DE"/>
           </a:p>
@@ -2194,7 +2194,7 @@
           <a:p>
             <a:fld id="{D3EB3054-B75A-4BD7-8B3E-8DC0F614FAF3}" type="datetimeFigureOut">
               <a:rPr lang="de-DE" smtClean="0"/>
-              <a:t>04.06.2019</a:t>
+              <a:t>05.06.2019</a:t>
             </a:fld>
             <a:endParaRPr lang="de-DE"/>
           </a:p>
@@ -2423,7 +2423,7 @@
           <a:p>
             <a:fld id="{D3EB3054-B75A-4BD7-8B3E-8DC0F614FAF3}" type="datetimeFigureOut">
               <a:rPr lang="de-DE" smtClean="0"/>
-              <a:t>04.06.2019</a:t>
+              <a:t>05.06.2019</a:t>
             </a:fld>
             <a:endParaRPr lang="de-DE"/>
           </a:p>
@@ -2787,7 +2787,7 @@
           <a:p>
             <a:fld id="{D3EB3054-B75A-4BD7-8B3E-8DC0F614FAF3}" type="datetimeFigureOut">
               <a:rPr lang="de-DE" smtClean="0"/>
-              <a:t>04.06.2019</a:t>
+              <a:t>05.06.2019</a:t>
             </a:fld>
             <a:endParaRPr lang="de-DE"/>
           </a:p>
@@ -2904,7 +2904,7 @@
           <a:p>
             <a:fld id="{D3EB3054-B75A-4BD7-8B3E-8DC0F614FAF3}" type="datetimeFigureOut">
               <a:rPr lang="de-DE" smtClean="0"/>
-              <a:t>04.06.2019</a:t>
+              <a:t>05.06.2019</a:t>
             </a:fld>
             <a:endParaRPr lang="de-DE"/>
           </a:p>
@@ -2999,7 +2999,7 @@
           <a:p>
             <a:fld id="{D3EB3054-B75A-4BD7-8B3E-8DC0F614FAF3}" type="datetimeFigureOut">
               <a:rPr lang="de-DE" smtClean="0"/>
-              <a:t>04.06.2019</a:t>
+              <a:t>05.06.2019</a:t>
             </a:fld>
             <a:endParaRPr lang="de-DE"/>
           </a:p>
@@ -3274,7 +3274,7 @@
           <a:p>
             <a:fld id="{D3EB3054-B75A-4BD7-8B3E-8DC0F614FAF3}" type="datetimeFigureOut">
               <a:rPr lang="de-DE" smtClean="0"/>
-              <a:t>04.06.2019</a:t>
+              <a:t>05.06.2019</a:t>
             </a:fld>
             <a:endParaRPr lang="de-DE"/>
           </a:p>
@@ -3526,7 +3526,7 @@
           <a:p>
             <a:fld id="{D3EB3054-B75A-4BD7-8B3E-8DC0F614FAF3}" type="datetimeFigureOut">
               <a:rPr lang="de-DE" smtClean="0"/>
-              <a:t>04.06.2019</a:t>
+              <a:t>05.06.2019</a:t>
             </a:fld>
             <a:endParaRPr lang="de-DE"/>
           </a:p>
@@ -3737,7 +3737,7 @@
           <a:p>
             <a:fld id="{D3EB3054-B75A-4BD7-8B3E-8DC0F614FAF3}" type="datetimeFigureOut">
               <a:rPr lang="de-DE" smtClean="0"/>
-              <a:t>04.06.2019</a:t>
+              <a:t>05.06.2019</a:t>
             </a:fld>
             <a:endParaRPr lang="de-DE"/>
           </a:p>
@@ -8733,7 +8733,7 @@
         <p:spPr>
           <a:xfrm>
             <a:off x="4637736" y="1088549"/>
-            <a:ext cx="1733360" cy="369332"/>
+            <a:ext cx="1902893" cy="400110"/>
           </a:xfrm>
           <a:prstGeom prst="rect">
             <a:avLst/>
@@ -8747,18 +8747,18 @@
           <a:lstStyle/>
           <a:p>
             <a:r>
-              <a:rPr lang="de-DE" dirty="0" err="1"/>
+              <a:rPr lang="de-DE" sz="2000" dirty="0" err="1"/>
               <a:t>Threshold</a:t>
             </a:r>
             <a:r>
-              <a:rPr lang="de-DE" dirty="0"/>
+              <a:rPr lang="de-DE" sz="2000" dirty="0"/>
               <a:t> </a:t>
             </a:r>
             <a:r>
-              <a:rPr lang="de-DE" dirty="0" err="1"/>
+              <a:rPr lang="de-DE" sz="2000" dirty="0" err="1"/>
               <a:t>upper</a:t>
             </a:r>
-            <a:endParaRPr lang="de-DE" dirty="0"/>
+            <a:endParaRPr lang="de-DE" sz="2000" dirty="0"/>
           </a:p>
         </p:txBody>
       </p:sp>
@@ -8779,8 +8779,8 @@
         </p:nvCxnSpPr>
         <p:spPr>
           <a:xfrm flipH="1">
-            <a:off x="4351986" y="1273215"/>
-            <a:ext cx="285750" cy="552410"/>
+            <a:off x="4351986" y="1288604"/>
+            <a:ext cx="285750" cy="537021"/>
           </a:xfrm>
           <a:prstGeom prst="line">
             <a:avLst/>
@@ -9195,7 +9195,7 @@
         <p:spPr>
           <a:xfrm>
             <a:off x="4637736" y="1088549"/>
-            <a:ext cx="1733360" cy="369332"/>
+            <a:ext cx="1902893" cy="400110"/>
           </a:xfrm>
           <a:prstGeom prst="rect">
             <a:avLst/>
@@ -9209,18 +9209,18 @@
           <a:lstStyle/>
           <a:p>
             <a:r>
-              <a:rPr lang="de-DE" dirty="0" err="1"/>
+              <a:rPr lang="de-DE" sz="2000" dirty="0" err="1"/>
               <a:t>Threshold</a:t>
             </a:r>
             <a:r>
-              <a:rPr lang="de-DE" dirty="0"/>
+              <a:rPr lang="de-DE" sz="2000" dirty="0"/>
               <a:t> </a:t>
             </a:r>
             <a:r>
-              <a:rPr lang="de-DE" dirty="0" err="1"/>
+              <a:rPr lang="de-DE" sz="2000" dirty="0" err="1"/>
               <a:t>upper</a:t>
             </a:r>
-            <a:endParaRPr lang="de-DE" dirty="0"/>
+            <a:endParaRPr lang="de-DE" sz="2000" dirty="0"/>
           </a:p>
         </p:txBody>
       </p:sp>
@@ -9239,7 +9239,7 @@
         <p:spPr>
           <a:xfrm>
             <a:off x="939677" y="1088549"/>
-            <a:ext cx="1733360" cy="369332"/>
+            <a:ext cx="1902893" cy="400110"/>
           </a:xfrm>
           <a:prstGeom prst="rect">
             <a:avLst/>
@@ -9253,18 +9253,18 @@
           <a:lstStyle/>
           <a:p>
             <a:r>
-              <a:rPr lang="de-DE" dirty="0" err="1"/>
+              <a:rPr lang="de-DE" sz="2000" dirty="0" err="1"/>
               <a:t>Threshold</a:t>
             </a:r>
             <a:r>
-              <a:rPr lang="de-DE" dirty="0"/>
+              <a:rPr lang="de-DE" sz="2000" dirty="0"/>
               <a:t> </a:t>
             </a:r>
             <a:r>
-              <a:rPr lang="de-DE" dirty="0" err="1"/>
+              <a:rPr lang="de-DE" sz="2000" dirty="0" err="1"/>
               <a:t>under</a:t>
             </a:r>
-            <a:endParaRPr lang="de-DE" dirty="0"/>
+            <a:endParaRPr lang="de-DE" sz="2000" dirty="0"/>
           </a:p>
         </p:txBody>
       </p:sp>
@@ -9425,8 +9425,8 @@
         </p:nvCxnSpPr>
         <p:spPr>
           <a:xfrm flipH="1">
-            <a:off x="4351986" y="1273215"/>
-            <a:ext cx="285750" cy="552410"/>
+            <a:off x="4351986" y="1288604"/>
+            <a:ext cx="285750" cy="537021"/>
           </a:xfrm>
           <a:prstGeom prst="line">
             <a:avLst/>
@@ -9469,8 +9469,8 @@
         </p:nvCxnSpPr>
         <p:spPr>
           <a:xfrm>
-            <a:off x="2673037" y="1273215"/>
-            <a:ext cx="313779" cy="552410"/>
+            <a:off x="2842570" y="1288604"/>
+            <a:ext cx="144246" cy="537021"/>
           </a:xfrm>
           <a:prstGeom prst="line">
             <a:avLst/>

--- a/RLgetPairs.pptx
+++ b/RLgetPairs.pptx
@@ -15,9 +15,9 @@
     <p:sldId id="265" r:id="rId6"/>
     <p:sldId id="267" r:id="rId7"/>
     <p:sldId id="268" r:id="rId8"/>
-    <p:sldId id="274" r:id="rId9"/>
-    <p:sldId id="273" r:id="rId10"/>
-    <p:sldId id="261" r:id="rId11"/>
+    <p:sldId id="261" r:id="rId9"/>
+    <p:sldId id="274" r:id="rId10"/>
+    <p:sldId id="273" r:id="rId11"/>
     <p:sldId id="266" r:id="rId12"/>
     <p:sldId id="270" r:id="rId13"/>
     <p:sldId id="271" r:id="rId14"/>
@@ -212,7 +212,7 @@
           <a:p>
             <a:fld id="{AC72D997-4647-442C-924D-B780A56A3F96}" type="datetimeFigureOut">
               <a:rPr lang="de-DE"/>
-              <a:t>05.06.2019</a:t>
+              <a:t>05.06.19</a:t>
             </a:fld>
             <a:endParaRPr lang="de-DE"/>
           </a:p>
@@ -1435,7 +1435,7 @@
           <a:p>
             <a:fld id="{D3EB3054-B75A-4BD7-8B3E-8DC0F614FAF3}" type="datetimeFigureOut">
               <a:rPr lang="de-DE" smtClean="0"/>
-              <a:t>05.06.2019</a:t>
+              <a:t>05.06.19</a:t>
             </a:fld>
             <a:endParaRPr lang="de-DE"/>
           </a:p>
@@ -1603,7 +1603,7 @@
           <a:p>
             <a:fld id="{D3EB3054-B75A-4BD7-8B3E-8DC0F614FAF3}" type="datetimeFigureOut">
               <a:rPr lang="de-DE" smtClean="0"/>
-              <a:t>05.06.2019</a:t>
+              <a:t>05.06.19</a:t>
             </a:fld>
             <a:endParaRPr lang="de-DE"/>
           </a:p>
@@ -1781,7 +1781,7 @@
           <a:p>
             <a:fld id="{D3EB3054-B75A-4BD7-8B3E-8DC0F614FAF3}" type="datetimeFigureOut">
               <a:rPr lang="de-DE" smtClean="0"/>
-              <a:t>05.06.2019</a:t>
+              <a:t>05.06.19</a:t>
             </a:fld>
             <a:endParaRPr lang="de-DE"/>
           </a:p>
@@ -1949,7 +1949,7 @@
           <a:p>
             <a:fld id="{D3EB3054-B75A-4BD7-8B3E-8DC0F614FAF3}" type="datetimeFigureOut">
               <a:rPr lang="de-DE" smtClean="0"/>
-              <a:t>05.06.2019</a:t>
+              <a:t>05.06.19</a:t>
             </a:fld>
             <a:endParaRPr lang="de-DE"/>
           </a:p>
@@ -2194,7 +2194,7 @@
           <a:p>
             <a:fld id="{D3EB3054-B75A-4BD7-8B3E-8DC0F614FAF3}" type="datetimeFigureOut">
               <a:rPr lang="de-DE" smtClean="0"/>
-              <a:t>05.06.2019</a:t>
+              <a:t>05.06.19</a:t>
             </a:fld>
             <a:endParaRPr lang="de-DE"/>
           </a:p>
@@ -2423,7 +2423,7 @@
           <a:p>
             <a:fld id="{D3EB3054-B75A-4BD7-8B3E-8DC0F614FAF3}" type="datetimeFigureOut">
               <a:rPr lang="de-DE" smtClean="0"/>
-              <a:t>05.06.2019</a:t>
+              <a:t>05.06.19</a:t>
             </a:fld>
             <a:endParaRPr lang="de-DE"/>
           </a:p>
@@ -2787,7 +2787,7 @@
           <a:p>
             <a:fld id="{D3EB3054-B75A-4BD7-8B3E-8DC0F614FAF3}" type="datetimeFigureOut">
               <a:rPr lang="de-DE" smtClean="0"/>
-              <a:t>05.06.2019</a:t>
+              <a:t>05.06.19</a:t>
             </a:fld>
             <a:endParaRPr lang="de-DE"/>
           </a:p>
@@ -2904,7 +2904,7 @@
           <a:p>
             <a:fld id="{D3EB3054-B75A-4BD7-8B3E-8DC0F614FAF3}" type="datetimeFigureOut">
               <a:rPr lang="de-DE" smtClean="0"/>
-              <a:t>05.06.2019</a:t>
+              <a:t>05.06.19</a:t>
             </a:fld>
             <a:endParaRPr lang="de-DE"/>
           </a:p>
@@ -2999,7 +2999,7 @@
           <a:p>
             <a:fld id="{D3EB3054-B75A-4BD7-8B3E-8DC0F614FAF3}" type="datetimeFigureOut">
               <a:rPr lang="de-DE" smtClean="0"/>
-              <a:t>05.06.2019</a:t>
+              <a:t>05.06.19</a:t>
             </a:fld>
             <a:endParaRPr lang="de-DE"/>
           </a:p>
@@ -3274,7 +3274,7 @@
           <a:p>
             <a:fld id="{D3EB3054-B75A-4BD7-8B3E-8DC0F614FAF3}" type="datetimeFigureOut">
               <a:rPr lang="de-DE" smtClean="0"/>
-              <a:t>05.06.2019</a:t>
+              <a:t>05.06.19</a:t>
             </a:fld>
             <a:endParaRPr lang="de-DE"/>
           </a:p>
@@ -3526,7 +3526,7 @@
           <a:p>
             <a:fld id="{D3EB3054-B75A-4BD7-8B3E-8DC0F614FAF3}" type="datetimeFigureOut">
               <a:rPr lang="de-DE" smtClean="0"/>
-              <a:t>05.06.2019</a:t>
+              <a:t>05.06.19</a:t>
             </a:fld>
             <a:endParaRPr lang="de-DE"/>
           </a:p>
@@ -3737,7 +3737,7 @@
           <a:p>
             <a:fld id="{D3EB3054-B75A-4BD7-8B3E-8DC0F614FAF3}" type="datetimeFigureOut">
               <a:rPr lang="de-DE" smtClean="0"/>
-              <a:t>05.06.2019</a:t>
+              <a:t>05.06.19</a:t>
             </a:fld>
             <a:endParaRPr lang="de-DE"/>
           </a:p>
@@ -4503,7 +4503,7 @@
           <p:cNvPr id="2" name="Titel 1">
             <a:extLst>
               <a:ext uri="{FF2B5EF4-FFF2-40B4-BE49-F238E27FC236}">
-                <a16:creationId xmlns:a16="http://schemas.microsoft.com/office/drawing/2014/main" id="{C2E8C52F-E26E-4F35-972A-D594E77F66E9}"/>
+                <a16:creationId xmlns:a16="http://schemas.microsoft.com/office/drawing/2014/main" id="{F4BF988D-6DFD-4F4D-A32C-74D2CF267908}"/>
               </a:ext>
             </a:extLst>
           </p:cNvPr>
@@ -4514,32 +4514,553 @@
             <p:ph type="title"/>
           </p:nvPr>
         </p:nvSpPr>
-        <p:spPr/>
-        <p:txBody>
-          <a:bodyPr/>
-          <a:lstStyle/>
-          <a:p>
-            <a:r>
-              <a:rPr lang="de-DE" b="1" dirty="0">
+        <p:spPr>
+          <a:xfrm>
+            <a:off x="3848100" y="2398237"/>
+            <a:ext cx="10515600" cy="1325563"/>
+          </a:xfrm>
+        </p:spPr>
+        <p:txBody>
+          <a:bodyPr>
+            <a:normAutofit/>
+          </a:bodyPr>
+          <a:lstStyle/>
+          <a:p>
+            <a:r>
+              <a:rPr lang="de-DE" sz="3600" dirty="0" err="1"/>
+              <a:t>Two</a:t>
+            </a:r>
+            <a:r>
+              <a:rPr lang="de-DE" sz="3600" dirty="0"/>
+              <a:t> </a:t>
+            </a:r>
+            <a:r>
+              <a:rPr lang="de-DE" sz="3600" dirty="0" err="1"/>
+              <a:t>Thresholds</a:t>
+            </a:r>
+            <a:r>
+              <a:rPr lang="de-DE" sz="3600" dirty="0"/>
+              <a:t> </a:t>
+            </a:r>
+            <a:r>
+              <a:rPr lang="de-DE" sz="3600" dirty="0">
+                <a:sym typeface="Wingdings" pitchFamily="2" charset="2"/>
+              </a:rPr>
+              <a:t> </a:t>
+            </a:r>
+            <a:r>
+              <a:rPr lang="de-DE" sz="3600" dirty="0" err="1">
+                <a:sym typeface="Wingdings" pitchFamily="2" charset="2"/>
+              </a:rPr>
+              <a:t>Threshold</a:t>
+            </a:r>
+            <a:r>
+              <a:rPr lang="de-DE" sz="3600" dirty="0">
+                <a:sym typeface="Wingdings" pitchFamily="2" charset="2"/>
+              </a:rPr>
+              <a:t> </a:t>
+            </a:r>
+            <a:r>
+              <a:rPr lang="de-DE" sz="3600" dirty="0" err="1">
+                <a:sym typeface="Wingdings" pitchFamily="2" charset="2"/>
+              </a:rPr>
+              <a:t>upper</a:t>
+            </a:r>
+            <a:r>
+              <a:rPr lang="de-DE" sz="3600" dirty="0">
+                <a:sym typeface="Wingdings" pitchFamily="2" charset="2"/>
+              </a:rPr>
+              <a:t> &amp; </a:t>
+            </a:r>
+            <a:r>
+              <a:rPr lang="de-DE" sz="3600" dirty="0" err="1">
+                <a:sym typeface="Wingdings" pitchFamily="2" charset="2"/>
+              </a:rPr>
+              <a:t>Threshold.under</a:t>
+            </a:r>
+            <a:endParaRPr lang="de-DE" sz="3600" dirty="0"/>
+          </a:p>
+        </p:txBody>
+      </p:sp>
+      <p:sp>
+        <p:nvSpPr>
+          <p:cNvPr id="6" name="Rechteck 5">
+            <a:extLst>
+              <a:ext uri="{FF2B5EF4-FFF2-40B4-BE49-F238E27FC236}">
+                <a16:creationId xmlns:a16="http://schemas.microsoft.com/office/drawing/2014/main" id="{CA366FDB-0811-414B-AFFE-DDFFD53490B0}"/>
+              </a:ext>
+            </a:extLst>
+          </p:cNvPr>
+          <p:cNvSpPr/>
+          <p:nvPr/>
+        </p:nvSpPr>
+        <p:spPr>
+          <a:xfrm>
+            <a:off x="708338" y="1825625"/>
+            <a:ext cx="2278478" cy="4347791"/>
+          </a:xfrm>
+          <a:prstGeom prst="rect">
+            <a:avLst/>
+          </a:prstGeom>
+        </p:spPr>
+        <p:style>
+          <a:lnRef idx="1">
+            <a:schemeClr val="accent2"/>
+          </a:lnRef>
+          <a:fillRef idx="3">
+            <a:schemeClr val="accent2"/>
+          </a:fillRef>
+          <a:effectRef idx="2">
+            <a:schemeClr val="accent2"/>
+          </a:effectRef>
+          <a:fontRef idx="minor">
+            <a:schemeClr val="lt1"/>
+          </a:fontRef>
+        </p:style>
+        <p:txBody>
+          <a:bodyPr rtlCol="0" anchor="ctr"/>
+          <a:lstStyle/>
+          <a:p>
+            <a:pPr algn="ctr"/>
+            <a:r>
+              <a:rPr lang="de-DE" dirty="0"/>
+              <a:t>Non links</a:t>
+            </a:r>
+          </a:p>
+        </p:txBody>
+      </p:sp>
+      <p:sp>
+        <p:nvSpPr>
+          <p:cNvPr id="7" name="Rechteck 6">
+            <a:extLst>
+              <a:ext uri="{FF2B5EF4-FFF2-40B4-BE49-F238E27FC236}">
+                <a16:creationId xmlns:a16="http://schemas.microsoft.com/office/drawing/2014/main" id="{DB0ED68B-18C0-F341-82DC-FBF055FC28BC}"/>
+              </a:ext>
+            </a:extLst>
+          </p:cNvPr>
+          <p:cNvSpPr/>
+          <p:nvPr/>
+        </p:nvSpPr>
+        <p:spPr>
+          <a:xfrm>
+            <a:off x="2986816" y="1828800"/>
+            <a:ext cx="1365170" cy="4344616"/>
+          </a:xfrm>
+          <a:prstGeom prst="rect">
+            <a:avLst/>
+          </a:prstGeom>
+        </p:spPr>
+        <p:style>
+          <a:lnRef idx="2">
+            <a:schemeClr val="accent4">
+              <a:shade val="50000"/>
+            </a:schemeClr>
+          </a:lnRef>
+          <a:fillRef idx="1">
+            <a:schemeClr val="accent4"/>
+          </a:fillRef>
+          <a:effectRef idx="0">
+            <a:schemeClr val="accent4"/>
+          </a:effectRef>
+          <a:fontRef idx="minor">
+            <a:schemeClr val="lt1"/>
+          </a:fontRef>
+        </p:style>
+        <p:txBody>
+          <a:bodyPr rtlCol="0" anchor="ctr"/>
+          <a:lstStyle/>
+          <a:p>
+            <a:pPr algn="ctr"/>
+            <a:r>
+              <a:rPr lang="de-DE" dirty="0" err="1"/>
+              <a:t>possible</a:t>
+            </a:r>
+            <a:endParaRPr lang="de-DE" dirty="0"/>
+          </a:p>
+        </p:txBody>
+      </p:sp>
+      <p:sp>
+        <p:nvSpPr>
+          <p:cNvPr id="9" name="Rechteck 8">
+            <a:extLst>
+              <a:ext uri="{FF2B5EF4-FFF2-40B4-BE49-F238E27FC236}">
+                <a16:creationId xmlns:a16="http://schemas.microsoft.com/office/drawing/2014/main" id="{87222023-4B12-3C44-88E0-B88863F916C2}"/>
+              </a:ext>
+            </a:extLst>
+          </p:cNvPr>
+          <p:cNvSpPr/>
+          <p:nvPr/>
+        </p:nvSpPr>
+        <p:spPr>
+          <a:xfrm>
+            <a:off x="4351986" y="1828800"/>
+            <a:ext cx="2910626" cy="4344616"/>
+          </a:xfrm>
+          <a:prstGeom prst="rect">
+            <a:avLst/>
+          </a:prstGeom>
+        </p:spPr>
+        <p:style>
+          <a:lnRef idx="1">
+            <a:schemeClr val="accent6"/>
+          </a:lnRef>
+          <a:fillRef idx="3">
+            <a:schemeClr val="accent6"/>
+          </a:fillRef>
+          <a:effectRef idx="2">
+            <a:schemeClr val="accent6"/>
+          </a:effectRef>
+          <a:fontRef idx="minor">
+            <a:schemeClr val="lt1"/>
+          </a:fontRef>
+        </p:style>
+        <p:txBody>
+          <a:bodyPr rtlCol="0" anchor="ctr"/>
+          <a:lstStyle/>
+          <a:p>
+            <a:pPr algn="ctr"/>
+            <a:r>
+              <a:rPr lang="de-DE" dirty="0"/>
+              <a:t>links</a:t>
+            </a:r>
+          </a:p>
+        </p:txBody>
+      </p:sp>
+      <p:cxnSp>
+        <p:nvCxnSpPr>
+          <p:cNvPr id="10" name="Gerade Verbindung mit Pfeil 9">
+            <a:extLst>
+              <a:ext uri="{FF2B5EF4-FFF2-40B4-BE49-F238E27FC236}">
+                <a16:creationId xmlns:a16="http://schemas.microsoft.com/office/drawing/2014/main" id="{D2679E8A-1135-BB41-BCF7-ECDFCF848549}"/>
+              </a:ext>
+            </a:extLst>
+          </p:cNvPr>
+          <p:cNvCxnSpPr>
+            <a:cxnSpLocks/>
+          </p:cNvCxnSpPr>
+          <p:nvPr/>
+        </p:nvCxnSpPr>
+        <p:spPr>
+          <a:xfrm flipV="1">
+            <a:off x="708338" y="6190516"/>
+            <a:ext cx="7484772" cy="1"/>
+          </a:xfrm>
+          <a:prstGeom prst="straightConnector1">
+            <a:avLst/>
+          </a:prstGeom>
+          <a:ln w="76200">
+            <a:solidFill>
+              <a:schemeClr val="tx1"/>
+            </a:solidFill>
+            <a:tailEnd type="triangle"/>
+          </a:ln>
+        </p:spPr>
+        <p:style>
+          <a:lnRef idx="1">
+            <a:schemeClr val="accent1"/>
+          </a:lnRef>
+          <a:fillRef idx="0">
+            <a:schemeClr val="accent1"/>
+          </a:fillRef>
+          <a:effectRef idx="0">
+            <a:schemeClr val="accent1"/>
+          </a:effectRef>
+          <a:fontRef idx="minor">
+            <a:schemeClr val="tx1"/>
+          </a:fontRef>
+        </p:style>
+      </p:cxnSp>
+      <p:sp>
+        <p:nvSpPr>
+          <p:cNvPr id="12" name="Textfeld 11">
+            <a:extLst>
+              <a:ext uri="{FF2B5EF4-FFF2-40B4-BE49-F238E27FC236}">
+                <a16:creationId xmlns:a16="http://schemas.microsoft.com/office/drawing/2014/main" id="{AE360321-157F-2543-8C22-72D34E6215E6}"/>
+              </a:ext>
+            </a:extLst>
+          </p:cNvPr>
+          <p:cNvSpPr txBox="1"/>
+          <p:nvPr/>
+        </p:nvSpPr>
+        <p:spPr>
+          <a:xfrm>
+            <a:off x="8847786" y="6207617"/>
+            <a:ext cx="945131" cy="369332"/>
+          </a:xfrm>
+          <a:prstGeom prst="rect">
+            <a:avLst/>
+          </a:prstGeom>
+          <a:noFill/>
+        </p:spPr>
+        <p:txBody>
+          <a:bodyPr wrap="none" rtlCol="0">
+            <a:spAutoFit/>
+          </a:bodyPr>
+          <a:lstStyle/>
+          <a:p>
+            <a:r>
+              <a:rPr lang="de-DE" dirty="0" err="1"/>
+              <a:t>Weights</a:t>
+            </a:r>
+            <a:endParaRPr lang="de-DE" dirty="0"/>
+          </a:p>
+        </p:txBody>
+      </p:sp>
+      <p:sp>
+        <p:nvSpPr>
+          <p:cNvPr id="13" name="Textfeld 12">
+            <a:extLst>
+              <a:ext uri="{FF2B5EF4-FFF2-40B4-BE49-F238E27FC236}">
+                <a16:creationId xmlns:a16="http://schemas.microsoft.com/office/drawing/2014/main" id="{6241ADE5-C9EB-1F4F-940B-A36413150B42}"/>
+              </a:ext>
+            </a:extLst>
+          </p:cNvPr>
+          <p:cNvSpPr txBox="1"/>
+          <p:nvPr/>
+        </p:nvSpPr>
+        <p:spPr>
+          <a:xfrm rot="16200000">
+            <a:off x="-106931" y="2264535"/>
+            <a:ext cx="1165897" cy="369332"/>
+          </a:xfrm>
+          <a:prstGeom prst="rect">
+            <a:avLst/>
+          </a:prstGeom>
+          <a:noFill/>
+        </p:spPr>
+        <p:txBody>
+          <a:bodyPr wrap="none" rtlCol="0">
+            <a:spAutoFit/>
+          </a:bodyPr>
+          <a:lstStyle/>
+          <a:p>
+            <a:r>
+              <a:rPr lang="de-DE" dirty="0" err="1"/>
+              <a:t>Frequency</a:t>
+            </a:r>
+            <a:endParaRPr lang="de-DE" dirty="0"/>
+          </a:p>
+        </p:txBody>
+      </p:sp>
+      <p:sp>
+        <p:nvSpPr>
+          <p:cNvPr id="14" name="Textfeld 13">
+            <a:extLst>
+              <a:ext uri="{FF2B5EF4-FFF2-40B4-BE49-F238E27FC236}">
+                <a16:creationId xmlns:a16="http://schemas.microsoft.com/office/drawing/2014/main" id="{08F34955-434E-6F44-9305-3BF146B69DAE}"/>
+              </a:ext>
+            </a:extLst>
+          </p:cNvPr>
+          <p:cNvSpPr txBox="1"/>
+          <p:nvPr/>
+        </p:nvSpPr>
+        <p:spPr>
+          <a:xfrm>
+            <a:off x="4637736" y="1088549"/>
+            <a:ext cx="1902893" cy="400110"/>
+          </a:xfrm>
+          <a:prstGeom prst="rect">
+            <a:avLst/>
+          </a:prstGeom>
+          <a:noFill/>
+        </p:spPr>
+        <p:txBody>
+          <a:bodyPr wrap="none" rtlCol="0">
+            <a:spAutoFit/>
+          </a:bodyPr>
+          <a:lstStyle/>
+          <a:p>
+            <a:r>
+              <a:rPr lang="de-DE" sz="2000" dirty="0" err="1"/>
+              <a:t>Threshold</a:t>
+            </a:r>
+            <a:r>
+              <a:rPr lang="de-DE" sz="2000" dirty="0"/>
+              <a:t> </a:t>
+            </a:r>
+            <a:r>
+              <a:rPr lang="de-DE" sz="2000" dirty="0" err="1"/>
+              <a:t>upper</a:t>
+            </a:r>
+            <a:endParaRPr lang="de-DE" sz="2000" dirty="0"/>
+          </a:p>
+        </p:txBody>
+      </p:sp>
+      <p:sp>
+        <p:nvSpPr>
+          <p:cNvPr id="15" name="Textfeld 14">
+            <a:extLst>
+              <a:ext uri="{FF2B5EF4-FFF2-40B4-BE49-F238E27FC236}">
+                <a16:creationId xmlns:a16="http://schemas.microsoft.com/office/drawing/2014/main" id="{321EE0DD-215A-384F-AB8E-C9B10A32CD3B}"/>
+              </a:ext>
+            </a:extLst>
+          </p:cNvPr>
+          <p:cNvSpPr txBox="1"/>
+          <p:nvPr/>
+        </p:nvSpPr>
+        <p:spPr>
+          <a:xfrm>
+            <a:off x="939677" y="1088549"/>
+            <a:ext cx="1902893" cy="400110"/>
+          </a:xfrm>
+          <a:prstGeom prst="rect">
+            <a:avLst/>
+          </a:prstGeom>
+          <a:noFill/>
+        </p:spPr>
+        <p:txBody>
+          <a:bodyPr wrap="none" rtlCol="0">
+            <a:spAutoFit/>
+          </a:bodyPr>
+          <a:lstStyle/>
+          <a:p>
+            <a:r>
+              <a:rPr lang="de-DE" sz="2000" dirty="0" err="1"/>
+              <a:t>Threshold</a:t>
+            </a:r>
+            <a:r>
+              <a:rPr lang="de-DE" sz="2000" dirty="0"/>
+              <a:t> </a:t>
+            </a:r>
+            <a:r>
+              <a:rPr lang="de-DE" sz="2000" dirty="0" err="1"/>
+              <a:t>under</a:t>
+            </a:r>
+            <a:endParaRPr lang="de-DE" sz="2000" dirty="0"/>
+          </a:p>
+        </p:txBody>
+      </p:sp>
+      <p:cxnSp>
+        <p:nvCxnSpPr>
+          <p:cNvPr id="5" name="Gerade Verbindung mit Pfeil 4">
+            <a:extLst>
+              <a:ext uri="{FF2B5EF4-FFF2-40B4-BE49-F238E27FC236}">
+                <a16:creationId xmlns:a16="http://schemas.microsoft.com/office/drawing/2014/main" id="{73B064BE-F0D0-5249-BF6D-AC27D6D4AEC1}"/>
+              </a:ext>
+            </a:extLst>
+          </p:cNvPr>
+          <p:cNvCxnSpPr/>
+          <p:nvPr/>
+        </p:nvCxnSpPr>
+        <p:spPr>
+          <a:xfrm flipV="1">
+            <a:off x="708338" y="1828800"/>
+            <a:ext cx="0" cy="4378817"/>
+          </a:xfrm>
+          <a:prstGeom prst="straightConnector1">
+            <a:avLst/>
+          </a:prstGeom>
+          <a:ln w="76200">
+            <a:solidFill>
+              <a:schemeClr val="tx1"/>
+            </a:solidFill>
+            <a:tailEnd type="triangle"/>
+          </a:ln>
+        </p:spPr>
+        <p:style>
+          <a:lnRef idx="1">
+            <a:schemeClr val="accent1"/>
+          </a:lnRef>
+          <a:fillRef idx="0">
+            <a:schemeClr val="accent1"/>
+          </a:fillRef>
+          <a:effectRef idx="0">
+            <a:schemeClr val="accent1"/>
+          </a:effectRef>
+          <a:fontRef idx="minor">
+            <a:schemeClr val="tx1"/>
+          </a:fontRef>
+        </p:style>
+      </p:cxnSp>
+      <p:sp>
+        <p:nvSpPr>
+          <p:cNvPr id="16" name="Titel 1">
+            <a:extLst>
+              <a:ext uri="{FF2B5EF4-FFF2-40B4-BE49-F238E27FC236}">
+                <a16:creationId xmlns:a16="http://schemas.microsoft.com/office/drawing/2014/main" id="{974DA2E5-1AC6-4DBE-BB57-5A84BF9FB8D5}"/>
+              </a:ext>
+            </a:extLst>
+          </p:cNvPr>
+          <p:cNvSpPr txBox="1">
+            <a:spLocks/>
+          </p:cNvSpPr>
+          <p:nvPr/>
+        </p:nvSpPr>
+        <p:spPr>
+          <a:xfrm>
+            <a:off x="708338" y="-110367"/>
+            <a:ext cx="10515600" cy="1325563"/>
+          </a:xfrm>
+          <a:prstGeom prst="rect">
+            <a:avLst/>
+          </a:prstGeom>
+        </p:spPr>
+        <p:txBody>
+          <a:bodyPr vert="horz" lIns="91440" tIns="45720" rIns="91440" bIns="45720" rtlCol="0" anchor="ctr">
+            <a:normAutofit/>
+          </a:bodyPr>
+          <a:lstStyle>
+            <a:lvl1pPr algn="l" defTabSz="914400" rtl="0" eaLnBrk="1" latinLnBrk="0" hangingPunct="1">
+              <a:lnSpc>
+                <a:spcPct val="90000"/>
+              </a:lnSpc>
+              <a:spcBef>
+                <a:spcPct val="0"/>
+              </a:spcBef>
+              <a:buNone/>
+              <a:defRPr sz="4400" kern="1200">
+                <a:solidFill>
+                  <a:schemeClr val="tx1"/>
+                </a:solidFill>
+                <a:latin typeface="+mj-lt"/>
+                <a:ea typeface="+mj-ea"/>
+                <a:cs typeface="+mj-cs"/>
+              </a:defRPr>
+            </a:lvl1pPr>
+          </a:lstStyle>
+          <a:p>
+            <a:r>
+              <a:rPr lang="en-US" sz="3200" b="1" dirty="0">
                 <a:solidFill>
                   <a:srgbClr val="4472C4"/>
                 </a:solidFill>
                 <a:latin typeface="Calibri"/>
                 <a:cs typeface="Calibri"/>
               </a:rPr>
-              <a:t>Vorgehen 4: </a:t>
-            </a:r>
-            <a:r>
-              <a:rPr lang="de-DE" b="1" dirty="0" err="1">
+              <a:t>Two Thresholds </a:t>
+            </a:r>
+            <a:r>
+              <a:rPr lang="en-US" sz="3200" b="1" dirty="0">
                 <a:solidFill>
                   <a:srgbClr val="4472C4"/>
                 </a:solidFill>
                 <a:latin typeface="Calibri"/>
                 <a:cs typeface="Calibri"/>
-              </a:rPr>
-              <a:t>Classification</a:t>
-            </a:r>
-            <a:endParaRPr lang="de-DE" b="1" dirty="0">
+                <a:sym typeface="Wingdings" panose="05000000000000000000" pitchFamily="2" charset="2"/>
+              </a:rPr>
+              <a:t></a:t>
+            </a:r>
+            <a:r>
+              <a:rPr lang="en-US" sz="3200" b="1" dirty="0">
+                <a:solidFill>
+                  <a:srgbClr val="4472C4"/>
+                </a:solidFill>
+                <a:latin typeface="Calibri"/>
+                <a:cs typeface="Calibri"/>
+              </a:rPr>
+              <a:t> Threshold upper &amp; </a:t>
+            </a:r>
+            <a:r>
+              <a:rPr lang="en-US" sz="3200" b="1" dirty="0" err="1">
+                <a:solidFill>
+                  <a:srgbClr val="4472C4"/>
+                </a:solidFill>
+                <a:latin typeface="Calibri"/>
+                <a:cs typeface="Calibri"/>
+              </a:rPr>
+              <a:t>Threshold.under</a:t>
+            </a:r>
+            <a:endParaRPr lang="en-GB" sz="3200" b="1" dirty="0">
               <a:solidFill>
                 <a:srgbClr val="4472C4"/>
               </a:solidFill>
@@ -4549,550 +5070,98 @@
           </a:p>
         </p:txBody>
       </p:sp>
-      <p:sp>
-        <p:nvSpPr>
-          <p:cNvPr id="3" name="Inhaltsplatzhalter 2">
+      <p:cxnSp>
+        <p:nvCxnSpPr>
+          <p:cNvPr id="8" name="Gerader Verbinder 7">
             <a:extLst>
               <a:ext uri="{FF2B5EF4-FFF2-40B4-BE49-F238E27FC236}">
-                <a16:creationId xmlns:a16="http://schemas.microsoft.com/office/drawing/2014/main" id="{277D4DBB-B0B1-4FE4-9EE3-DB18BE4203BD}"/>
+                <a16:creationId xmlns:a16="http://schemas.microsoft.com/office/drawing/2014/main" id="{D6B6E5B7-9D1F-4744-897B-3B5698465AF3}"/>
               </a:ext>
             </a:extLst>
           </p:cNvPr>
-          <p:cNvSpPr>
-            <a:spLocks noGrp="1"/>
-          </p:cNvSpPr>
-          <p:nvPr>
-            <p:ph sz="half" idx="1"/>
-          </p:nvPr>
-        </p:nvSpPr>
+          <p:cNvCxnSpPr>
+            <a:cxnSpLocks/>
+            <a:stCxn id="14" idx="1"/>
+          </p:cNvCxnSpPr>
+          <p:nvPr/>
+        </p:nvCxnSpPr>
         <p:spPr>
-          <a:xfrm>
-            <a:off x="838200" y="3429000"/>
-            <a:ext cx="5181600" cy="2747962"/>
+          <a:xfrm flipH="1">
+            <a:off x="4351986" y="1288604"/>
+            <a:ext cx="285750" cy="537021"/>
           </a:xfrm>
+          <a:prstGeom prst="line">
+            <a:avLst/>
+          </a:prstGeom>
+          <a:ln w="28575">
+            <a:solidFill>
+              <a:schemeClr val="tx1"/>
+            </a:solidFill>
+          </a:ln>
         </p:spPr>
-        <p:txBody>
-          <a:bodyPr vert="horz" lIns="91440" tIns="45720" rIns="91440" bIns="45720" rtlCol="0" anchor="t">
-            <a:normAutofit/>
-          </a:bodyPr>
-          <a:lstStyle/>
-          <a:p>
-            <a:r>
-              <a:rPr lang="de-DE" dirty="0" err="1">
-                <a:cs typeface="Calibri"/>
-              </a:rPr>
-              <a:t>epiClassify</a:t>
-            </a:r>
-            <a:r>
-              <a:rPr lang="de-DE" dirty="0">
-                <a:cs typeface="Calibri"/>
-              </a:rPr>
-              <a:t> </a:t>
-            </a:r>
-          </a:p>
-          <a:p>
-            <a:pPr lvl="1"/>
-            <a:r>
-              <a:rPr lang="de-DE" dirty="0" err="1">
-                <a:cs typeface="Calibri"/>
-              </a:rPr>
-              <a:t>EpiLink</a:t>
-            </a:r>
-            <a:endParaRPr lang="de-DE" dirty="0">
-              <a:cs typeface="Calibri"/>
-            </a:endParaRPr>
-          </a:p>
-          <a:p>
-            <a:endParaRPr lang="de-DE" dirty="0">
-              <a:cs typeface="Calibri"/>
-            </a:endParaRPr>
-          </a:p>
-        </p:txBody>
-      </p:sp>
-      <p:sp>
-        <p:nvSpPr>
-          <p:cNvPr id="4" name="Inhaltsplatzhalter 3">
+        <p:style>
+          <a:lnRef idx="1">
+            <a:schemeClr val="accent1"/>
+          </a:lnRef>
+          <a:fillRef idx="0">
+            <a:schemeClr val="accent1"/>
+          </a:fillRef>
+          <a:effectRef idx="0">
+            <a:schemeClr val="accent1"/>
+          </a:effectRef>
+          <a:fontRef idx="minor">
+            <a:schemeClr val="tx1"/>
+          </a:fontRef>
+        </p:style>
+      </p:cxnSp>
+      <p:cxnSp>
+        <p:nvCxnSpPr>
+          <p:cNvPr id="17" name="Gerader Verbinder 16">
             <a:extLst>
               <a:ext uri="{FF2B5EF4-FFF2-40B4-BE49-F238E27FC236}">
-                <a16:creationId xmlns:a16="http://schemas.microsoft.com/office/drawing/2014/main" id="{08576DB6-6FF9-7040-B9DC-013A98C718D5}"/>
+                <a16:creationId xmlns:a16="http://schemas.microsoft.com/office/drawing/2014/main" id="{8B069AC3-0E06-4589-A7A7-0CD468316D8A}"/>
               </a:ext>
             </a:extLst>
           </p:cNvPr>
-          <p:cNvSpPr>
-            <a:spLocks noGrp="1"/>
-          </p:cNvSpPr>
-          <p:nvPr>
-            <p:ph sz="half" idx="2"/>
-          </p:nvPr>
-        </p:nvSpPr>
+          <p:cNvCxnSpPr>
+            <a:cxnSpLocks/>
+            <a:stCxn id="15" idx="3"/>
+          </p:cNvCxnSpPr>
+          <p:nvPr/>
+        </p:nvCxnSpPr>
         <p:spPr>
           <a:xfrm>
-            <a:off x="6172200" y="3272091"/>
-            <a:ext cx="5181600" cy="2904872"/>
+            <a:off x="2842570" y="1288604"/>
+            <a:ext cx="144246" cy="537021"/>
           </a:xfrm>
-        </p:spPr>
-        <p:txBody>
-          <a:bodyPr>
-            <a:normAutofit/>
-          </a:bodyPr>
-          <a:lstStyle/>
-          <a:p>
-            <a:r>
-              <a:rPr lang="de-DE" dirty="0" err="1">
-                <a:cs typeface="Calibri"/>
-              </a:rPr>
-              <a:t>emClassify</a:t>
-            </a:r>
-            <a:endParaRPr lang="de-DE" dirty="0">
-              <a:cs typeface="Calibri"/>
-            </a:endParaRPr>
-          </a:p>
-          <a:p>
-            <a:pPr lvl="1"/>
-            <a:r>
-              <a:rPr lang="de-DE" dirty="0">
-                <a:cs typeface="Calibri"/>
-              </a:rPr>
-              <a:t>EM </a:t>
-            </a:r>
-            <a:r>
-              <a:rPr lang="de-DE" dirty="0" err="1">
-                <a:cs typeface="Calibri"/>
-              </a:rPr>
-              <a:t>Algorithm</a:t>
-            </a:r>
-            <a:endParaRPr lang="de-DE" dirty="0">
-              <a:cs typeface="Calibri"/>
-            </a:endParaRPr>
-          </a:p>
-          <a:p>
-            <a:endParaRPr lang="de-DE" dirty="0"/>
-          </a:p>
-        </p:txBody>
-      </p:sp>
-      <p:sp>
-        <p:nvSpPr>
-          <p:cNvPr id="5" name="Textfeld 4">
-            <a:extLst>
-              <a:ext uri="{FF2B5EF4-FFF2-40B4-BE49-F238E27FC236}">
-                <a16:creationId xmlns:a16="http://schemas.microsoft.com/office/drawing/2014/main" id="{A6318201-4B89-0649-AD68-E7BF03B36848}"/>
-              </a:ext>
-            </a:extLst>
-          </p:cNvPr>
-          <p:cNvSpPr txBox="1"/>
-          <p:nvPr/>
-        </p:nvSpPr>
-        <p:spPr>
-          <a:xfrm>
-            <a:off x="838200" y="1456209"/>
-            <a:ext cx="10515600" cy="1815882"/>
-          </a:xfrm>
-          <a:prstGeom prst="rect">
+          <a:prstGeom prst="line">
             <a:avLst/>
           </a:prstGeom>
-          <a:noFill/>
+          <a:ln w="28575">
+            <a:solidFill>
+              <a:schemeClr val="tx1"/>
+            </a:solidFill>
+          </a:ln>
         </p:spPr>
-        <p:txBody>
-          <a:bodyPr wrap="square" rtlCol="0">
-            <a:spAutoFit/>
-          </a:bodyPr>
-          <a:lstStyle/>
-          <a:p>
-            <a:r>
-              <a:rPr lang="de-DE" sz="2800" dirty="0" err="1">
-                <a:cs typeface="Calibri"/>
-              </a:rPr>
-              <a:t>To</a:t>
-            </a:r>
-            <a:r>
-              <a:rPr lang="de-DE" sz="2800" dirty="0">
-                <a:cs typeface="Calibri"/>
-              </a:rPr>
-              <a:t> </a:t>
-            </a:r>
-            <a:r>
-              <a:rPr lang="de-DE" sz="2800" dirty="0" err="1">
-                <a:cs typeface="Calibri"/>
-              </a:rPr>
-              <a:t>select</a:t>
-            </a:r>
-            <a:r>
-              <a:rPr lang="de-DE" sz="2800" dirty="0">
-                <a:cs typeface="Calibri"/>
-              </a:rPr>
-              <a:t> </a:t>
-            </a:r>
-            <a:r>
-              <a:rPr lang="de-DE" sz="2800" dirty="0" err="1">
-                <a:cs typeface="Calibri"/>
-              </a:rPr>
-              <a:t>with</a:t>
-            </a:r>
-            <a:r>
-              <a:rPr lang="de-DE" sz="2800" dirty="0">
-                <a:cs typeface="Calibri"/>
-              </a:rPr>
-              <a:t> „</a:t>
-            </a:r>
-            <a:r>
-              <a:rPr lang="de-DE" sz="2800" dirty="0" err="1">
-                <a:cs typeface="Calibri"/>
-              </a:rPr>
-              <a:t>show</a:t>
-            </a:r>
-            <a:r>
-              <a:rPr lang="de-DE" sz="2800" dirty="0">
-                <a:cs typeface="Calibri"/>
-              </a:rPr>
-              <a:t>“ in </a:t>
-            </a:r>
-            <a:r>
-              <a:rPr lang="de-DE" sz="2800" dirty="0" err="1">
-                <a:cs typeface="Calibri"/>
-              </a:rPr>
-              <a:t>getPairs</a:t>
-            </a:r>
-            <a:r>
-              <a:rPr lang="de-DE" sz="2800" dirty="0">
-                <a:cs typeface="Calibri"/>
-              </a:rPr>
-              <a:t>() </a:t>
-            </a:r>
-            <a:r>
-              <a:rPr lang="de-DE" sz="2800" dirty="0" err="1">
-                <a:cs typeface="Calibri"/>
-              </a:rPr>
-              <a:t>function</a:t>
-            </a:r>
-            <a:r>
-              <a:rPr lang="de-DE" sz="2800" dirty="0">
-                <a:cs typeface="Calibri"/>
-              </a:rPr>
-              <a:t>, </a:t>
-            </a:r>
-            <a:r>
-              <a:rPr lang="de-DE" sz="2800" dirty="0" err="1">
-                <a:cs typeface="Calibri"/>
-              </a:rPr>
-              <a:t>you</a:t>
-            </a:r>
-            <a:r>
-              <a:rPr lang="de-DE" sz="2800" dirty="0">
-                <a:cs typeface="Calibri"/>
-              </a:rPr>
-              <a:t> </a:t>
-            </a:r>
-            <a:r>
-              <a:rPr lang="de-DE" sz="2800" dirty="0" err="1">
-                <a:cs typeface="Calibri"/>
-              </a:rPr>
-              <a:t>need</a:t>
-            </a:r>
-            <a:r>
-              <a:rPr lang="de-DE" sz="2800" dirty="0">
-                <a:cs typeface="Calibri"/>
-              </a:rPr>
-              <a:t> </a:t>
-            </a:r>
-            <a:r>
-              <a:rPr lang="de-DE" sz="2800" dirty="0" err="1">
-                <a:cs typeface="Calibri"/>
-              </a:rPr>
-              <a:t>first</a:t>
-            </a:r>
-            <a:r>
-              <a:rPr lang="de-DE" sz="2800" dirty="0">
-                <a:cs typeface="Calibri"/>
-              </a:rPr>
-              <a:t> </a:t>
-            </a:r>
-            <a:r>
-              <a:rPr lang="de-DE" sz="2800" dirty="0" err="1">
-                <a:cs typeface="Calibri"/>
-              </a:rPr>
-              <a:t>to</a:t>
-            </a:r>
-            <a:r>
-              <a:rPr lang="de-DE" sz="2800" dirty="0">
-                <a:cs typeface="Calibri"/>
-              </a:rPr>
-              <a:t> </a:t>
-            </a:r>
-            <a:r>
-              <a:rPr lang="de-DE" sz="2800" dirty="0" err="1">
-                <a:cs typeface="Calibri"/>
-              </a:rPr>
-              <a:t>Classify</a:t>
-            </a:r>
-            <a:r>
-              <a:rPr lang="de-DE" sz="2800" dirty="0">
-                <a:cs typeface="Calibri"/>
-              </a:rPr>
-              <a:t> </a:t>
-            </a:r>
-            <a:r>
-              <a:rPr lang="de-DE" sz="2800" dirty="0" err="1">
-                <a:cs typeface="Calibri"/>
-              </a:rPr>
-              <a:t>your</a:t>
-            </a:r>
-            <a:r>
-              <a:rPr lang="de-DE" sz="2800" dirty="0">
-                <a:cs typeface="Calibri"/>
-              </a:rPr>
-              <a:t> </a:t>
-            </a:r>
-            <a:r>
-              <a:rPr lang="de-DE" sz="2800" dirty="0" err="1">
-                <a:cs typeface="Calibri"/>
-              </a:rPr>
-              <a:t>dataset</a:t>
-            </a:r>
-            <a:r>
-              <a:rPr lang="de-DE" sz="2800" dirty="0">
-                <a:cs typeface="Calibri"/>
-              </a:rPr>
-              <a:t> </a:t>
-            </a:r>
-            <a:r>
-              <a:rPr lang="de-DE" sz="2800" dirty="0" err="1">
-                <a:cs typeface="Calibri"/>
-              </a:rPr>
-              <a:t>with</a:t>
-            </a:r>
-            <a:r>
-              <a:rPr lang="de-DE" sz="2800" dirty="0">
-                <a:cs typeface="Calibri"/>
-              </a:rPr>
-              <a:t> </a:t>
-            </a:r>
-            <a:r>
-              <a:rPr lang="de-DE" sz="2800" dirty="0" err="1">
-                <a:cs typeface="Calibri"/>
-              </a:rPr>
-              <a:t>epiClassify</a:t>
-            </a:r>
-            <a:r>
-              <a:rPr lang="de-DE" sz="2800" dirty="0">
-                <a:cs typeface="Calibri"/>
-              </a:rPr>
-              <a:t>() </a:t>
-            </a:r>
-            <a:r>
-              <a:rPr lang="de-DE" sz="2800" dirty="0" err="1">
-                <a:cs typeface="Calibri"/>
-              </a:rPr>
-              <a:t>or</a:t>
-            </a:r>
-            <a:r>
-              <a:rPr lang="de-DE" sz="2800" dirty="0">
-                <a:cs typeface="Calibri"/>
-              </a:rPr>
-              <a:t> </a:t>
-            </a:r>
-            <a:r>
-              <a:rPr lang="de-DE" sz="2800" dirty="0" err="1">
-                <a:cs typeface="Calibri"/>
-              </a:rPr>
-              <a:t>emClassify</a:t>
-            </a:r>
-            <a:r>
-              <a:rPr lang="de-DE" sz="2800" dirty="0">
-                <a:cs typeface="Calibri"/>
-              </a:rPr>
-              <a:t>() </a:t>
-            </a:r>
-            <a:r>
-              <a:rPr lang="de-DE" sz="2800" dirty="0" err="1">
-                <a:cs typeface="Calibri"/>
-              </a:rPr>
-              <a:t>depending</a:t>
-            </a:r>
-            <a:r>
-              <a:rPr lang="de-DE" sz="2800" dirty="0">
-                <a:cs typeface="Calibri"/>
-              </a:rPr>
-              <a:t> </a:t>
-            </a:r>
-            <a:r>
-              <a:rPr lang="de-DE" sz="2800" dirty="0" err="1">
-                <a:cs typeface="Calibri"/>
-              </a:rPr>
-              <a:t>your</a:t>
-            </a:r>
-            <a:r>
-              <a:rPr lang="de-DE" sz="2800" dirty="0">
-                <a:cs typeface="Calibri"/>
-              </a:rPr>
-              <a:t> </a:t>
-            </a:r>
-            <a:r>
-              <a:rPr lang="de-DE" sz="2800" dirty="0" err="1">
-                <a:cs typeface="Calibri"/>
-              </a:rPr>
-              <a:t>approach</a:t>
-            </a:r>
-            <a:r>
-              <a:rPr lang="de-DE" sz="2800" dirty="0">
-                <a:cs typeface="Calibri"/>
-              </a:rPr>
-              <a:t> (</a:t>
-            </a:r>
-            <a:r>
-              <a:rPr lang="de-DE" sz="2800" dirty="0" err="1">
-                <a:cs typeface="Calibri"/>
-              </a:rPr>
-              <a:t>epiWeight</a:t>
-            </a:r>
-            <a:r>
-              <a:rPr lang="de-DE" sz="2800" dirty="0">
-                <a:cs typeface="Calibri"/>
-              </a:rPr>
-              <a:t> </a:t>
-            </a:r>
-            <a:r>
-              <a:rPr lang="de-DE" sz="2800" dirty="0" err="1">
-                <a:cs typeface="Calibri"/>
-              </a:rPr>
-              <a:t>or</a:t>
-            </a:r>
-            <a:r>
-              <a:rPr lang="de-DE" sz="2800" dirty="0">
-                <a:cs typeface="Calibri"/>
-              </a:rPr>
-              <a:t> </a:t>
-            </a:r>
-            <a:r>
-              <a:rPr lang="de-DE" sz="2800" dirty="0" err="1">
-                <a:cs typeface="Calibri"/>
-              </a:rPr>
-              <a:t>emWeigth</a:t>
-            </a:r>
-            <a:r>
-              <a:rPr lang="de-DE" sz="2800" dirty="0">
-                <a:cs typeface="Calibri"/>
-              </a:rPr>
-              <a:t>)</a:t>
-            </a:r>
-          </a:p>
-          <a:p>
-            <a:endParaRPr lang="de-DE" sz="2800" dirty="0"/>
-          </a:p>
-        </p:txBody>
-      </p:sp>
-      <p:sp>
-        <p:nvSpPr>
-          <p:cNvPr id="6" name="Textfeld 5">
-            <a:extLst>
-              <a:ext uri="{FF2B5EF4-FFF2-40B4-BE49-F238E27FC236}">
-                <a16:creationId xmlns:a16="http://schemas.microsoft.com/office/drawing/2014/main" id="{609FB23F-5E68-3640-849C-CBAD267FCCF4}"/>
-              </a:ext>
-            </a:extLst>
-          </p:cNvPr>
-          <p:cNvSpPr txBox="1"/>
-          <p:nvPr/>
-        </p:nvSpPr>
-        <p:spPr>
-          <a:xfrm>
-            <a:off x="2704563" y="4530328"/>
-            <a:ext cx="7594323" cy="923330"/>
-          </a:xfrm>
-          <a:prstGeom prst="rect">
-            <a:avLst/>
-          </a:prstGeom>
-          <a:noFill/>
-        </p:spPr>
-        <p:txBody>
-          <a:bodyPr wrap="none" rtlCol="0">
-            <a:spAutoFit/>
-          </a:bodyPr>
-          <a:lstStyle/>
-          <a:p>
-            <a:r>
-              <a:rPr lang="de-DE" dirty="0" err="1">
-                <a:cs typeface="Calibri"/>
-              </a:rPr>
-              <a:t>Threshold.upper</a:t>
-            </a:r>
-            <a:r>
-              <a:rPr lang="de-DE" dirty="0">
-                <a:cs typeface="Calibri"/>
-              </a:rPr>
-              <a:t> </a:t>
-            </a:r>
-            <a:r>
-              <a:rPr lang="de-DE" dirty="0">
-                <a:cs typeface="Calibri"/>
-                <a:sym typeface="Wingdings" pitchFamily="2" charset="2"/>
-              </a:rPr>
-              <a:t></a:t>
-            </a:r>
-            <a:r>
-              <a:rPr lang="de-DE" dirty="0">
-                <a:cs typeface="Calibri"/>
-              </a:rPr>
-              <a:t> Schwellenwert ab wann, </a:t>
-            </a:r>
-            <a:r>
-              <a:rPr lang="de-DE" dirty="0" err="1">
-                <a:cs typeface="Calibri"/>
-              </a:rPr>
-              <a:t>pairs</a:t>
-            </a:r>
-            <a:r>
-              <a:rPr lang="de-DE" dirty="0">
-                <a:cs typeface="Calibri"/>
-              </a:rPr>
-              <a:t> zu links werden</a:t>
-            </a:r>
-          </a:p>
-          <a:p>
-            <a:r>
-              <a:rPr lang="de-DE" dirty="0" err="1">
-                <a:cs typeface="Calibri"/>
-              </a:rPr>
-              <a:t>Threshold.under</a:t>
-            </a:r>
-            <a:r>
-              <a:rPr lang="de-DE" dirty="0">
-                <a:cs typeface="Calibri"/>
-              </a:rPr>
-              <a:t> </a:t>
-            </a:r>
-            <a:r>
-              <a:rPr lang="de-DE" dirty="0">
-                <a:cs typeface="Calibri"/>
-                <a:sym typeface="Wingdings" pitchFamily="2" charset="2"/>
-              </a:rPr>
-              <a:t> Schwellenwert ab wann, non-links zu </a:t>
-            </a:r>
-            <a:r>
-              <a:rPr lang="de-DE" dirty="0" err="1">
-                <a:cs typeface="Calibri"/>
-                <a:sym typeface="Wingdings" pitchFamily="2" charset="2"/>
-              </a:rPr>
-              <a:t>possible</a:t>
-            </a:r>
-            <a:r>
-              <a:rPr lang="de-DE" dirty="0">
-                <a:cs typeface="Calibri"/>
-                <a:sym typeface="Wingdings" pitchFamily="2" charset="2"/>
-              </a:rPr>
-              <a:t> links werden</a:t>
-            </a:r>
-            <a:endParaRPr lang="de-DE" dirty="0">
-              <a:cs typeface="Calibri"/>
-            </a:endParaRPr>
-          </a:p>
-          <a:p>
-            <a:endParaRPr lang="de-DE" dirty="0"/>
-          </a:p>
-        </p:txBody>
-      </p:sp>
+        <p:style>
+          <a:lnRef idx="1">
+            <a:schemeClr val="accent1"/>
+          </a:lnRef>
+          <a:fillRef idx="0">
+            <a:schemeClr val="accent1"/>
+          </a:fillRef>
+          <a:effectRef idx="0">
+            <a:schemeClr val="accent1"/>
+          </a:effectRef>
+          <a:fontRef idx="minor">
+            <a:schemeClr val="tx1"/>
+          </a:fontRef>
+        </p:style>
+      </p:cxnSp>
     </p:spTree>
     <p:extLst>
       <p:ext uri="{BB962C8B-B14F-4D97-AF65-F5344CB8AC3E}">
-        <p14:creationId xmlns:p14="http://schemas.microsoft.com/office/powerpoint/2010/main" val="2515221404"/>
+        <p14:creationId xmlns:p14="http://schemas.microsoft.com/office/powerpoint/2010/main" val="2900873172"/>
       </p:ext>
     </p:extLst>
   </p:cSld>
@@ -8031,6 +8100,66 @@
           </a:p>
         </p:txBody>
       </p:sp>
+      <p:pic>
+        <p:nvPicPr>
+          <p:cNvPr id="7" name="Grafik 6">
+            <a:extLst>
+              <a:ext uri="{FF2B5EF4-FFF2-40B4-BE49-F238E27FC236}">
+                <a16:creationId xmlns:a16="http://schemas.microsoft.com/office/drawing/2014/main" id="{9BE85C09-E52D-A34F-9B22-D6E30DB8293F}"/>
+              </a:ext>
+            </a:extLst>
+          </p:cNvPr>
+          <p:cNvPicPr>
+            <a:picLocks noChangeAspect="1"/>
+          </p:cNvPicPr>
+          <p:nvPr/>
+        </p:nvPicPr>
+        <p:blipFill>
+          <a:blip r:embed="rId2"/>
+          <a:stretch>
+            <a:fillRect/>
+          </a:stretch>
+        </p:blipFill>
+        <p:spPr>
+          <a:xfrm>
+            <a:off x="2286000" y="3821112"/>
+            <a:ext cx="4133541" cy="3036887"/>
+          </a:xfrm>
+          <a:prstGeom prst="rect">
+            <a:avLst/>
+          </a:prstGeom>
+        </p:spPr>
+      </p:pic>
+      <p:pic>
+        <p:nvPicPr>
+          <p:cNvPr id="8" name="Grafik 7">
+            <a:extLst>
+              <a:ext uri="{FF2B5EF4-FFF2-40B4-BE49-F238E27FC236}">
+                <a16:creationId xmlns:a16="http://schemas.microsoft.com/office/drawing/2014/main" id="{596C4D2F-8BEA-F141-8F4C-912D3822F49B}"/>
+              </a:ext>
+            </a:extLst>
+          </p:cNvPr>
+          <p:cNvPicPr>
+            <a:picLocks noChangeAspect="1"/>
+          </p:cNvPicPr>
+          <p:nvPr/>
+        </p:nvPicPr>
+        <p:blipFill>
+          <a:blip r:embed="rId3"/>
+          <a:stretch>
+            <a:fillRect/>
+          </a:stretch>
+        </p:blipFill>
+        <p:spPr>
+          <a:xfrm>
+            <a:off x="8053794" y="3821113"/>
+            <a:ext cx="4133541" cy="3036887"/>
+          </a:xfrm>
+          <a:prstGeom prst="rect">
+            <a:avLst/>
+          </a:prstGeom>
+        </p:spPr>
+      </p:pic>
     </p:spTree>
     <p:extLst>
       <p:ext uri="{BB962C8B-B14F-4D97-AF65-F5344CB8AC3E}">
@@ -8366,6 +8495,627 @@
       </p:grpSpPr>
       <p:sp>
         <p:nvSpPr>
+          <p:cNvPr id="2" name="Titel 1">
+            <a:extLst>
+              <a:ext uri="{FF2B5EF4-FFF2-40B4-BE49-F238E27FC236}">
+                <a16:creationId xmlns:a16="http://schemas.microsoft.com/office/drawing/2014/main" id="{C2E8C52F-E26E-4F35-972A-D594E77F66E9}"/>
+              </a:ext>
+            </a:extLst>
+          </p:cNvPr>
+          <p:cNvSpPr>
+            <a:spLocks noGrp="1"/>
+          </p:cNvSpPr>
+          <p:nvPr>
+            <p:ph type="title"/>
+          </p:nvPr>
+        </p:nvSpPr>
+        <p:spPr/>
+        <p:txBody>
+          <a:bodyPr/>
+          <a:lstStyle/>
+          <a:p>
+            <a:r>
+              <a:rPr lang="de-DE" b="1" dirty="0">
+                <a:solidFill>
+                  <a:srgbClr val="4472C4"/>
+                </a:solidFill>
+                <a:latin typeface="Calibri"/>
+                <a:cs typeface="Calibri"/>
+              </a:rPr>
+              <a:t>Vorgehen 4: </a:t>
+            </a:r>
+            <a:r>
+              <a:rPr lang="de-DE" b="1" dirty="0" err="1">
+                <a:solidFill>
+                  <a:srgbClr val="4472C4"/>
+                </a:solidFill>
+                <a:latin typeface="Calibri"/>
+                <a:cs typeface="Calibri"/>
+              </a:rPr>
+              <a:t>Classification</a:t>
+            </a:r>
+            <a:endParaRPr lang="de-DE" b="1" dirty="0">
+              <a:solidFill>
+                <a:srgbClr val="4472C4"/>
+              </a:solidFill>
+              <a:latin typeface="Calibri"/>
+              <a:cs typeface="Calibri"/>
+            </a:endParaRPr>
+          </a:p>
+        </p:txBody>
+      </p:sp>
+      <p:sp>
+        <p:nvSpPr>
+          <p:cNvPr id="3" name="Inhaltsplatzhalter 2">
+            <a:extLst>
+              <a:ext uri="{FF2B5EF4-FFF2-40B4-BE49-F238E27FC236}">
+                <a16:creationId xmlns:a16="http://schemas.microsoft.com/office/drawing/2014/main" id="{277D4DBB-B0B1-4FE4-9EE3-DB18BE4203BD}"/>
+              </a:ext>
+            </a:extLst>
+          </p:cNvPr>
+          <p:cNvSpPr>
+            <a:spLocks noGrp="1"/>
+          </p:cNvSpPr>
+          <p:nvPr>
+            <p:ph sz="half" idx="1"/>
+          </p:nvPr>
+        </p:nvSpPr>
+        <p:spPr>
+          <a:xfrm>
+            <a:off x="838200" y="3429000"/>
+            <a:ext cx="5181600" cy="2747962"/>
+          </a:xfrm>
+        </p:spPr>
+        <p:txBody>
+          <a:bodyPr vert="horz" lIns="91440" tIns="45720" rIns="91440" bIns="45720" rtlCol="0" anchor="t">
+            <a:normAutofit/>
+          </a:bodyPr>
+          <a:lstStyle/>
+          <a:p>
+            <a:r>
+              <a:rPr lang="de-DE" dirty="0" err="1">
+                <a:cs typeface="Calibri"/>
+              </a:rPr>
+              <a:t>epiClassify</a:t>
+            </a:r>
+            <a:r>
+              <a:rPr lang="de-DE" dirty="0">
+                <a:cs typeface="Calibri"/>
+              </a:rPr>
+              <a:t> </a:t>
+            </a:r>
+          </a:p>
+          <a:p>
+            <a:pPr lvl="1"/>
+            <a:r>
+              <a:rPr lang="de-DE" dirty="0" err="1">
+                <a:cs typeface="Calibri"/>
+              </a:rPr>
+              <a:t>EpiLink</a:t>
+            </a:r>
+            <a:endParaRPr lang="de-DE" dirty="0">
+              <a:cs typeface="Calibri"/>
+            </a:endParaRPr>
+          </a:p>
+          <a:p>
+            <a:endParaRPr lang="de-DE" dirty="0">
+              <a:cs typeface="Calibri"/>
+            </a:endParaRPr>
+          </a:p>
+        </p:txBody>
+      </p:sp>
+      <p:sp>
+        <p:nvSpPr>
+          <p:cNvPr id="4" name="Inhaltsplatzhalter 3">
+            <a:extLst>
+              <a:ext uri="{FF2B5EF4-FFF2-40B4-BE49-F238E27FC236}">
+                <a16:creationId xmlns:a16="http://schemas.microsoft.com/office/drawing/2014/main" id="{08576DB6-6FF9-7040-B9DC-013A98C718D5}"/>
+              </a:ext>
+            </a:extLst>
+          </p:cNvPr>
+          <p:cNvSpPr>
+            <a:spLocks noGrp="1"/>
+          </p:cNvSpPr>
+          <p:nvPr>
+            <p:ph sz="half" idx="2"/>
+          </p:nvPr>
+        </p:nvSpPr>
+        <p:spPr>
+          <a:xfrm>
+            <a:off x="6172200" y="3272091"/>
+            <a:ext cx="5181600" cy="2904872"/>
+          </a:xfrm>
+        </p:spPr>
+        <p:txBody>
+          <a:bodyPr>
+            <a:normAutofit/>
+          </a:bodyPr>
+          <a:lstStyle/>
+          <a:p>
+            <a:r>
+              <a:rPr lang="de-DE" dirty="0" err="1">
+                <a:cs typeface="Calibri"/>
+              </a:rPr>
+              <a:t>emClassify</a:t>
+            </a:r>
+            <a:endParaRPr lang="de-DE" dirty="0">
+              <a:cs typeface="Calibri"/>
+            </a:endParaRPr>
+          </a:p>
+          <a:p>
+            <a:pPr lvl="1"/>
+            <a:r>
+              <a:rPr lang="de-DE" dirty="0">
+                <a:cs typeface="Calibri"/>
+              </a:rPr>
+              <a:t>EM </a:t>
+            </a:r>
+            <a:r>
+              <a:rPr lang="de-DE" dirty="0" err="1">
+                <a:cs typeface="Calibri"/>
+              </a:rPr>
+              <a:t>Algorithm</a:t>
+            </a:r>
+            <a:endParaRPr lang="de-DE" dirty="0">
+              <a:cs typeface="Calibri"/>
+            </a:endParaRPr>
+          </a:p>
+          <a:p>
+            <a:endParaRPr lang="de-DE" dirty="0"/>
+          </a:p>
+        </p:txBody>
+      </p:sp>
+      <p:sp>
+        <p:nvSpPr>
+          <p:cNvPr id="5" name="Textfeld 4">
+            <a:extLst>
+              <a:ext uri="{FF2B5EF4-FFF2-40B4-BE49-F238E27FC236}">
+                <a16:creationId xmlns:a16="http://schemas.microsoft.com/office/drawing/2014/main" id="{A6318201-4B89-0649-AD68-E7BF03B36848}"/>
+              </a:ext>
+            </a:extLst>
+          </p:cNvPr>
+          <p:cNvSpPr txBox="1"/>
+          <p:nvPr/>
+        </p:nvSpPr>
+        <p:spPr>
+          <a:xfrm>
+            <a:off x="838200" y="1456209"/>
+            <a:ext cx="10515600" cy="1815882"/>
+          </a:xfrm>
+          <a:prstGeom prst="rect">
+            <a:avLst/>
+          </a:prstGeom>
+          <a:noFill/>
+        </p:spPr>
+        <p:txBody>
+          <a:bodyPr wrap="square" rtlCol="0">
+            <a:spAutoFit/>
+          </a:bodyPr>
+          <a:lstStyle/>
+          <a:p>
+            <a:r>
+              <a:rPr lang="de-DE" sz="2800" dirty="0" err="1">
+                <a:cs typeface="Calibri"/>
+              </a:rPr>
+              <a:t>To</a:t>
+            </a:r>
+            <a:r>
+              <a:rPr lang="de-DE" sz="2800" dirty="0">
+                <a:cs typeface="Calibri"/>
+              </a:rPr>
+              <a:t> </a:t>
+            </a:r>
+            <a:r>
+              <a:rPr lang="de-DE" sz="2800" dirty="0" err="1">
+                <a:cs typeface="Calibri"/>
+              </a:rPr>
+              <a:t>select</a:t>
+            </a:r>
+            <a:r>
+              <a:rPr lang="de-DE" sz="2800" dirty="0">
+                <a:cs typeface="Calibri"/>
+              </a:rPr>
+              <a:t> </a:t>
+            </a:r>
+            <a:r>
+              <a:rPr lang="de-DE" sz="2800" dirty="0" err="1">
+                <a:cs typeface="Calibri"/>
+              </a:rPr>
+              <a:t>with</a:t>
+            </a:r>
+            <a:r>
+              <a:rPr lang="de-DE" sz="2800" dirty="0">
+                <a:cs typeface="Calibri"/>
+              </a:rPr>
+              <a:t> „</a:t>
+            </a:r>
+            <a:r>
+              <a:rPr lang="de-DE" sz="2800" dirty="0" err="1">
+                <a:cs typeface="Calibri"/>
+              </a:rPr>
+              <a:t>show</a:t>
+            </a:r>
+            <a:r>
+              <a:rPr lang="de-DE" sz="2800" dirty="0">
+                <a:cs typeface="Calibri"/>
+              </a:rPr>
+              <a:t>“ in </a:t>
+            </a:r>
+            <a:r>
+              <a:rPr lang="de-DE" sz="2800" dirty="0" err="1">
+                <a:cs typeface="Calibri"/>
+              </a:rPr>
+              <a:t>getPairs</a:t>
+            </a:r>
+            <a:r>
+              <a:rPr lang="de-DE" sz="2800" dirty="0">
+                <a:cs typeface="Calibri"/>
+              </a:rPr>
+              <a:t>() </a:t>
+            </a:r>
+            <a:r>
+              <a:rPr lang="de-DE" sz="2800" dirty="0" err="1">
+                <a:cs typeface="Calibri"/>
+              </a:rPr>
+              <a:t>function</a:t>
+            </a:r>
+            <a:r>
+              <a:rPr lang="de-DE" sz="2800" dirty="0">
+                <a:cs typeface="Calibri"/>
+              </a:rPr>
+              <a:t>, </a:t>
+            </a:r>
+            <a:r>
+              <a:rPr lang="de-DE" sz="2800" dirty="0" err="1">
+                <a:cs typeface="Calibri"/>
+              </a:rPr>
+              <a:t>you</a:t>
+            </a:r>
+            <a:r>
+              <a:rPr lang="de-DE" sz="2800" dirty="0">
+                <a:cs typeface="Calibri"/>
+              </a:rPr>
+              <a:t> </a:t>
+            </a:r>
+            <a:r>
+              <a:rPr lang="de-DE" sz="2800" dirty="0" err="1">
+                <a:cs typeface="Calibri"/>
+              </a:rPr>
+              <a:t>need</a:t>
+            </a:r>
+            <a:r>
+              <a:rPr lang="de-DE" sz="2800" dirty="0">
+                <a:cs typeface="Calibri"/>
+              </a:rPr>
+              <a:t> </a:t>
+            </a:r>
+            <a:r>
+              <a:rPr lang="de-DE" sz="2800" dirty="0" err="1">
+                <a:cs typeface="Calibri"/>
+              </a:rPr>
+              <a:t>first</a:t>
+            </a:r>
+            <a:r>
+              <a:rPr lang="de-DE" sz="2800" dirty="0">
+                <a:cs typeface="Calibri"/>
+              </a:rPr>
+              <a:t> </a:t>
+            </a:r>
+            <a:r>
+              <a:rPr lang="de-DE" sz="2800" dirty="0" err="1">
+                <a:cs typeface="Calibri"/>
+              </a:rPr>
+              <a:t>to</a:t>
+            </a:r>
+            <a:r>
+              <a:rPr lang="de-DE" sz="2800" dirty="0">
+                <a:cs typeface="Calibri"/>
+              </a:rPr>
+              <a:t> </a:t>
+            </a:r>
+            <a:r>
+              <a:rPr lang="de-DE" sz="2800" dirty="0" err="1">
+                <a:cs typeface="Calibri"/>
+              </a:rPr>
+              <a:t>Classify</a:t>
+            </a:r>
+            <a:r>
+              <a:rPr lang="de-DE" sz="2800" dirty="0">
+                <a:cs typeface="Calibri"/>
+              </a:rPr>
+              <a:t> </a:t>
+            </a:r>
+            <a:r>
+              <a:rPr lang="de-DE" sz="2800" dirty="0" err="1">
+                <a:cs typeface="Calibri"/>
+              </a:rPr>
+              <a:t>your</a:t>
+            </a:r>
+            <a:r>
+              <a:rPr lang="de-DE" sz="2800" dirty="0">
+                <a:cs typeface="Calibri"/>
+              </a:rPr>
+              <a:t> </a:t>
+            </a:r>
+            <a:r>
+              <a:rPr lang="de-DE" sz="2800" dirty="0" err="1">
+                <a:cs typeface="Calibri"/>
+              </a:rPr>
+              <a:t>dataset</a:t>
+            </a:r>
+            <a:r>
+              <a:rPr lang="de-DE" sz="2800" dirty="0">
+                <a:cs typeface="Calibri"/>
+              </a:rPr>
+              <a:t> </a:t>
+            </a:r>
+            <a:r>
+              <a:rPr lang="de-DE" sz="2800" dirty="0" err="1">
+                <a:cs typeface="Calibri"/>
+              </a:rPr>
+              <a:t>with</a:t>
+            </a:r>
+            <a:r>
+              <a:rPr lang="de-DE" sz="2800" dirty="0">
+                <a:cs typeface="Calibri"/>
+              </a:rPr>
+              <a:t> </a:t>
+            </a:r>
+            <a:r>
+              <a:rPr lang="de-DE" sz="2800" dirty="0" err="1">
+                <a:cs typeface="Calibri"/>
+              </a:rPr>
+              <a:t>epiClassify</a:t>
+            </a:r>
+            <a:r>
+              <a:rPr lang="de-DE" sz="2800" dirty="0">
+                <a:cs typeface="Calibri"/>
+              </a:rPr>
+              <a:t>() </a:t>
+            </a:r>
+            <a:r>
+              <a:rPr lang="de-DE" sz="2800" dirty="0" err="1">
+                <a:cs typeface="Calibri"/>
+              </a:rPr>
+              <a:t>or</a:t>
+            </a:r>
+            <a:r>
+              <a:rPr lang="de-DE" sz="2800" dirty="0">
+                <a:cs typeface="Calibri"/>
+              </a:rPr>
+              <a:t> </a:t>
+            </a:r>
+            <a:r>
+              <a:rPr lang="de-DE" sz="2800" dirty="0" err="1">
+                <a:cs typeface="Calibri"/>
+              </a:rPr>
+              <a:t>emClassify</a:t>
+            </a:r>
+            <a:r>
+              <a:rPr lang="de-DE" sz="2800" dirty="0">
+                <a:cs typeface="Calibri"/>
+              </a:rPr>
+              <a:t>() </a:t>
+            </a:r>
+            <a:r>
+              <a:rPr lang="de-DE" sz="2800" dirty="0" err="1">
+                <a:cs typeface="Calibri"/>
+              </a:rPr>
+              <a:t>depending</a:t>
+            </a:r>
+            <a:r>
+              <a:rPr lang="de-DE" sz="2800" dirty="0">
+                <a:cs typeface="Calibri"/>
+              </a:rPr>
+              <a:t> </a:t>
+            </a:r>
+            <a:r>
+              <a:rPr lang="de-DE" sz="2800" dirty="0" err="1">
+                <a:cs typeface="Calibri"/>
+              </a:rPr>
+              <a:t>your</a:t>
+            </a:r>
+            <a:r>
+              <a:rPr lang="de-DE" sz="2800" dirty="0">
+                <a:cs typeface="Calibri"/>
+              </a:rPr>
+              <a:t> </a:t>
+            </a:r>
+            <a:r>
+              <a:rPr lang="de-DE" sz="2800" dirty="0" err="1">
+                <a:cs typeface="Calibri"/>
+              </a:rPr>
+              <a:t>approach</a:t>
+            </a:r>
+            <a:r>
+              <a:rPr lang="de-DE" sz="2800" dirty="0">
+                <a:cs typeface="Calibri"/>
+              </a:rPr>
+              <a:t> (</a:t>
+            </a:r>
+            <a:r>
+              <a:rPr lang="de-DE" sz="2800" dirty="0" err="1">
+                <a:cs typeface="Calibri"/>
+              </a:rPr>
+              <a:t>epiWeight</a:t>
+            </a:r>
+            <a:r>
+              <a:rPr lang="de-DE" sz="2800" dirty="0">
+                <a:cs typeface="Calibri"/>
+              </a:rPr>
+              <a:t> </a:t>
+            </a:r>
+            <a:r>
+              <a:rPr lang="de-DE" sz="2800" dirty="0" err="1">
+                <a:cs typeface="Calibri"/>
+              </a:rPr>
+              <a:t>or</a:t>
+            </a:r>
+            <a:r>
+              <a:rPr lang="de-DE" sz="2800" dirty="0">
+                <a:cs typeface="Calibri"/>
+              </a:rPr>
+              <a:t> </a:t>
+            </a:r>
+            <a:r>
+              <a:rPr lang="de-DE" sz="2800" dirty="0" err="1">
+                <a:cs typeface="Calibri"/>
+              </a:rPr>
+              <a:t>emWeigth</a:t>
+            </a:r>
+            <a:r>
+              <a:rPr lang="de-DE" sz="2800" dirty="0">
+                <a:cs typeface="Calibri"/>
+              </a:rPr>
+              <a:t>)</a:t>
+            </a:r>
+          </a:p>
+          <a:p>
+            <a:endParaRPr lang="de-DE" sz="2800" dirty="0"/>
+          </a:p>
+        </p:txBody>
+      </p:sp>
+      <p:sp>
+        <p:nvSpPr>
+          <p:cNvPr id="6" name="Textfeld 5">
+            <a:extLst>
+              <a:ext uri="{FF2B5EF4-FFF2-40B4-BE49-F238E27FC236}">
+                <a16:creationId xmlns:a16="http://schemas.microsoft.com/office/drawing/2014/main" id="{609FB23F-5E68-3640-849C-CBAD267FCCF4}"/>
+              </a:ext>
+            </a:extLst>
+          </p:cNvPr>
+          <p:cNvSpPr txBox="1"/>
+          <p:nvPr/>
+        </p:nvSpPr>
+        <p:spPr>
+          <a:xfrm>
+            <a:off x="2704563" y="4530328"/>
+            <a:ext cx="7565725" cy="923330"/>
+          </a:xfrm>
+          <a:prstGeom prst="rect">
+            <a:avLst/>
+          </a:prstGeom>
+          <a:noFill/>
+        </p:spPr>
+        <p:txBody>
+          <a:bodyPr wrap="none" rtlCol="0">
+            <a:spAutoFit/>
+          </a:bodyPr>
+          <a:lstStyle/>
+          <a:p>
+            <a:r>
+              <a:rPr lang="de-DE" dirty="0" err="1">
+                <a:cs typeface="Calibri"/>
+              </a:rPr>
+              <a:t>Threshold.upper</a:t>
+            </a:r>
+            <a:r>
+              <a:rPr lang="de-DE" dirty="0">
+                <a:cs typeface="Calibri"/>
+              </a:rPr>
+              <a:t> </a:t>
+            </a:r>
+            <a:r>
+              <a:rPr lang="de-DE" dirty="0">
+                <a:cs typeface="Calibri"/>
+                <a:sym typeface="Wingdings" pitchFamily="2" charset="2"/>
+              </a:rPr>
+              <a:t></a:t>
+            </a:r>
+            <a:r>
+              <a:rPr lang="de-DE" dirty="0">
+                <a:cs typeface="Calibri"/>
+              </a:rPr>
+              <a:t> Schwellenwert ab wann, </a:t>
+            </a:r>
+            <a:r>
+              <a:rPr lang="de-DE" dirty="0" err="1">
+                <a:cs typeface="Calibri"/>
+              </a:rPr>
+              <a:t>pairs</a:t>
+            </a:r>
+            <a:r>
+              <a:rPr lang="de-DE" dirty="0">
+                <a:cs typeface="Calibri"/>
+              </a:rPr>
+              <a:t> zu links werden</a:t>
+            </a:r>
+          </a:p>
+          <a:p>
+            <a:r>
+              <a:rPr lang="de-DE" dirty="0" err="1">
+                <a:cs typeface="Calibri"/>
+              </a:rPr>
+              <a:t>Threshold.lower</a:t>
+            </a:r>
+            <a:r>
+              <a:rPr lang="de-DE" dirty="0">
+                <a:cs typeface="Calibri"/>
+              </a:rPr>
+              <a:t> </a:t>
+            </a:r>
+            <a:r>
+              <a:rPr lang="de-DE" dirty="0">
+                <a:cs typeface="Calibri"/>
+                <a:sym typeface="Wingdings" pitchFamily="2" charset="2"/>
+              </a:rPr>
+              <a:t> Schwellenwert ab wann, non-links zu </a:t>
+            </a:r>
+            <a:r>
+              <a:rPr lang="de-DE" dirty="0" err="1">
+                <a:cs typeface="Calibri"/>
+                <a:sym typeface="Wingdings" pitchFamily="2" charset="2"/>
+              </a:rPr>
+              <a:t>possible</a:t>
+            </a:r>
+            <a:r>
+              <a:rPr lang="de-DE" dirty="0">
+                <a:cs typeface="Calibri"/>
+                <a:sym typeface="Wingdings" pitchFamily="2" charset="2"/>
+              </a:rPr>
+              <a:t> links werden</a:t>
+            </a:r>
+            <a:endParaRPr lang="de-DE" dirty="0">
+              <a:cs typeface="Calibri"/>
+            </a:endParaRPr>
+          </a:p>
+          <a:p>
+            <a:endParaRPr lang="de-DE" dirty="0"/>
+          </a:p>
+        </p:txBody>
+      </p:sp>
+    </p:spTree>
+    <p:extLst>
+      <p:ext uri="{BB962C8B-B14F-4D97-AF65-F5344CB8AC3E}">
+        <p14:creationId xmlns:p14="http://schemas.microsoft.com/office/powerpoint/2010/main" val="2515221404"/>
+      </p:ext>
+    </p:extLst>
+  </p:cSld>
+  <p:clrMapOvr>
+    <a:masterClrMapping/>
+  </p:clrMapOvr>
+</p:sld>
+</file>
+
+<file path=ppt/slides/slide9.xml><?xml version="1.0" encoding="utf-8"?>
+<p:sld xmlns:a="http://schemas.openxmlformats.org/drawingml/2006/main" xmlns:r="http://schemas.openxmlformats.org/officeDocument/2006/relationships" xmlns:p="http://schemas.openxmlformats.org/presentationml/2006/main">
+  <p:cSld>
+    <p:spTree>
+      <p:nvGrpSpPr>
+        <p:cNvPr id="1" name=""/>
+        <p:cNvGrpSpPr/>
+        <p:nvPr/>
+      </p:nvGrpSpPr>
+      <p:grpSpPr>
+        <a:xfrm>
+          <a:off x="0" y="0"/>
+          <a:ext cx="0" cy="0"/>
+          <a:chOff x="0" y="0"/>
+          <a:chExt cx="0" cy="0"/>
+        </a:xfrm>
+      </p:grpSpPr>
+      <p:sp>
+        <p:nvSpPr>
           <p:cNvPr id="6" name="Rechteck 5">
             <a:extLst>
               <a:ext uri="{FF2B5EF4-FFF2-40B4-BE49-F238E27FC236}">
@@ -8810,696 +9560,6 @@
     <p:extLst>
       <p:ext uri="{BB962C8B-B14F-4D97-AF65-F5344CB8AC3E}">
         <p14:creationId xmlns:p14="http://schemas.microsoft.com/office/powerpoint/2010/main" val="2663077026"/>
-      </p:ext>
-    </p:extLst>
-  </p:cSld>
-  <p:clrMapOvr>
-    <a:masterClrMapping/>
-  </p:clrMapOvr>
-</p:sld>
-</file>
-
-<file path=ppt/slides/slide9.xml><?xml version="1.0" encoding="utf-8"?>
-<p:sld xmlns:a="http://schemas.openxmlformats.org/drawingml/2006/main" xmlns:r="http://schemas.openxmlformats.org/officeDocument/2006/relationships" xmlns:p="http://schemas.openxmlformats.org/presentationml/2006/main">
-  <p:cSld>
-    <p:spTree>
-      <p:nvGrpSpPr>
-        <p:cNvPr id="1" name=""/>
-        <p:cNvGrpSpPr/>
-        <p:nvPr/>
-      </p:nvGrpSpPr>
-      <p:grpSpPr>
-        <a:xfrm>
-          <a:off x="0" y="0"/>
-          <a:ext cx="0" cy="0"/>
-          <a:chOff x="0" y="0"/>
-          <a:chExt cx="0" cy="0"/>
-        </a:xfrm>
-      </p:grpSpPr>
-      <p:sp>
-        <p:nvSpPr>
-          <p:cNvPr id="2" name="Titel 1">
-            <a:extLst>
-              <a:ext uri="{FF2B5EF4-FFF2-40B4-BE49-F238E27FC236}">
-                <a16:creationId xmlns:a16="http://schemas.microsoft.com/office/drawing/2014/main" id="{F4BF988D-6DFD-4F4D-A32C-74D2CF267908}"/>
-              </a:ext>
-            </a:extLst>
-          </p:cNvPr>
-          <p:cNvSpPr>
-            <a:spLocks noGrp="1"/>
-          </p:cNvSpPr>
-          <p:nvPr>
-            <p:ph type="title"/>
-          </p:nvPr>
-        </p:nvSpPr>
-        <p:spPr>
-          <a:xfrm>
-            <a:off x="3848100" y="2398237"/>
-            <a:ext cx="10515600" cy="1325563"/>
-          </a:xfrm>
-        </p:spPr>
-        <p:txBody>
-          <a:bodyPr>
-            <a:normAutofit/>
-          </a:bodyPr>
-          <a:lstStyle/>
-          <a:p>
-            <a:r>
-              <a:rPr lang="de-DE" sz="3600" dirty="0" err="1"/>
-              <a:t>Two</a:t>
-            </a:r>
-            <a:r>
-              <a:rPr lang="de-DE" sz="3600" dirty="0"/>
-              <a:t> </a:t>
-            </a:r>
-            <a:r>
-              <a:rPr lang="de-DE" sz="3600" dirty="0" err="1"/>
-              <a:t>Thresholds</a:t>
-            </a:r>
-            <a:r>
-              <a:rPr lang="de-DE" sz="3600" dirty="0"/>
-              <a:t> </a:t>
-            </a:r>
-            <a:r>
-              <a:rPr lang="de-DE" sz="3600" dirty="0">
-                <a:sym typeface="Wingdings" pitchFamily="2" charset="2"/>
-              </a:rPr>
-              <a:t> </a:t>
-            </a:r>
-            <a:r>
-              <a:rPr lang="de-DE" sz="3600" dirty="0" err="1">
-                <a:sym typeface="Wingdings" pitchFamily="2" charset="2"/>
-              </a:rPr>
-              <a:t>Threshold</a:t>
-            </a:r>
-            <a:r>
-              <a:rPr lang="de-DE" sz="3600" dirty="0">
-                <a:sym typeface="Wingdings" pitchFamily="2" charset="2"/>
-              </a:rPr>
-              <a:t> </a:t>
-            </a:r>
-            <a:r>
-              <a:rPr lang="de-DE" sz="3600" dirty="0" err="1">
-                <a:sym typeface="Wingdings" pitchFamily="2" charset="2"/>
-              </a:rPr>
-              <a:t>upper</a:t>
-            </a:r>
-            <a:r>
-              <a:rPr lang="de-DE" sz="3600" dirty="0">
-                <a:sym typeface="Wingdings" pitchFamily="2" charset="2"/>
-              </a:rPr>
-              <a:t> &amp; </a:t>
-            </a:r>
-            <a:r>
-              <a:rPr lang="de-DE" sz="3600" dirty="0" err="1">
-                <a:sym typeface="Wingdings" pitchFamily="2" charset="2"/>
-              </a:rPr>
-              <a:t>Threshold.under</a:t>
-            </a:r>
-            <a:endParaRPr lang="de-DE" sz="3600" dirty="0"/>
-          </a:p>
-        </p:txBody>
-      </p:sp>
-      <p:sp>
-        <p:nvSpPr>
-          <p:cNvPr id="6" name="Rechteck 5">
-            <a:extLst>
-              <a:ext uri="{FF2B5EF4-FFF2-40B4-BE49-F238E27FC236}">
-                <a16:creationId xmlns:a16="http://schemas.microsoft.com/office/drawing/2014/main" id="{CA366FDB-0811-414B-AFFE-DDFFD53490B0}"/>
-              </a:ext>
-            </a:extLst>
-          </p:cNvPr>
-          <p:cNvSpPr/>
-          <p:nvPr/>
-        </p:nvSpPr>
-        <p:spPr>
-          <a:xfrm>
-            <a:off x="708338" y="1825625"/>
-            <a:ext cx="2278478" cy="4347791"/>
-          </a:xfrm>
-          <a:prstGeom prst="rect">
-            <a:avLst/>
-          </a:prstGeom>
-        </p:spPr>
-        <p:style>
-          <a:lnRef idx="1">
-            <a:schemeClr val="accent2"/>
-          </a:lnRef>
-          <a:fillRef idx="3">
-            <a:schemeClr val="accent2"/>
-          </a:fillRef>
-          <a:effectRef idx="2">
-            <a:schemeClr val="accent2"/>
-          </a:effectRef>
-          <a:fontRef idx="minor">
-            <a:schemeClr val="lt1"/>
-          </a:fontRef>
-        </p:style>
-        <p:txBody>
-          <a:bodyPr rtlCol="0" anchor="ctr"/>
-          <a:lstStyle/>
-          <a:p>
-            <a:pPr algn="ctr"/>
-            <a:r>
-              <a:rPr lang="de-DE" dirty="0"/>
-              <a:t>Non links</a:t>
-            </a:r>
-          </a:p>
-        </p:txBody>
-      </p:sp>
-      <p:sp>
-        <p:nvSpPr>
-          <p:cNvPr id="7" name="Rechteck 6">
-            <a:extLst>
-              <a:ext uri="{FF2B5EF4-FFF2-40B4-BE49-F238E27FC236}">
-                <a16:creationId xmlns:a16="http://schemas.microsoft.com/office/drawing/2014/main" id="{DB0ED68B-18C0-F341-82DC-FBF055FC28BC}"/>
-              </a:ext>
-            </a:extLst>
-          </p:cNvPr>
-          <p:cNvSpPr/>
-          <p:nvPr/>
-        </p:nvSpPr>
-        <p:spPr>
-          <a:xfrm>
-            <a:off x="2986816" y="1828800"/>
-            <a:ext cx="1365170" cy="4344616"/>
-          </a:xfrm>
-          <a:prstGeom prst="rect">
-            <a:avLst/>
-          </a:prstGeom>
-        </p:spPr>
-        <p:style>
-          <a:lnRef idx="2">
-            <a:schemeClr val="accent4">
-              <a:shade val="50000"/>
-            </a:schemeClr>
-          </a:lnRef>
-          <a:fillRef idx="1">
-            <a:schemeClr val="accent4"/>
-          </a:fillRef>
-          <a:effectRef idx="0">
-            <a:schemeClr val="accent4"/>
-          </a:effectRef>
-          <a:fontRef idx="minor">
-            <a:schemeClr val="lt1"/>
-          </a:fontRef>
-        </p:style>
-        <p:txBody>
-          <a:bodyPr rtlCol="0" anchor="ctr"/>
-          <a:lstStyle/>
-          <a:p>
-            <a:pPr algn="ctr"/>
-            <a:r>
-              <a:rPr lang="de-DE" dirty="0" err="1"/>
-              <a:t>possible</a:t>
-            </a:r>
-            <a:endParaRPr lang="de-DE" dirty="0"/>
-          </a:p>
-        </p:txBody>
-      </p:sp>
-      <p:sp>
-        <p:nvSpPr>
-          <p:cNvPr id="9" name="Rechteck 8">
-            <a:extLst>
-              <a:ext uri="{FF2B5EF4-FFF2-40B4-BE49-F238E27FC236}">
-                <a16:creationId xmlns:a16="http://schemas.microsoft.com/office/drawing/2014/main" id="{87222023-4B12-3C44-88E0-B88863F916C2}"/>
-              </a:ext>
-            </a:extLst>
-          </p:cNvPr>
-          <p:cNvSpPr/>
-          <p:nvPr/>
-        </p:nvSpPr>
-        <p:spPr>
-          <a:xfrm>
-            <a:off x="4351986" y="1828800"/>
-            <a:ext cx="2910626" cy="4344616"/>
-          </a:xfrm>
-          <a:prstGeom prst="rect">
-            <a:avLst/>
-          </a:prstGeom>
-        </p:spPr>
-        <p:style>
-          <a:lnRef idx="1">
-            <a:schemeClr val="accent6"/>
-          </a:lnRef>
-          <a:fillRef idx="3">
-            <a:schemeClr val="accent6"/>
-          </a:fillRef>
-          <a:effectRef idx="2">
-            <a:schemeClr val="accent6"/>
-          </a:effectRef>
-          <a:fontRef idx="minor">
-            <a:schemeClr val="lt1"/>
-          </a:fontRef>
-        </p:style>
-        <p:txBody>
-          <a:bodyPr rtlCol="0" anchor="ctr"/>
-          <a:lstStyle/>
-          <a:p>
-            <a:pPr algn="ctr"/>
-            <a:r>
-              <a:rPr lang="de-DE" dirty="0"/>
-              <a:t>links</a:t>
-            </a:r>
-          </a:p>
-        </p:txBody>
-      </p:sp>
-      <p:cxnSp>
-        <p:nvCxnSpPr>
-          <p:cNvPr id="10" name="Gerade Verbindung mit Pfeil 9">
-            <a:extLst>
-              <a:ext uri="{FF2B5EF4-FFF2-40B4-BE49-F238E27FC236}">
-                <a16:creationId xmlns:a16="http://schemas.microsoft.com/office/drawing/2014/main" id="{D2679E8A-1135-BB41-BCF7-ECDFCF848549}"/>
-              </a:ext>
-            </a:extLst>
-          </p:cNvPr>
-          <p:cNvCxnSpPr>
-            <a:cxnSpLocks/>
-          </p:cNvCxnSpPr>
-          <p:nvPr/>
-        </p:nvCxnSpPr>
-        <p:spPr>
-          <a:xfrm flipV="1">
-            <a:off x="708338" y="6190516"/>
-            <a:ext cx="7484772" cy="1"/>
-          </a:xfrm>
-          <a:prstGeom prst="straightConnector1">
-            <a:avLst/>
-          </a:prstGeom>
-          <a:ln w="76200">
-            <a:solidFill>
-              <a:schemeClr val="tx1"/>
-            </a:solidFill>
-            <a:tailEnd type="triangle"/>
-          </a:ln>
-        </p:spPr>
-        <p:style>
-          <a:lnRef idx="1">
-            <a:schemeClr val="accent1"/>
-          </a:lnRef>
-          <a:fillRef idx="0">
-            <a:schemeClr val="accent1"/>
-          </a:fillRef>
-          <a:effectRef idx="0">
-            <a:schemeClr val="accent1"/>
-          </a:effectRef>
-          <a:fontRef idx="minor">
-            <a:schemeClr val="tx1"/>
-          </a:fontRef>
-        </p:style>
-      </p:cxnSp>
-      <p:sp>
-        <p:nvSpPr>
-          <p:cNvPr id="12" name="Textfeld 11">
-            <a:extLst>
-              <a:ext uri="{FF2B5EF4-FFF2-40B4-BE49-F238E27FC236}">
-                <a16:creationId xmlns:a16="http://schemas.microsoft.com/office/drawing/2014/main" id="{AE360321-157F-2543-8C22-72D34E6215E6}"/>
-              </a:ext>
-            </a:extLst>
-          </p:cNvPr>
-          <p:cNvSpPr txBox="1"/>
-          <p:nvPr/>
-        </p:nvSpPr>
-        <p:spPr>
-          <a:xfrm>
-            <a:off x="8847786" y="6207617"/>
-            <a:ext cx="945131" cy="369332"/>
-          </a:xfrm>
-          <a:prstGeom prst="rect">
-            <a:avLst/>
-          </a:prstGeom>
-          <a:noFill/>
-        </p:spPr>
-        <p:txBody>
-          <a:bodyPr wrap="none" rtlCol="0">
-            <a:spAutoFit/>
-          </a:bodyPr>
-          <a:lstStyle/>
-          <a:p>
-            <a:r>
-              <a:rPr lang="de-DE" dirty="0" err="1"/>
-              <a:t>Weights</a:t>
-            </a:r>
-            <a:endParaRPr lang="de-DE" dirty="0"/>
-          </a:p>
-        </p:txBody>
-      </p:sp>
-      <p:sp>
-        <p:nvSpPr>
-          <p:cNvPr id="13" name="Textfeld 12">
-            <a:extLst>
-              <a:ext uri="{FF2B5EF4-FFF2-40B4-BE49-F238E27FC236}">
-                <a16:creationId xmlns:a16="http://schemas.microsoft.com/office/drawing/2014/main" id="{6241ADE5-C9EB-1F4F-940B-A36413150B42}"/>
-              </a:ext>
-            </a:extLst>
-          </p:cNvPr>
-          <p:cNvSpPr txBox="1"/>
-          <p:nvPr/>
-        </p:nvSpPr>
-        <p:spPr>
-          <a:xfrm rot="16200000">
-            <a:off x="-106931" y="2264535"/>
-            <a:ext cx="1165897" cy="369332"/>
-          </a:xfrm>
-          <a:prstGeom prst="rect">
-            <a:avLst/>
-          </a:prstGeom>
-          <a:noFill/>
-        </p:spPr>
-        <p:txBody>
-          <a:bodyPr wrap="none" rtlCol="0">
-            <a:spAutoFit/>
-          </a:bodyPr>
-          <a:lstStyle/>
-          <a:p>
-            <a:r>
-              <a:rPr lang="de-DE" dirty="0" err="1"/>
-              <a:t>Frequency</a:t>
-            </a:r>
-            <a:endParaRPr lang="de-DE" dirty="0"/>
-          </a:p>
-        </p:txBody>
-      </p:sp>
-      <p:sp>
-        <p:nvSpPr>
-          <p:cNvPr id="14" name="Textfeld 13">
-            <a:extLst>
-              <a:ext uri="{FF2B5EF4-FFF2-40B4-BE49-F238E27FC236}">
-                <a16:creationId xmlns:a16="http://schemas.microsoft.com/office/drawing/2014/main" id="{08F34955-434E-6F44-9305-3BF146B69DAE}"/>
-              </a:ext>
-            </a:extLst>
-          </p:cNvPr>
-          <p:cNvSpPr txBox="1"/>
-          <p:nvPr/>
-        </p:nvSpPr>
-        <p:spPr>
-          <a:xfrm>
-            <a:off x="4637736" y="1088549"/>
-            <a:ext cx="1902893" cy="400110"/>
-          </a:xfrm>
-          <a:prstGeom prst="rect">
-            <a:avLst/>
-          </a:prstGeom>
-          <a:noFill/>
-        </p:spPr>
-        <p:txBody>
-          <a:bodyPr wrap="none" rtlCol="0">
-            <a:spAutoFit/>
-          </a:bodyPr>
-          <a:lstStyle/>
-          <a:p>
-            <a:r>
-              <a:rPr lang="de-DE" sz="2000" dirty="0" err="1"/>
-              <a:t>Threshold</a:t>
-            </a:r>
-            <a:r>
-              <a:rPr lang="de-DE" sz="2000" dirty="0"/>
-              <a:t> </a:t>
-            </a:r>
-            <a:r>
-              <a:rPr lang="de-DE" sz="2000" dirty="0" err="1"/>
-              <a:t>upper</a:t>
-            </a:r>
-            <a:endParaRPr lang="de-DE" sz="2000" dirty="0"/>
-          </a:p>
-        </p:txBody>
-      </p:sp>
-      <p:sp>
-        <p:nvSpPr>
-          <p:cNvPr id="15" name="Textfeld 14">
-            <a:extLst>
-              <a:ext uri="{FF2B5EF4-FFF2-40B4-BE49-F238E27FC236}">
-                <a16:creationId xmlns:a16="http://schemas.microsoft.com/office/drawing/2014/main" id="{321EE0DD-215A-384F-AB8E-C9B10A32CD3B}"/>
-              </a:ext>
-            </a:extLst>
-          </p:cNvPr>
-          <p:cNvSpPr txBox="1"/>
-          <p:nvPr/>
-        </p:nvSpPr>
-        <p:spPr>
-          <a:xfrm>
-            <a:off x="939677" y="1088549"/>
-            <a:ext cx="1902893" cy="400110"/>
-          </a:xfrm>
-          <a:prstGeom prst="rect">
-            <a:avLst/>
-          </a:prstGeom>
-          <a:noFill/>
-        </p:spPr>
-        <p:txBody>
-          <a:bodyPr wrap="none" rtlCol="0">
-            <a:spAutoFit/>
-          </a:bodyPr>
-          <a:lstStyle/>
-          <a:p>
-            <a:r>
-              <a:rPr lang="de-DE" sz="2000" dirty="0" err="1"/>
-              <a:t>Threshold</a:t>
-            </a:r>
-            <a:r>
-              <a:rPr lang="de-DE" sz="2000" dirty="0"/>
-              <a:t> </a:t>
-            </a:r>
-            <a:r>
-              <a:rPr lang="de-DE" sz="2000" dirty="0" err="1"/>
-              <a:t>under</a:t>
-            </a:r>
-            <a:endParaRPr lang="de-DE" sz="2000" dirty="0"/>
-          </a:p>
-        </p:txBody>
-      </p:sp>
-      <p:cxnSp>
-        <p:nvCxnSpPr>
-          <p:cNvPr id="5" name="Gerade Verbindung mit Pfeil 4">
-            <a:extLst>
-              <a:ext uri="{FF2B5EF4-FFF2-40B4-BE49-F238E27FC236}">
-                <a16:creationId xmlns:a16="http://schemas.microsoft.com/office/drawing/2014/main" id="{73B064BE-F0D0-5249-BF6D-AC27D6D4AEC1}"/>
-              </a:ext>
-            </a:extLst>
-          </p:cNvPr>
-          <p:cNvCxnSpPr/>
-          <p:nvPr/>
-        </p:nvCxnSpPr>
-        <p:spPr>
-          <a:xfrm flipV="1">
-            <a:off x="708338" y="1828800"/>
-            <a:ext cx="0" cy="4378817"/>
-          </a:xfrm>
-          <a:prstGeom prst="straightConnector1">
-            <a:avLst/>
-          </a:prstGeom>
-          <a:ln w="76200">
-            <a:solidFill>
-              <a:schemeClr val="tx1"/>
-            </a:solidFill>
-            <a:tailEnd type="triangle"/>
-          </a:ln>
-        </p:spPr>
-        <p:style>
-          <a:lnRef idx="1">
-            <a:schemeClr val="accent1"/>
-          </a:lnRef>
-          <a:fillRef idx="0">
-            <a:schemeClr val="accent1"/>
-          </a:fillRef>
-          <a:effectRef idx="0">
-            <a:schemeClr val="accent1"/>
-          </a:effectRef>
-          <a:fontRef idx="minor">
-            <a:schemeClr val="tx1"/>
-          </a:fontRef>
-        </p:style>
-      </p:cxnSp>
-      <p:sp>
-        <p:nvSpPr>
-          <p:cNvPr id="16" name="Titel 1">
-            <a:extLst>
-              <a:ext uri="{FF2B5EF4-FFF2-40B4-BE49-F238E27FC236}">
-                <a16:creationId xmlns:a16="http://schemas.microsoft.com/office/drawing/2014/main" id="{974DA2E5-1AC6-4DBE-BB57-5A84BF9FB8D5}"/>
-              </a:ext>
-            </a:extLst>
-          </p:cNvPr>
-          <p:cNvSpPr txBox="1">
-            <a:spLocks/>
-          </p:cNvSpPr>
-          <p:nvPr/>
-        </p:nvSpPr>
-        <p:spPr>
-          <a:xfrm>
-            <a:off x="708338" y="-110367"/>
-            <a:ext cx="10515600" cy="1325563"/>
-          </a:xfrm>
-          <a:prstGeom prst="rect">
-            <a:avLst/>
-          </a:prstGeom>
-        </p:spPr>
-        <p:txBody>
-          <a:bodyPr vert="horz" lIns="91440" tIns="45720" rIns="91440" bIns="45720" rtlCol="0" anchor="ctr">
-            <a:normAutofit/>
-          </a:bodyPr>
-          <a:lstStyle>
-            <a:lvl1pPr algn="l" defTabSz="914400" rtl="0" eaLnBrk="1" latinLnBrk="0" hangingPunct="1">
-              <a:lnSpc>
-                <a:spcPct val="90000"/>
-              </a:lnSpc>
-              <a:spcBef>
-                <a:spcPct val="0"/>
-              </a:spcBef>
-              <a:buNone/>
-              <a:defRPr sz="4400" kern="1200">
-                <a:solidFill>
-                  <a:schemeClr val="tx1"/>
-                </a:solidFill>
-                <a:latin typeface="+mj-lt"/>
-                <a:ea typeface="+mj-ea"/>
-                <a:cs typeface="+mj-cs"/>
-              </a:defRPr>
-            </a:lvl1pPr>
-          </a:lstStyle>
-          <a:p>
-            <a:r>
-              <a:rPr lang="en-US" sz="3200" b="1" dirty="0">
-                <a:solidFill>
-                  <a:srgbClr val="4472C4"/>
-                </a:solidFill>
-                <a:latin typeface="Calibri"/>
-                <a:cs typeface="Calibri"/>
-              </a:rPr>
-              <a:t>Two Thresholds </a:t>
-            </a:r>
-            <a:r>
-              <a:rPr lang="en-US" sz="3200" b="1" dirty="0">
-                <a:solidFill>
-                  <a:srgbClr val="4472C4"/>
-                </a:solidFill>
-                <a:latin typeface="Calibri"/>
-                <a:cs typeface="Calibri"/>
-                <a:sym typeface="Wingdings" panose="05000000000000000000" pitchFamily="2" charset="2"/>
-              </a:rPr>
-              <a:t></a:t>
-            </a:r>
-            <a:r>
-              <a:rPr lang="en-US" sz="3200" b="1" dirty="0">
-                <a:solidFill>
-                  <a:srgbClr val="4472C4"/>
-                </a:solidFill>
-                <a:latin typeface="Calibri"/>
-                <a:cs typeface="Calibri"/>
-              </a:rPr>
-              <a:t> Threshold upper &amp; </a:t>
-            </a:r>
-            <a:r>
-              <a:rPr lang="en-US" sz="3200" b="1" dirty="0" err="1">
-                <a:solidFill>
-                  <a:srgbClr val="4472C4"/>
-                </a:solidFill>
-                <a:latin typeface="Calibri"/>
-                <a:cs typeface="Calibri"/>
-              </a:rPr>
-              <a:t>Threshold.under</a:t>
-            </a:r>
-            <a:endParaRPr lang="en-GB" sz="3200" b="1" dirty="0">
-              <a:solidFill>
-                <a:srgbClr val="4472C4"/>
-              </a:solidFill>
-              <a:latin typeface="Calibri"/>
-              <a:cs typeface="Calibri"/>
-            </a:endParaRPr>
-          </a:p>
-        </p:txBody>
-      </p:sp>
-      <p:cxnSp>
-        <p:nvCxnSpPr>
-          <p:cNvPr id="8" name="Gerader Verbinder 7">
-            <a:extLst>
-              <a:ext uri="{FF2B5EF4-FFF2-40B4-BE49-F238E27FC236}">
-                <a16:creationId xmlns:a16="http://schemas.microsoft.com/office/drawing/2014/main" id="{D6B6E5B7-9D1F-4744-897B-3B5698465AF3}"/>
-              </a:ext>
-            </a:extLst>
-          </p:cNvPr>
-          <p:cNvCxnSpPr>
-            <a:cxnSpLocks/>
-            <a:stCxn id="14" idx="1"/>
-          </p:cNvCxnSpPr>
-          <p:nvPr/>
-        </p:nvCxnSpPr>
-        <p:spPr>
-          <a:xfrm flipH="1">
-            <a:off x="4351986" y="1288604"/>
-            <a:ext cx="285750" cy="537021"/>
-          </a:xfrm>
-          <a:prstGeom prst="line">
-            <a:avLst/>
-          </a:prstGeom>
-          <a:ln w="28575">
-            <a:solidFill>
-              <a:schemeClr val="tx1"/>
-            </a:solidFill>
-          </a:ln>
-        </p:spPr>
-        <p:style>
-          <a:lnRef idx="1">
-            <a:schemeClr val="accent1"/>
-          </a:lnRef>
-          <a:fillRef idx="0">
-            <a:schemeClr val="accent1"/>
-          </a:fillRef>
-          <a:effectRef idx="0">
-            <a:schemeClr val="accent1"/>
-          </a:effectRef>
-          <a:fontRef idx="minor">
-            <a:schemeClr val="tx1"/>
-          </a:fontRef>
-        </p:style>
-      </p:cxnSp>
-      <p:cxnSp>
-        <p:nvCxnSpPr>
-          <p:cNvPr id="17" name="Gerader Verbinder 16">
-            <a:extLst>
-              <a:ext uri="{FF2B5EF4-FFF2-40B4-BE49-F238E27FC236}">
-                <a16:creationId xmlns:a16="http://schemas.microsoft.com/office/drawing/2014/main" id="{8B069AC3-0E06-4589-A7A7-0CD468316D8A}"/>
-              </a:ext>
-            </a:extLst>
-          </p:cNvPr>
-          <p:cNvCxnSpPr>
-            <a:cxnSpLocks/>
-            <a:stCxn id="15" idx="3"/>
-          </p:cNvCxnSpPr>
-          <p:nvPr/>
-        </p:nvCxnSpPr>
-        <p:spPr>
-          <a:xfrm>
-            <a:off x="2842570" y="1288604"/>
-            <a:ext cx="144246" cy="537021"/>
-          </a:xfrm>
-          <a:prstGeom prst="line">
-            <a:avLst/>
-          </a:prstGeom>
-          <a:ln w="28575">
-            <a:solidFill>
-              <a:schemeClr val="tx1"/>
-            </a:solidFill>
-          </a:ln>
-        </p:spPr>
-        <p:style>
-          <a:lnRef idx="1">
-            <a:schemeClr val="accent1"/>
-          </a:lnRef>
-          <a:fillRef idx="0">
-            <a:schemeClr val="accent1"/>
-          </a:fillRef>
-          <a:effectRef idx="0">
-            <a:schemeClr val="accent1"/>
-          </a:effectRef>
-          <a:fontRef idx="minor">
-            <a:schemeClr val="tx1"/>
-          </a:fontRef>
-        </p:style>
-      </p:cxnSp>
-    </p:spTree>
-    <p:extLst>
-      <p:ext uri="{BB962C8B-B14F-4D97-AF65-F5344CB8AC3E}">
-        <p14:creationId xmlns:p14="http://schemas.microsoft.com/office/powerpoint/2010/main" val="2900873172"/>
       </p:ext>
     </p:extLst>
   </p:cSld>

--- a/RLgetPairs.pptx
+++ b/RLgetPairs.pptx
@@ -20,10 +20,10 @@
     <p:sldId id="273" r:id="rId11"/>
     <p:sldId id="266" r:id="rId12"/>
     <p:sldId id="270" r:id="rId13"/>
-    <p:sldId id="271" r:id="rId14"/>
-    <p:sldId id="262" r:id="rId15"/>
-    <p:sldId id="263" r:id="rId16"/>
-    <p:sldId id="272" r:id="rId17"/>
+    <p:sldId id="262" r:id="rId14"/>
+    <p:sldId id="263" r:id="rId15"/>
+    <p:sldId id="272" r:id="rId16"/>
+    <p:sldId id="271" r:id="rId17"/>
   </p:sldIdLst>
   <p:sldSz cx="12192000" cy="6858000"/>
   <p:notesSz cx="6858000" cy="9144000"/>
@@ -212,7 +212,7 @@
           <a:p>
             <a:fld id="{AC72D997-4647-442C-924D-B780A56A3F96}" type="datetimeFigureOut">
               <a:rPr lang="de-DE"/>
-              <a:t>05.06.19</a:t>
+              <a:t>05.06.2019</a:t>
             </a:fld>
             <a:endParaRPr lang="de-DE"/>
           </a:p>
@@ -1435,7 +1435,7 @@
           <a:p>
             <a:fld id="{D3EB3054-B75A-4BD7-8B3E-8DC0F614FAF3}" type="datetimeFigureOut">
               <a:rPr lang="de-DE" smtClean="0"/>
-              <a:t>05.06.19</a:t>
+              <a:t>05.06.2019</a:t>
             </a:fld>
             <a:endParaRPr lang="de-DE"/>
           </a:p>
@@ -1603,7 +1603,7 @@
           <a:p>
             <a:fld id="{D3EB3054-B75A-4BD7-8B3E-8DC0F614FAF3}" type="datetimeFigureOut">
               <a:rPr lang="de-DE" smtClean="0"/>
-              <a:t>05.06.19</a:t>
+              <a:t>05.06.2019</a:t>
             </a:fld>
             <a:endParaRPr lang="de-DE"/>
           </a:p>
@@ -1781,7 +1781,7 @@
           <a:p>
             <a:fld id="{D3EB3054-B75A-4BD7-8B3E-8DC0F614FAF3}" type="datetimeFigureOut">
               <a:rPr lang="de-DE" smtClean="0"/>
-              <a:t>05.06.19</a:t>
+              <a:t>05.06.2019</a:t>
             </a:fld>
             <a:endParaRPr lang="de-DE"/>
           </a:p>
@@ -1949,7 +1949,7 @@
           <a:p>
             <a:fld id="{D3EB3054-B75A-4BD7-8B3E-8DC0F614FAF3}" type="datetimeFigureOut">
               <a:rPr lang="de-DE" smtClean="0"/>
-              <a:t>05.06.19</a:t>
+              <a:t>05.06.2019</a:t>
             </a:fld>
             <a:endParaRPr lang="de-DE"/>
           </a:p>
@@ -2194,7 +2194,7 @@
           <a:p>
             <a:fld id="{D3EB3054-B75A-4BD7-8B3E-8DC0F614FAF3}" type="datetimeFigureOut">
               <a:rPr lang="de-DE" smtClean="0"/>
-              <a:t>05.06.19</a:t>
+              <a:t>05.06.2019</a:t>
             </a:fld>
             <a:endParaRPr lang="de-DE"/>
           </a:p>
@@ -2423,7 +2423,7 @@
           <a:p>
             <a:fld id="{D3EB3054-B75A-4BD7-8B3E-8DC0F614FAF3}" type="datetimeFigureOut">
               <a:rPr lang="de-DE" smtClean="0"/>
-              <a:t>05.06.19</a:t>
+              <a:t>05.06.2019</a:t>
             </a:fld>
             <a:endParaRPr lang="de-DE"/>
           </a:p>
@@ -2787,7 +2787,7 @@
           <a:p>
             <a:fld id="{D3EB3054-B75A-4BD7-8B3E-8DC0F614FAF3}" type="datetimeFigureOut">
               <a:rPr lang="de-DE" smtClean="0"/>
-              <a:t>05.06.19</a:t>
+              <a:t>05.06.2019</a:t>
             </a:fld>
             <a:endParaRPr lang="de-DE"/>
           </a:p>
@@ -2904,7 +2904,7 @@
           <a:p>
             <a:fld id="{D3EB3054-B75A-4BD7-8B3E-8DC0F614FAF3}" type="datetimeFigureOut">
               <a:rPr lang="de-DE" smtClean="0"/>
-              <a:t>05.06.19</a:t>
+              <a:t>05.06.2019</a:t>
             </a:fld>
             <a:endParaRPr lang="de-DE"/>
           </a:p>
@@ -2999,7 +2999,7 @@
           <a:p>
             <a:fld id="{D3EB3054-B75A-4BD7-8B3E-8DC0F614FAF3}" type="datetimeFigureOut">
               <a:rPr lang="de-DE" smtClean="0"/>
-              <a:t>05.06.19</a:t>
+              <a:t>05.06.2019</a:t>
             </a:fld>
             <a:endParaRPr lang="de-DE"/>
           </a:p>
@@ -3274,7 +3274,7 @@
           <a:p>
             <a:fld id="{D3EB3054-B75A-4BD7-8B3E-8DC0F614FAF3}" type="datetimeFigureOut">
               <a:rPr lang="de-DE" smtClean="0"/>
-              <a:t>05.06.19</a:t>
+              <a:t>05.06.2019</a:t>
             </a:fld>
             <a:endParaRPr lang="de-DE"/>
           </a:p>
@@ -3526,7 +3526,7 @@
           <a:p>
             <a:fld id="{D3EB3054-B75A-4BD7-8B3E-8DC0F614FAF3}" type="datetimeFigureOut">
               <a:rPr lang="de-DE" smtClean="0"/>
-              <a:t>05.06.19</a:t>
+              <a:t>05.06.2019</a:t>
             </a:fld>
             <a:endParaRPr lang="de-DE"/>
           </a:p>
@@ -3737,7 +3737,7 @@
           <a:p>
             <a:fld id="{D3EB3054-B75A-4BD7-8B3E-8DC0F614FAF3}" type="datetimeFigureOut">
               <a:rPr lang="de-DE" smtClean="0"/>
-              <a:t>05.06.19</a:t>
+              <a:t>05.06.2019</a:t>
             </a:fld>
             <a:endParaRPr lang="de-DE"/>
           </a:p>
@@ -4500,90 +4500,6 @@
       </p:grpSpPr>
       <p:sp>
         <p:nvSpPr>
-          <p:cNvPr id="2" name="Titel 1">
-            <a:extLst>
-              <a:ext uri="{FF2B5EF4-FFF2-40B4-BE49-F238E27FC236}">
-                <a16:creationId xmlns:a16="http://schemas.microsoft.com/office/drawing/2014/main" id="{F4BF988D-6DFD-4F4D-A32C-74D2CF267908}"/>
-              </a:ext>
-            </a:extLst>
-          </p:cNvPr>
-          <p:cNvSpPr>
-            <a:spLocks noGrp="1"/>
-          </p:cNvSpPr>
-          <p:nvPr>
-            <p:ph type="title"/>
-          </p:nvPr>
-        </p:nvSpPr>
-        <p:spPr>
-          <a:xfrm>
-            <a:off x="3848100" y="2398237"/>
-            <a:ext cx="10515600" cy="1325563"/>
-          </a:xfrm>
-        </p:spPr>
-        <p:txBody>
-          <a:bodyPr>
-            <a:normAutofit/>
-          </a:bodyPr>
-          <a:lstStyle/>
-          <a:p>
-            <a:r>
-              <a:rPr lang="de-DE" sz="3600" dirty="0" err="1"/>
-              <a:t>Two</a:t>
-            </a:r>
-            <a:r>
-              <a:rPr lang="de-DE" sz="3600" dirty="0"/>
-              <a:t> </a:t>
-            </a:r>
-            <a:r>
-              <a:rPr lang="de-DE" sz="3600" dirty="0" err="1"/>
-              <a:t>Thresholds</a:t>
-            </a:r>
-            <a:r>
-              <a:rPr lang="de-DE" sz="3600" dirty="0"/>
-              <a:t> </a:t>
-            </a:r>
-            <a:r>
-              <a:rPr lang="de-DE" sz="3600" dirty="0">
-                <a:sym typeface="Wingdings" pitchFamily="2" charset="2"/>
-              </a:rPr>
-              <a:t> </a:t>
-            </a:r>
-            <a:r>
-              <a:rPr lang="de-DE" sz="3600" dirty="0" err="1">
-                <a:sym typeface="Wingdings" pitchFamily="2" charset="2"/>
-              </a:rPr>
-              <a:t>Threshold</a:t>
-            </a:r>
-            <a:r>
-              <a:rPr lang="de-DE" sz="3600" dirty="0">
-                <a:sym typeface="Wingdings" pitchFamily="2" charset="2"/>
-              </a:rPr>
-              <a:t> </a:t>
-            </a:r>
-            <a:r>
-              <a:rPr lang="de-DE" sz="3600" dirty="0" err="1">
-                <a:sym typeface="Wingdings" pitchFamily="2" charset="2"/>
-              </a:rPr>
-              <a:t>upper</a:t>
-            </a:r>
-            <a:r>
-              <a:rPr lang="de-DE" sz="3600" dirty="0">
-                <a:sym typeface="Wingdings" pitchFamily="2" charset="2"/>
-              </a:rPr>
-              <a:t> &amp; </a:t>
-            </a:r>
-            <a:r>
-              <a:rPr lang="de-DE" sz="3600" dirty="0" err="1">
-                <a:sym typeface="Wingdings" pitchFamily="2" charset="2"/>
-              </a:rPr>
-              <a:t>Threshold.under</a:t>
-            </a:r>
-            <a:endParaRPr lang="de-DE" sz="3600" dirty="0"/>
-          </a:p>
-        </p:txBody>
-      </p:sp>
-      <p:sp>
-        <p:nvSpPr>
           <p:cNvPr id="6" name="Rechteck 5">
             <a:extLst>
               <a:ext uri="{FF2B5EF4-FFF2-40B4-BE49-F238E27FC236}">
@@ -5548,88 +5464,6 @@
 <file path=ppt/slides/slide13.xml><?xml version="1.0" encoding="utf-8"?>
 <p:sld xmlns:a="http://schemas.openxmlformats.org/drawingml/2006/main" xmlns:r="http://schemas.openxmlformats.org/officeDocument/2006/relationships" xmlns:p="http://schemas.openxmlformats.org/presentationml/2006/main">
   <p:cSld>
-    <p:spTree>
-      <p:nvGrpSpPr>
-        <p:cNvPr id="1" name=""/>
-        <p:cNvGrpSpPr/>
-        <p:nvPr/>
-      </p:nvGrpSpPr>
-      <p:grpSpPr>
-        <a:xfrm>
-          <a:off x="0" y="0"/>
-          <a:ext cx="0" cy="0"/>
-          <a:chOff x="0" y="0"/>
-          <a:chExt cx="0" cy="0"/>
-        </a:xfrm>
-      </p:grpSpPr>
-      <p:sp>
-        <p:nvSpPr>
-          <p:cNvPr id="2" name="Titel 1">
-            <a:extLst>
-              <a:ext uri="{FF2B5EF4-FFF2-40B4-BE49-F238E27FC236}">
-                <a16:creationId xmlns:a16="http://schemas.microsoft.com/office/drawing/2014/main" id="{EEA6C87C-85E1-45CF-B838-40684D796EC2}"/>
-              </a:ext>
-            </a:extLst>
-          </p:cNvPr>
-          <p:cNvSpPr>
-            <a:spLocks noGrp="1"/>
-          </p:cNvSpPr>
-          <p:nvPr>
-            <p:ph type="title"/>
-          </p:nvPr>
-        </p:nvSpPr>
-        <p:spPr>
-          <a:xfrm>
-            <a:off x="2555631" y="1441938"/>
-            <a:ext cx="7080738" cy="3974124"/>
-          </a:xfrm>
-        </p:spPr>
-        <p:txBody>
-          <a:bodyPr vert="horz" lIns="91440" tIns="45720" rIns="91440" bIns="45720" rtlCol="0" anchor="ctr">
-            <a:normAutofit/>
-          </a:bodyPr>
-          <a:lstStyle/>
-          <a:p>
-            <a:pPr algn="ctr"/>
-            <a:r>
-              <a:rPr lang="en-US" sz="5400" b="1" dirty="0" err="1">
-                <a:solidFill>
-                  <a:schemeClr val="accent1"/>
-                </a:solidFill>
-                <a:latin typeface="Calibri"/>
-                <a:cs typeface="Calibri"/>
-              </a:rPr>
-              <a:t>Codebeispiele</a:t>
-            </a:r>
-            <a:r>
-              <a:rPr lang="en-US" sz="5400" b="1" dirty="0">
-                <a:solidFill>
-                  <a:schemeClr val="accent1"/>
-                </a:solidFill>
-                <a:latin typeface="Calibri"/>
-                <a:cs typeface="Calibri"/>
-              </a:rPr>
-              <a:t>: homonym synonym</a:t>
-            </a:r>
-          </a:p>
-        </p:txBody>
-      </p:sp>
-    </p:spTree>
-    <p:extLst>
-      <p:ext uri="{BB962C8B-B14F-4D97-AF65-F5344CB8AC3E}">
-        <p14:creationId xmlns:p14="http://schemas.microsoft.com/office/powerpoint/2010/main" val="118939763"/>
-      </p:ext>
-    </p:extLst>
-  </p:cSld>
-  <p:clrMapOvr>
-    <a:masterClrMapping/>
-  </p:clrMapOvr>
-</p:sld>
-</file>
-
-<file path=ppt/slides/slide14.xml><?xml version="1.0" encoding="utf-8"?>
-<p:sld xmlns:a="http://schemas.openxmlformats.org/drawingml/2006/main" xmlns:r="http://schemas.openxmlformats.org/officeDocument/2006/relationships" xmlns:p="http://schemas.openxmlformats.org/presentationml/2006/main">
-  <p:cSld>
     <p:bg>
       <p:bgPr>
         <a:solidFill>
@@ -5875,7 +5709,7 @@
 </p:sld>
 </file>
 
-<file path=ppt/slides/slide15.xml><?xml version="1.0" encoding="utf-8"?>
+<file path=ppt/slides/slide14.xml><?xml version="1.0" encoding="utf-8"?>
 <p:sld xmlns:a="http://schemas.openxmlformats.org/drawingml/2006/main" xmlns:r="http://schemas.openxmlformats.org/officeDocument/2006/relationships" xmlns:p="http://schemas.openxmlformats.org/presentationml/2006/main">
   <p:cSld>
     <p:bg>
@@ -6288,6 +6122,483 @@
 </p:sld>
 </file>
 
+<file path=ppt/slides/slide15.xml><?xml version="1.0" encoding="utf-8"?>
+<p:sld xmlns:a="http://schemas.openxmlformats.org/drawingml/2006/main" xmlns:r="http://schemas.openxmlformats.org/officeDocument/2006/relationships" xmlns:p="http://schemas.openxmlformats.org/presentationml/2006/main">
+  <p:cSld>
+    <p:spTree>
+      <p:nvGrpSpPr>
+        <p:cNvPr id="1" name=""/>
+        <p:cNvGrpSpPr/>
+        <p:nvPr/>
+      </p:nvGrpSpPr>
+      <p:grpSpPr>
+        <a:xfrm>
+          <a:off x="0" y="0"/>
+          <a:ext cx="0" cy="0"/>
+          <a:chOff x="0" y="0"/>
+          <a:chExt cx="0" cy="0"/>
+        </a:xfrm>
+      </p:grpSpPr>
+      <p:sp>
+        <p:nvSpPr>
+          <p:cNvPr id="2" name="Titel 1">
+            <a:extLst>
+              <a:ext uri="{FF2B5EF4-FFF2-40B4-BE49-F238E27FC236}">
+                <a16:creationId xmlns:a16="http://schemas.microsoft.com/office/drawing/2014/main" id="{9E62D031-90E2-CD45-90D8-3AEF501D4665}"/>
+              </a:ext>
+            </a:extLst>
+          </p:cNvPr>
+          <p:cNvSpPr>
+            <a:spLocks noGrp="1"/>
+          </p:cNvSpPr>
+          <p:nvPr>
+            <p:ph type="title"/>
+          </p:nvPr>
+        </p:nvSpPr>
+        <p:spPr/>
+        <p:txBody>
+          <a:bodyPr/>
+          <a:lstStyle/>
+          <a:p>
+            <a:r>
+              <a:rPr lang="de-DE" b="1" dirty="0" err="1">
+                <a:solidFill>
+                  <a:schemeClr val="accent1"/>
+                </a:solidFill>
+                <a:latin typeface="+mn-lt"/>
+              </a:rPr>
+              <a:t>Threshold</a:t>
+            </a:r>
+            <a:r>
+              <a:rPr lang="de-DE" b="1" dirty="0">
+                <a:solidFill>
+                  <a:schemeClr val="accent1"/>
+                </a:solidFill>
+                <a:latin typeface="+mn-lt"/>
+              </a:rPr>
+              <a:t> Determination</a:t>
+            </a:r>
+          </a:p>
+        </p:txBody>
+      </p:sp>
+      <p:sp>
+        <p:nvSpPr>
+          <p:cNvPr id="3" name="Inhaltsplatzhalter 2">
+            <a:extLst>
+              <a:ext uri="{FF2B5EF4-FFF2-40B4-BE49-F238E27FC236}">
+                <a16:creationId xmlns:a16="http://schemas.microsoft.com/office/drawing/2014/main" id="{A1573D2E-4510-3F41-8E6A-FDC26EB6BDEB}"/>
+              </a:ext>
+            </a:extLst>
+          </p:cNvPr>
+          <p:cNvSpPr>
+            <a:spLocks noGrp="1"/>
+          </p:cNvSpPr>
+          <p:nvPr>
+            <p:ph idx="1"/>
+          </p:nvPr>
+        </p:nvSpPr>
+        <p:spPr/>
+        <p:txBody>
+          <a:bodyPr/>
+          <a:lstStyle/>
+          <a:p>
+            <a:pPr marL="514350" indent="-514350">
+              <a:buFont typeface="+mj-lt"/>
+              <a:buAutoNum type="arabicPeriod"/>
+            </a:pPr>
+            <a:r>
+              <a:rPr lang="de-DE" b="1" dirty="0" err="1"/>
+              <a:t>Clerical</a:t>
+            </a:r>
+            <a:r>
+              <a:rPr lang="de-DE" b="1" dirty="0"/>
+              <a:t> Review</a:t>
+            </a:r>
+          </a:p>
+          <a:p>
+            <a:pPr marL="514350" indent="-514350">
+              <a:buFont typeface="+mj-lt"/>
+              <a:buAutoNum type="arabicPeriod"/>
+            </a:pPr>
+            <a:r>
+              <a:rPr lang="de-DE" b="1" dirty="0" err="1"/>
+              <a:t>getParetoThreshold</a:t>
+            </a:r>
+            <a:r>
+              <a:rPr lang="de-DE" b="1" dirty="0"/>
+              <a:t>:</a:t>
+            </a:r>
+            <a:br>
+              <a:rPr lang="de-DE" dirty="0"/>
+            </a:br>
+            <a:r>
+              <a:rPr lang="de-DE" dirty="0" err="1"/>
+              <a:t>calculates</a:t>
+            </a:r>
+            <a:r>
+              <a:rPr lang="de-DE" dirty="0"/>
+              <a:t> a </a:t>
+            </a:r>
+            <a:r>
+              <a:rPr lang="de-DE" dirty="0" err="1"/>
+              <a:t>classification</a:t>
+            </a:r>
+            <a:r>
+              <a:rPr lang="de-DE" dirty="0"/>
+              <a:t> </a:t>
+            </a:r>
+            <a:r>
+              <a:rPr lang="de-DE" dirty="0" err="1"/>
+              <a:t>threshold</a:t>
+            </a:r>
+            <a:r>
+              <a:rPr lang="de-DE" dirty="0"/>
+              <a:t> </a:t>
+            </a:r>
+            <a:r>
+              <a:rPr lang="de-DE" dirty="0" err="1"/>
+              <a:t>based</a:t>
+            </a:r>
+            <a:r>
+              <a:rPr lang="de-DE" dirty="0"/>
+              <a:t> on a </a:t>
+            </a:r>
+            <a:r>
+              <a:rPr lang="de-DE" dirty="0" err="1"/>
+              <a:t>generalized</a:t>
+            </a:r>
+            <a:r>
+              <a:rPr lang="de-DE" dirty="0"/>
+              <a:t> Pareto </a:t>
+            </a:r>
+            <a:r>
+              <a:rPr lang="de-DE" dirty="0" err="1"/>
+              <a:t>distribution</a:t>
+            </a:r>
+            <a:r>
+              <a:rPr lang="de-DE" dirty="0"/>
+              <a:t> </a:t>
+            </a:r>
+            <a:r>
+              <a:rPr lang="de-DE" dirty="0" err="1"/>
+              <a:t>fitted</a:t>
+            </a:r>
+            <a:r>
+              <a:rPr lang="de-DE" dirty="0"/>
+              <a:t> </a:t>
+            </a:r>
+            <a:r>
+              <a:rPr lang="de-DE" dirty="0" err="1"/>
+              <a:t>to</a:t>
+            </a:r>
+            <a:r>
+              <a:rPr lang="de-DE" dirty="0"/>
+              <a:t> </a:t>
+            </a:r>
+            <a:r>
+              <a:rPr lang="de-DE" dirty="0" err="1"/>
+              <a:t>the</a:t>
+            </a:r>
+            <a:r>
+              <a:rPr lang="de-DE" dirty="0"/>
+              <a:t> </a:t>
+            </a:r>
+            <a:r>
+              <a:rPr lang="de-DE" dirty="0" err="1"/>
+              <a:t>weights</a:t>
+            </a:r>
+            <a:r>
+              <a:rPr lang="de-DE" dirty="0"/>
+              <a:t> </a:t>
+            </a:r>
+            <a:r>
+              <a:rPr lang="de-DE" dirty="0" err="1"/>
+              <a:t>distribution</a:t>
+            </a:r>
+            <a:r>
+              <a:rPr lang="de-DE" dirty="0"/>
+              <a:t> </a:t>
+            </a:r>
+            <a:r>
+              <a:rPr lang="de-DE" dirty="0" err="1"/>
+              <a:t>of</a:t>
+            </a:r>
+            <a:r>
+              <a:rPr lang="de-DE" dirty="0"/>
+              <a:t> </a:t>
+            </a:r>
+            <a:r>
+              <a:rPr lang="de-DE" dirty="0" err="1"/>
+              <a:t>the</a:t>
+            </a:r>
+            <a:r>
+              <a:rPr lang="de-DE" dirty="0"/>
+              <a:t> </a:t>
+            </a:r>
+            <a:r>
+              <a:rPr lang="de-DE" dirty="0" err="1"/>
+              <a:t>given</a:t>
+            </a:r>
+            <a:r>
+              <a:rPr lang="de-DE" dirty="0"/>
+              <a:t> </a:t>
+            </a:r>
+            <a:r>
+              <a:rPr lang="de-DE" dirty="0" err="1"/>
+              <a:t>data</a:t>
+            </a:r>
+            <a:r>
+              <a:rPr lang="de-DE" dirty="0"/>
+              <a:t> </a:t>
+            </a:r>
+            <a:r>
+              <a:rPr lang="de-DE" dirty="0" err="1"/>
+              <a:t>pairs</a:t>
+            </a:r>
+            <a:endParaRPr lang="de-DE" dirty="0"/>
+          </a:p>
+          <a:p>
+            <a:pPr marL="514350" indent="-514350">
+              <a:buFont typeface="+mj-lt"/>
+              <a:buAutoNum type="arabicPeriod"/>
+            </a:pPr>
+            <a:r>
+              <a:rPr lang="de-DE" b="1" dirty="0" err="1">
+                <a:cs typeface="Calibri"/>
+              </a:rPr>
+              <a:t>optimalThreshold</a:t>
+            </a:r>
+            <a:r>
+              <a:rPr lang="de-DE" b="1" dirty="0">
+                <a:cs typeface="Calibri"/>
+              </a:rPr>
+              <a:t>:</a:t>
+            </a:r>
+            <a:br>
+              <a:rPr lang="de-DE" dirty="0">
+                <a:cs typeface="Calibri"/>
+              </a:rPr>
+            </a:br>
+            <a:r>
+              <a:rPr lang="de-DE" dirty="0" err="1">
+                <a:cs typeface="Calibri"/>
+              </a:rPr>
+              <a:t>Calculates</a:t>
+            </a:r>
+            <a:r>
+              <a:rPr lang="de-DE" dirty="0">
+                <a:cs typeface="Calibri"/>
+              </a:rPr>
+              <a:t> </a:t>
+            </a:r>
+            <a:r>
+              <a:rPr lang="de-DE" dirty="0" err="1">
+                <a:cs typeface="Calibri"/>
+              </a:rPr>
+              <a:t>the</a:t>
+            </a:r>
+            <a:r>
+              <a:rPr lang="de-DE" dirty="0">
+                <a:cs typeface="Calibri"/>
+              </a:rPr>
+              <a:t> optimal </a:t>
+            </a:r>
+            <a:r>
+              <a:rPr lang="de-DE" dirty="0" err="1">
+                <a:cs typeface="Calibri"/>
+              </a:rPr>
+              <a:t>threshold</a:t>
+            </a:r>
+            <a:r>
+              <a:rPr lang="de-DE" dirty="0">
+                <a:cs typeface="Calibri"/>
+              </a:rPr>
+              <a:t> </a:t>
+            </a:r>
+            <a:r>
+              <a:rPr lang="de-DE" dirty="0" err="1">
+                <a:cs typeface="Calibri"/>
+              </a:rPr>
+              <a:t>for</a:t>
+            </a:r>
+            <a:r>
+              <a:rPr lang="de-DE" dirty="0">
+                <a:cs typeface="Calibri"/>
+              </a:rPr>
+              <a:t> </a:t>
+            </a:r>
+            <a:r>
+              <a:rPr lang="de-DE" dirty="0" err="1">
+                <a:cs typeface="Calibri"/>
+              </a:rPr>
+              <a:t>weight-based</a:t>
+            </a:r>
+            <a:r>
+              <a:rPr lang="de-DE" dirty="0">
+                <a:cs typeface="Calibri"/>
+              </a:rPr>
+              <a:t> </a:t>
+            </a:r>
+            <a:r>
+              <a:rPr lang="de-DE" dirty="0" err="1">
+                <a:cs typeface="Calibri"/>
+              </a:rPr>
+              <a:t>RecordLinkage</a:t>
+            </a:r>
+            <a:br>
+              <a:rPr lang="de-DE" dirty="0">
+                <a:cs typeface="Calibri"/>
+              </a:rPr>
+            </a:br>
+            <a:r>
+              <a:rPr lang="de-DE" dirty="0" err="1">
+                <a:cs typeface="Calibri"/>
+              </a:rPr>
+              <a:t>my</a:t>
+            </a:r>
+            <a:r>
+              <a:rPr lang="de-DE" dirty="0">
+                <a:cs typeface="Calibri"/>
+              </a:rPr>
+              <a:t> = </a:t>
+            </a:r>
+            <a:r>
+              <a:rPr lang="de-DE" dirty="0" err="1">
+                <a:cs typeface="Calibri"/>
+              </a:rPr>
+              <a:t>error</a:t>
+            </a:r>
+            <a:r>
+              <a:rPr lang="de-DE" dirty="0">
+                <a:cs typeface="Calibri"/>
+              </a:rPr>
+              <a:t> </a:t>
+            </a:r>
+            <a:r>
+              <a:rPr lang="de-DE" dirty="0" err="1">
+                <a:cs typeface="Calibri"/>
+              </a:rPr>
+              <a:t>bound</a:t>
+            </a:r>
+            <a:r>
+              <a:rPr lang="de-DE" dirty="0">
+                <a:cs typeface="Calibri"/>
+              </a:rPr>
+              <a:t> </a:t>
+            </a:r>
+            <a:r>
+              <a:rPr lang="de-DE" dirty="0" err="1">
+                <a:cs typeface="Calibri"/>
+              </a:rPr>
+              <a:t>for</a:t>
+            </a:r>
+            <a:r>
+              <a:rPr lang="de-DE" dirty="0">
+                <a:cs typeface="Calibri"/>
+              </a:rPr>
+              <a:t> </a:t>
+            </a:r>
+            <a:r>
+              <a:rPr lang="de-DE" dirty="0" err="1">
+                <a:cs typeface="Calibri"/>
+              </a:rPr>
+              <a:t>false</a:t>
+            </a:r>
+            <a:r>
+              <a:rPr lang="de-DE" dirty="0">
+                <a:cs typeface="Calibri"/>
+              </a:rPr>
+              <a:t> positives</a:t>
+            </a:r>
+            <a:br>
+              <a:rPr lang="de-DE" dirty="0">
+                <a:cs typeface="Calibri"/>
+              </a:rPr>
+            </a:br>
+            <a:r>
+              <a:rPr lang="de-DE" dirty="0" err="1">
+                <a:cs typeface="Calibri"/>
+              </a:rPr>
+              <a:t>ny</a:t>
+            </a:r>
+            <a:r>
+              <a:rPr lang="de-DE" dirty="0">
+                <a:cs typeface="Calibri"/>
+              </a:rPr>
+              <a:t> = </a:t>
+            </a:r>
+            <a:r>
+              <a:rPr lang="de-DE" dirty="0" err="1">
+                <a:cs typeface="Calibri"/>
+              </a:rPr>
+              <a:t>error</a:t>
+            </a:r>
+            <a:r>
+              <a:rPr lang="de-DE" dirty="0">
+                <a:cs typeface="Calibri"/>
+              </a:rPr>
+              <a:t> </a:t>
+            </a:r>
+            <a:r>
+              <a:rPr lang="de-DE" dirty="0" err="1">
+                <a:cs typeface="Calibri"/>
+              </a:rPr>
+              <a:t>bound</a:t>
+            </a:r>
+            <a:r>
+              <a:rPr lang="de-DE" dirty="0">
+                <a:cs typeface="Calibri"/>
+              </a:rPr>
+              <a:t> </a:t>
+            </a:r>
+            <a:r>
+              <a:rPr lang="de-DE" dirty="0" err="1">
+                <a:cs typeface="Calibri"/>
+              </a:rPr>
+              <a:t>for</a:t>
+            </a:r>
+            <a:r>
+              <a:rPr lang="de-DE" dirty="0">
+                <a:cs typeface="Calibri"/>
+              </a:rPr>
+              <a:t> </a:t>
+            </a:r>
+            <a:r>
+              <a:rPr lang="de-DE" dirty="0" err="1">
+                <a:cs typeface="Calibri"/>
+              </a:rPr>
+              <a:t>false</a:t>
+            </a:r>
+            <a:r>
+              <a:rPr lang="de-DE" dirty="0">
+                <a:cs typeface="Calibri"/>
+              </a:rPr>
+              <a:t> negatives</a:t>
+            </a:r>
+            <a:endParaRPr lang="de-DE" dirty="0"/>
+          </a:p>
+          <a:p>
+            <a:pPr marL="514350" indent="-514350">
+              <a:buFont typeface="+mj-lt"/>
+              <a:buAutoNum type="arabicPeriod"/>
+            </a:pPr>
+            <a:endParaRPr lang="de-DE" dirty="0"/>
+          </a:p>
+        </p:txBody>
+      </p:sp>
+    </p:spTree>
+    <p:extLst>
+      <p:ext uri="{BB962C8B-B14F-4D97-AF65-F5344CB8AC3E}">
+        <p14:creationId xmlns:p14="http://schemas.microsoft.com/office/powerpoint/2010/main" val="4177795553"/>
+      </p:ext>
+    </p:extLst>
+  </p:cSld>
+  <p:clrMapOvr>
+    <a:masterClrMapping/>
+  </p:clrMapOvr>
+</p:sld>
+</file>
+
 <file path=ppt/slides/slide16.xml><?xml version="1.0" encoding="utf-8"?>
 <p:sld xmlns:a="http://schemas.openxmlformats.org/drawingml/2006/main" xmlns:r="http://schemas.openxmlformats.org/officeDocument/2006/relationships" xmlns:p="http://schemas.openxmlformats.org/presentationml/2006/main">
   <p:cSld>
@@ -6310,7 +6621,7 @@
           <p:cNvPr id="2" name="Titel 1">
             <a:extLst>
               <a:ext uri="{FF2B5EF4-FFF2-40B4-BE49-F238E27FC236}">
-                <a16:creationId xmlns:a16="http://schemas.microsoft.com/office/drawing/2014/main" id="{9E62D031-90E2-CD45-90D8-3AEF501D4665}"/>
+                <a16:creationId xmlns:a16="http://schemas.microsoft.com/office/drawing/2014/main" id="{EEA6C87C-85E1-45CF-B838-40684D796EC2}"/>
               </a:ext>
             </a:extLst>
           </p:cNvPr>
@@ -6321,441 +6632,46 @@
             <p:ph type="title"/>
           </p:nvPr>
         </p:nvSpPr>
-        <p:spPr/>
-        <p:txBody>
-          <a:bodyPr/>
-          <a:lstStyle/>
-          <a:p>
-            <a:r>
-              <a:rPr lang="de-DE" b="1" dirty="0" err="1">
+        <p:spPr>
+          <a:xfrm>
+            <a:off x="2555631" y="1441938"/>
+            <a:ext cx="7080738" cy="3974124"/>
+          </a:xfrm>
+        </p:spPr>
+        <p:txBody>
+          <a:bodyPr vert="horz" lIns="91440" tIns="45720" rIns="91440" bIns="45720" rtlCol="0" anchor="ctr">
+            <a:normAutofit/>
+          </a:bodyPr>
+          <a:lstStyle/>
+          <a:p>
+            <a:pPr algn="ctr"/>
+            <a:r>
+              <a:rPr lang="en-US" sz="5400" b="1" dirty="0" err="1">
                 <a:solidFill>
                   <a:schemeClr val="accent1"/>
                 </a:solidFill>
-                <a:latin typeface="+mn-lt"/>
-              </a:rPr>
-              <a:t>Threshold</a:t>
-            </a:r>
-            <a:r>
-              <a:rPr lang="de-DE" b="1" dirty="0">
+                <a:latin typeface="Calibri"/>
+                <a:cs typeface="Calibri"/>
+              </a:rPr>
+              <a:t>Codebeispiele</a:t>
+            </a:r>
+            <a:r>
+              <a:rPr lang="en-US" sz="5400" b="1" dirty="0">
                 <a:solidFill>
                   <a:schemeClr val="accent1"/>
                 </a:solidFill>
-                <a:latin typeface="+mn-lt"/>
-              </a:rPr>
-              <a:t> Determination</a:t>
-            </a:r>
-          </a:p>
-        </p:txBody>
-      </p:sp>
-      <p:sp>
-        <p:nvSpPr>
-          <p:cNvPr id="3" name="Inhaltsplatzhalter 2">
-            <a:extLst>
-              <a:ext uri="{FF2B5EF4-FFF2-40B4-BE49-F238E27FC236}">
-                <a16:creationId xmlns:a16="http://schemas.microsoft.com/office/drawing/2014/main" id="{A1573D2E-4510-3F41-8E6A-FDC26EB6BDEB}"/>
-              </a:ext>
-            </a:extLst>
-          </p:cNvPr>
-          <p:cNvSpPr>
-            <a:spLocks noGrp="1"/>
-          </p:cNvSpPr>
-          <p:nvPr>
-            <p:ph idx="1"/>
-          </p:nvPr>
-        </p:nvSpPr>
-        <p:spPr/>
-        <p:txBody>
-          <a:bodyPr/>
-          <a:lstStyle/>
-          <a:p>
-            <a:pPr marL="514350" indent="-514350">
-              <a:buFont typeface="+mj-lt"/>
-              <a:buAutoNum type="arabicPeriod"/>
-            </a:pPr>
-            <a:r>
-              <a:rPr lang="de-DE" b="1" dirty="0" err="1"/>
-              <a:t>Clerical</a:t>
-            </a:r>
-            <a:r>
-              <a:rPr lang="de-DE" b="1" dirty="0"/>
-              <a:t> Review</a:t>
-            </a:r>
-          </a:p>
-          <a:p>
-            <a:pPr marL="514350" indent="-514350">
-              <a:buFont typeface="+mj-lt"/>
-              <a:buAutoNum type="arabicPeriod"/>
-            </a:pPr>
-            <a:r>
-              <a:rPr lang="de-DE" b="1" dirty="0" err="1"/>
-              <a:t>getParetoThreshold</a:t>
-            </a:r>
-            <a:r>
-              <a:rPr lang="de-DE" b="1" dirty="0"/>
-              <a:t>:</a:t>
-            </a:r>
-            <a:br>
-              <a:rPr lang="de-DE" dirty="0"/>
-            </a:br>
-            <a:r>
-              <a:rPr lang="de-DE" dirty="0" err="1"/>
-              <a:t>calculates</a:t>
-            </a:r>
-            <a:r>
-              <a:rPr lang="de-DE" dirty="0"/>
-              <a:t> a </a:t>
-            </a:r>
-            <a:r>
-              <a:rPr lang="de-DE" dirty="0" err="1"/>
-              <a:t>classification</a:t>
-            </a:r>
-            <a:r>
-              <a:rPr lang="de-DE" dirty="0"/>
-              <a:t> </a:t>
-            </a:r>
-            <a:r>
-              <a:rPr lang="de-DE" dirty="0" err="1"/>
-              <a:t>threshold</a:t>
-            </a:r>
-            <a:r>
-              <a:rPr lang="de-DE" dirty="0"/>
-              <a:t> </a:t>
-            </a:r>
-            <a:r>
-              <a:rPr lang="de-DE" dirty="0" err="1"/>
-              <a:t>based</a:t>
-            </a:r>
-            <a:r>
-              <a:rPr lang="de-DE" dirty="0"/>
-              <a:t> on a </a:t>
-            </a:r>
-            <a:r>
-              <a:rPr lang="de-DE" dirty="0" err="1"/>
-              <a:t>generalized</a:t>
-            </a:r>
-            <a:r>
-              <a:rPr lang="de-DE" dirty="0"/>
-              <a:t> Pareto </a:t>
-            </a:r>
-            <a:r>
-              <a:rPr lang="de-DE" dirty="0" err="1"/>
-              <a:t>distribution</a:t>
-            </a:r>
-            <a:r>
-              <a:rPr lang="de-DE" dirty="0"/>
-              <a:t> </a:t>
-            </a:r>
-            <a:r>
-              <a:rPr lang="de-DE" dirty="0" err="1"/>
-              <a:t>fitted</a:t>
-            </a:r>
-            <a:r>
-              <a:rPr lang="de-DE" dirty="0"/>
-              <a:t> </a:t>
-            </a:r>
-            <a:r>
-              <a:rPr lang="de-DE" dirty="0" err="1"/>
-              <a:t>to</a:t>
-            </a:r>
-            <a:r>
-              <a:rPr lang="de-DE" dirty="0"/>
-              <a:t> </a:t>
-            </a:r>
-            <a:r>
-              <a:rPr lang="de-DE" dirty="0" err="1"/>
-              <a:t>the</a:t>
-            </a:r>
-            <a:r>
-              <a:rPr lang="de-DE" dirty="0"/>
-              <a:t> </a:t>
-            </a:r>
-            <a:r>
-              <a:rPr lang="de-DE" dirty="0" err="1"/>
-              <a:t>weights</a:t>
-            </a:r>
-            <a:r>
-              <a:rPr lang="de-DE" dirty="0"/>
-              <a:t> </a:t>
-            </a:r>
-            <a:r>
-              <a:rPr lang="de-DE" dirty="0" err="1"/>
-              <a:t>distribution</a:t>
-            </a:r>
-            <a:r>
-              <a:rPr lang="de-DE" dirty="0"/>
-              <a:t> </a:t>
-            </a:r>
-            <a:r>
-              <a:rPr lang="de-DE" dirty="0" err="1"/>
-              <a:t>of</a:t>
-            </a:r>
-            <a:r>
-              <a:rPr lang="de-DE" dirty="0"/>
-              <a:t> </a:t>
-            </a:r>
-            <a:r>
-              <a:rPr lang="de-DE" dirty="0" err="1"/>
-              <a:t>the</a:t>
-            </a:r>
-            <a:r>
-              <a:rPr lang="de-DE" dirty="0"/>
-              <a:t> </a:t>
-            </a:r>
-            <a:r>
-              <a:rPr lang="de-DE" dirty="0" err="1"/>
-              <a:t>given</a:t>
-            </a:r>
-            <a:r>
-              <a:rPr lang="de-DE" dirty="0"/>
-              <a:t> </a:t>
-            </a:r>
-            <a:r>
-              <a:rPr lang="de-DE" dirty="0" err="1"/>
-              <a:t>data</a:t>
-            </a:r>
-            <a:r>
-              <a:rPr lang="de-DE" dirty="0"/>
-              <a:t> </a:t>
-            </a:r>
-            <a:r>
-              <a:rPr lang="de-DE" dirty="0" err="1"/>
-              <a:t>pairs</a:t>
-            </a:r>
-            <a:endParaRPr lang="de-DE" dirty="0"/>
-          </a:p>
-          <a:p>
-            <a:pPr marL="514350" indent="-514350">
-              <a:buFont typeface="+mj-lt"/>
-              <a:buAutoNum type="arabicPeriod"/>
-            </a:pPr>
-            <a:r>
-              <a:rPr lang="de-DE" b="1" dirty="0" err="1">
-                <a:cs typeface="Calibri"/>
-              </a:rPr>
-              <a:t>optimalThreshold</a:t>
-            </a:r>
-            <a:r>
-              <a:rPr lang="de-DE" b="1" dirty="0">
-                <a:cs typeface="Calibri"/>
-              </a:rPr>
-              <a:t>:</a:t>
-            </a:r>
-            <a:br>
-              <a:rPr lang="de-DE" dirty="0">
-                <a:cs typeface="Calibri"/>
-              </a:rPr>
-            </a:br>
-            <a:r>
-              <a:rPr lang="de-DE" dirty="0" err="1">
-                <a:cs typeface="Calibri"/>
-              </a:rPr>
-              <a:t>Calculates</a:t>
-            </a:r>
-            <a:r>
-              <a:rPr lang="de-DE" dirty="0">
-                <a:cs typeface="Calibri"/>
-              </a:rPr>
-              <a:t> </a:t>
-            </a:r>
-            <a:r>
-              <a:rPr lang="de-DE" dirty="0" err="1">
-                <a:cs typeface="Calibri"/>
-              </a:rPr>
-              <a:t>the</a:t>
-            </a:r>
-            <a:r>
-              <a:rPr lang="de-DE" dirty="0">
-                <a:cs typeface="Calibri"/>
-              </a:rPr>
-              <a:t> optimal </a:t>
-            </a:r>
-            <a:r>
-              <a:rPr lang="de-DE" dirty="0" err="1">
-                <a:cs typeface="Calibri"/>
-              </a:rPr>
-              <a:t>threshold</a:t>
-            </a:r>
-            <a:r>
-              <a:rPr lang="de-DE" dirty="0">
-                <a:cs typeface="Calibri"/>
-              </a:rPr>
-              <a:t> </a:t>
-            </a:r>
-            <a:r>
-              <a:rPr lang="de-DE" dirty="0" err="1">
-                <a:cs typeface="Calibri"/>
-              </a:rPr>
-              <a:t>for</a:t>
-            </a:r>
-            <a:r>
-              <a:rPr lang="de-DE" dirty="0">
-                <a:cs typeface="Calibri"/>
-              </a:rPr>
-              <a:t> </a:t>
-            </a:r>
-            <a:r>
-              <a:rPr lang="de-DE" dirty="0" err="1">
-                <a:cs typeface="Calibri"/>
-              </a:rPr>
-              <a:t>weight-based</a:t>
-            </a:r>
-            <a:r>
-              <a:rPr lang="de-DE" dirty="0">
-                <a:cs typeface="Calibri"/>
-              </a:rPr>
-              <a:t> </a:t>
-            </a:r>
-            <a:r>
-              <a:rPr lang="de-DE" dirty="0" err="1">
-                <a:cs typeface="Calibri"/>
-              </a:rPr>
-              <a:t>RecordLinkage</a:t>
-            </a:r>
-            <a:br>
-              <a:rPr lang="de-DE" dirty="0">
-                <a:cs typeface="Calibri"/>
-              </a:rPr>
-            </a:br>
-            <a:r>
-              <a:rPr lang="de-DE" dirty="0" err="1">
-                <a:cs typeface="Calibri"/>
-              </a:rPr>
-              <a:t>my</a:t>
-            </a:r>
-            <a:r>
-              <a:rPr lang="de-DE" dirty="0">
-                <a:cs typeface="Calibri"/>
-              </a:rPr>
-              <a:t> = </a:t>
-            </a:r>
-            <a:r>
-              <a:rPr lang="de-DE" dirty="0" err="1">
-                <a:cs typeface="Calibri"/>
-              </a:rPr>
-              <a:t>error</a:t>
-            </a:r>
-            <a:r>
-              <a:rPr lang="de-DE" dirty="0">
-                <a:cs typeface="Calibri"/>
-              </a:rPr>
-              <a:t> </a:t>
-            </a:r>
-            <a:r>
-              <a:rPr lang="de-DE" dirty="0" err="1">
-                <a:cs typeface="Calibri"/>
-              </a:rPr>
-              <a:t>bound</a:t>
-            </a:r>
-            <a:r>
-              <a:rPr lang="de-DE" dirty="0">
-                <a:cs typeface="Calibri"/>
-              </a:rPr>
-              <a:t> </a:t>
-            </a:r>
-            <a:r>
-              <a:rPr lang="de-DE" dirty="0" err="1">
-                <a:cs typeface="Calibri"/>
-              </a:rPr>
-              <a:t>for</a:t>
-            </a:r>
-            <a:r>
-              <a:rPr lang="de-DE" dirty="0">
-                <a:cs typeface="Calibri"/>
-              </a:rPr>
-              <a:t> </a:t>
-            </a:r>
-            <a:r>
-              <a:rPr lang="de-DE" dirty="0" err="1">
-                <a:cs typeface="Calibri"/>
-              </a:rPr>
-              <a:t>false</a:t>
-            </a:r>
-            <a:r>
-              <a:rPr lang="de-DE" dirty="0">
-                <a:cs typeface="Calibri"/>
-              </a:rPr>
-              <a:t> positives</a:t>
-            </a:r>
-            <a:br>
-              <a:rPr lang="de-DE" dirty="0">
-                <a:cs typeface="Calibri"/>
-              </a:rPr>
-            </a:br>
-            <a:r>
-              <a:rPr lang="de-DE" dirty="0" err="1">
-                <a:cs typeface="Calibri"/>
-              </a:rPr>
-              <a:t>ny</a:t>
-            </a:r>
-            <a:r>
-              <a:rPr lang="de-DE" dirty="0">
-                <a:cs typeface="Calibri"/>
-              </a:rPr>
-              <a:t> = </a:t>
-            </a:r>
-            <a:r>
-              <a:rPr lang="de-DE" dirty="0" err="1">
-                <a:cs typeface="Calibri"/>
-              </a:rPr>
-              <a:t>error</a:t>
-            </a:r>
-            <a:r>
-              <a:rPr lang="de-DE" dirty="0">
-                <a:cs typeface="Calibri"/>
-              </a:rPr>
-              <a:t> </a:t>
-            </a:r>
-            <a:r>
-              <a:rPr lang="de-DE" dirty="0" err="1">
-                <a:cs typeface="Calibri"/>
-              </a:rPr>
-              <a:t>bound</a:t>
-            </a:r>
-            <a:r>
-              <a:rPr lang="de-DE" dirty="0">
-                <a:cs typeface="Calibri"/>
-              </a:rPr>
-              <a:t> </a:t>
-            </a:r>
-            <a:r>
-              <a:rPr lang="de-DE" dirty="0" err="1">
-                <a:cs typeface="Calibri"/>
-              </a:rPr>
-              <a:t>for</a:t>
-            </a:r>
-            <a:r>
-              <a:rPr lang="de-DE" dirty="0">
-                <a:cs typeface="Calibri"/>
-              </a:rPr>
-              <a:t> </a:t>
-            </a:r>
-            <a:r>
-              <a:rPr lang="de-DE" dirty="0" err="1">
-                <a:cs typeface="Calibri"/>
-              </a:rPr>
-              <a:t>false</a:t>
-            </a:r>
-            <a:r>
-              <a:rPr lang="de-DE" dirty="0">
-                <a:cs typeface="Calibri"/>
-              </a:rPr>
-              <a:t> negatives</a:t>
-            </a:r>
-            <a:endParaRPr lang="de-DE" dirty="0"/>
-          </a:p>
-          <a:p>
-            <a:pPr marL="514350" indent="-514350">
-              <a:buFont typeface="+mj-lt"/>
-              <a:buAutoNum type="arabicPeriod"/>
-            </a:pPr>
-            <a:endParaRPr lang="de-DE" dirty="0"/>
+                <a:latin typeface="Calibri"/>
+                <a:cs typeface="Calibri"/>
+              </a:rPr>
+              <a:t>: homonym synonym</a:t>
+            </a:r>
           </a:p>
         </p:txBody>
       </p:sp>
     </p:spTree>
     <p:extLst>
       <p:ext uri="{BB962C8B-B14F-4D97-AF65-F5344CB8AC3E}">
-        <p14:creationId xmlns:p14="http://schemas.microsoft.com/office/powerpoint/2010/main" val="4177795553"/>
+        <p14:creationId xmlns:p14="http://schemas.microsoft.com/office/powerpoint/2010/main" val="118939763"/>
       </p:ext>
     </p:extLst>
   </p:cSld>
